--- a/2014/supersize-nodejs/supersize-nodejs-gb.pptx
+++ b/2014/supersize-nodejs/supersize-nodejs-gb.pptx
@@ -18,8 +18,8 @@
     <p:sldId id="300" r:id="rId9"/>
     <p:sldId id="301" r:id="rId10"/>
     <p:sldId id="302" r:id="rId11"/>
-    <p:sldId id="303" r:id="rId12"/>
-    <p:sldId id="304" r:id="rId13"/>
+    <p:sldId id="311" r:id="rId12"/>
+    <p:sldId id="310" r:id="rId13"/>
     <p:sldId id="305" r:id="rId14"/>
     <p:sldId id="306" r:id="rId15"/>
     <p:sldId id="297" r:id="rId16"/>
@@ -123,7 +123,7 @@
   </p:defaultTextStyle>
   <p:extLst>
     <p:ext uri="{EFAFB233-063F-42B5-8137-9DF3F51BA10A}">
-      <p15:sldGuideLst xmlns="" xmlns:p15="http://schemas.microsoft.com/office/powerpoint/2012/main">
+      <p15:sldGuideLst xmlns:p15="http://schemas.microsoft.com/office/powerpoint/2012/main" xmlns="">
         <p15:guide id="1" orient="horz" pos="2880">
           <p15:clr>
             <a:srgbClr val="A4A3A4"/>
@@ -222,7 +222,7 @@
           <a:p>
             <a:fld id="{387C2776-B9DD-1946-9831-785CA23AC1F1}" type="datetime1">
               <a:rPr lang="en-US" smtClean="0"/>
-              <a:t>5/7/2014</a:t>
+              <a:t>5/12/2014</a:t>
             </a:fld>
             <a:endParaRPr lang="en-US" dirty="0"/>
           </a:p>
@@ -388,7 +388,7 @@
           <a:p>
             <a:fld id="{13A1C7DD-7A43-8947-A922-8561F0BA9BCC}" type="datetime1">
               <a:rPr lang="en-US" smtClean="0"/>
-              <a:t>5/7/2014</a:t>
+              <a:t>5/12/2014</a:t>
             </a:fld>
             <a:endParaRPr lang="en-US" dirty="0"/>
           </a:p>
@@ -1160,7 +1160,7 @@
               <a:buChar char="-"/>
             </a:pPr>
             <a:r>
-              <a:rPr lang="en-US" baseline="0" smtClean="0"/>
+              <a:rPr lang="en-US" baseline="0" dirty="0" smtClean="0"/>
               <a:t>NAT Instance</a:t>
             </a:r>
             <a:endParaRPr lang="en-US" dirty="0" smtClean="0"/>
@@ -1247,6 +1247,29 @@
           <a:bodyPr/>
           <a:lstStyle/>
           <a:p>
+            <a:pPr marL="0" marR="0" indent="0" algn="l" defTabSz="812810" rtl="0" eaLnBrk="1" fontAlgn="auto" latinLnBrk="0" hangingPunct="1">
+              <a:lnSpc>
+                <a:spcPct val="100000"/>
+              </a:lnSpc>
+              <a:spcBef>
+                <a:spcPts val="0"/>
+              </a:spcBef>
+              <a:spcAft>
+                <a:spcPts val="0"/>
+              </a:spcAft>
+              <a:buClrTx/>
+              <a:buSzTx/>
+              <a:buFontTx/>
+              <a:buNone/>
+              <a:tabLst/>
+              <a:defRPr/>
+            </a:pPr>
+            <a:r>
+              <a:rPr lang="en-US" dirty="0" smtClean="0"/>
+              <a:t>TODO: Define or delete</a:t>
+            </a:r>
+          </a:p>
+          <a:p>
             <a:endParaRPr lang="en-US" dirty="0"/>
           </a:p>
         </p:txBody>
@@ -1277,7 +1300,7 @@
     </p:spTree>
     <p:extLst>
       <p:ext uri="{BB962C8B-B14F-4D97-AF65-F5344CB8AC3E}">
-        <p14:creationId xmlns:p14="http://schemas.microsoft.com/office/powerpoint/2010/main" val="1002577401"/>
+        <p14:creationId xmlns:p14="http://schemas.microsoft.com/office/powerpoint/2010/main" val="3779366650"/>
       </p:ext>
     </p:extLst>
   </p:cSld>
@@ -1333,72 +1356,7 @@
           <a:p>
             <a:r>
               <a:rPr lang="en-US" dirty="0" smtClean="0"/>
-              <a:t>Shared Configuration (</a:t>
-            </a:r>
-            <a:r>
-              <a:rPr lang="en-US" dirty="0" err="1" smtClean="0"/>
-              <a:t>nconf</a:t>
-            </a:r>
-            <a:r>
-              <a:rPr lang="en-US" dirty="0" smtClean="0"/>
-              <a:t>)</a:t>
-            </a:r>
-          </a:p>
-          <a:p>
-            <a:endParaRPr lang="en-US" dirty="0" smtClean="0"/>
-          </a:p>
-          <a:p>
-            <a:r>
-              <a:rPr lang="en-US" dirty="0" smtClean="0"/>
-              <a:t>Deployment from day 1</a:t>
-            </a:r>
-          </a:p>
-          <a:p>
-            <a:endParaRPr lang="en-US" dirty="0" smtClean="0"/>
-          </a:p>
-          <a:p>
-            <a:r>
-              <a:rPr lang="en-US" dirty="0" smtClean="0"/>
-              <a:t>Investment in development</a:t>
-            </a:r>
-          </a:p>
-          <a:p>
-            <a:endParaRPr lang="en-US" dirty="0" smtClean="0"/>
-          </a:p>
-          <a:p>
-            <a:r>
-              <a:rPr lang="en-US" dirty="0" smtClean="0"/>
-              <a:t>“Local” Deployment</a:t>
-            </a:r>
-          </a:p>
-          <a:p>
-            <a:pPr marL="342900" indent="-342900">
-              <a:buFontTx/>
-              <a:buChar char="-"/>
-            </a:pPr>
-            <a:r>
-              <a:rPr lang="en-US" dirty="0" smtClean="0"/>
-              <a:t>Vagrant</a:t>
-            </a:r>
-          </a:p>
-          <a:p>
-            <a:pPr marL="342900" indent="-342900">
-              <a:buFontTx/>
-              <a:buChar char="-"/>
-            </a:pPr>
-            <a:r>
-              <a:rPr lang="en-US" dirty="0" smtClean="0"/>
-              <a:t>Cross-platform technology</a:t>
-            </a:r>
-          </a:p>
-          <a:p>
-            <a:pPr marL="342900" indent="-342900">
-              <a:buFontTx/>
-              <a:buChar char="-"/>
-            </a:pPr>
-            <a:r>
-              <a:rPr lang="en-US" dirty="0" smtClean="0"/>
-              <a:t>“Full” JavaScript stack</a:t>
+              <a:t>TODO: Define or delete</a:t>
             </a:r>
             <a:endParaRPr lang="en-US" dirty="0"/>
           </a:p>
@@ -1421,7 +1379,7 @@
           <a:p>
             <a:fld id="{73E9330B-B1DA-214B-A229-0CB8492B91A5}" type="slidenum">
               <a:rPr lang="en-US" smtClean="0"/>
-              <a:t>9</a:t>
+              <a:t>8</a:t>
             </a:fld>
             <a:endParaRPr lang="en-US" dirty="0"/>
           </a:p>
@@ -1430,7 +1388,7 @@
     </p:spTree>
     <p:extLst>
       <p:ext uri="{BB962C8B-B14F-4D97-AF65-F5344CB8AC3E}">
-        <p14:creationId xmlns:p14="http://schemas.microsoft.com/office/powerpoint/2010/main" val="1399092135"/>
+        <p14:creationId xmlns:p14="http://schemas.microsoft.com/office/powerpoint/2010/main" val="2121991405"/>
       </p:ext>
     </p:extLst>
   </p:cSld>
@@ -1486,7 +1444,42 @@
           <a:p>
             <a:r>
               <a:rPr lang="en-US" dirty="0" smtClean="0"/>
-              <a:t>Chef Server</a:t>
+              <a:t>Shared Configuration (</a:t>
+            </a:r>
+            <a:r>
+              <a:rPr lang="en-US" dirty="0" err="1" smtClean="0"/>
+              <a:t>nconf</a:t>
+            </a:r>
+            <a:r>
+              <a:rPr lang="en-US" dirty="0" smtClean="0"/>
+              <a:t>)</a:t>
+            </a:r>
+          </a:p>
+          <a:p>
+            <a:endParaRPr lang="en-US" dirty="0" smtClean="0"/>
+          </a:p>
+          <a:p>
+            <a:r>
+              <a:rPr lang="en-US" dirty="0" smtClean="0"/>
+              <a:t>Deployment from day 1</a:t>
+            </a:r>
+          </a:p>
+          <a:p>
+            <a:endParaRPr lang="en-US" dirty="0" smtClean="0"/>
+          </a:p>
+          <a:p>
+            <a:r>
+              <a:rPr lang="en-US" dirty="0" smtClean="0"/>
+              <a:t>Investment in development</a:t>
+            </a:r>
+          </a:p>
+          <a:p>
+            <a:endParaRPr lang="en-US" dirty="0" smtClean="0"/>
+          </a:p>
+          <a:p>
+            <a:r>
+              <a:rPr lang="en-US" dirty="0" smtClean="0"/>
+              <a:t>“Local” Deployment</a:t>
             </a:r>
           </a:p>
           <a:p>
@@ -1496,7 +1489,7 @@
             </a:pPr>
             <a:r>
               <a:rPr lang="en-US" dirty="0" smtClean="0"/>
-              <a:t>Complex</a:t>
+              <a:t>Vagrant</a:t>
             </a:r>
           </a:p>
           <a:p>
@@ -1506,11 +1499,7 @@
             </a:pPr>
             <a:r>
               <a:rPr lang="en-US" dirty="0" smtClean="0"/>
-              <a:t>Not used at its full potential</a:t>
-            </a:r>
-            <a:r>
-              <a:rPr lang="en-US" baseline="0" dirty="0" smtClean="0"/>
-              <a:t> as other tools gave us the same feature set</a:t>
+              <a:t>Cross-platform technology</a:t>
             </a:r>
           </a:p>
           <a:p>
@@ -1519,31 +1508,96 @@
               <a:buChar char="-"/>
             </a:pPr>
             <a:r>
-              <a:rPr lang="en-US" baseline="0" dirty="0" smtClean="0"/>
-              <a:t>Consider packer (chef solo only)</a:t>
-            </a:r>
-            <a:endParaRPr lang="en-US" dirty="0" smtClean="0"/>
-          </a:p>
-          <a:p>
-            <a:endParaRPr lang="en-US" dirty="0" smtClean="0"/>
-          </a:p>
-          <a:p>
-            <a:r>
-              <a:rPr lang="en-US" dirty="0" smtClean="0"/>
-              <a:t>Cloud Formation Abstraction</a:t>
-            </a:r>
-          </a:p>
-          <a:p>
-            <a:endParaRPr lang="en-US" dirty="0" smtClean="0"/>
-          </a:p>
-          <a:p>
-            <a:r>
-              <a:rPr lang="en-US" dirty="0" err="1" smtClean="0"/>
-              <a:t>Npm</a:t>
-            </a:r>
-            <a:r>
-              <a:rPr lang="en-US" dirty="0" smtClean="0"/>
-              <a:t> registry</a:t>
+              <a:rPr lang="en-US" dirty="0" smtClean="0"/>
+              <a:t>“Full” JavaScript stack</a:t>
+            </a:r>
+            <a:endParaRPr lang="en-US" dirty="0"/>
+          </a:p>
+        </p:txBody>
+      </p:sp>
+      <p:sp>
+        <p:nvSpPr>
+          <p:cNvPr id="4" name="Slide Number Placeholder 3"/>
+          <p:cNvSpPr>
+            <a:spLocks noGrp="1"/>
+          </p:cNvSpPr>
+          <p:nvPr>
+            <p:ph type="sldNum" sz="quarter" idx="10"/>
+          </p:nvPr>
+        </p:nvSpPr>
+        <p:spPr/>
+        <p:txBody>
+          <a:bodyPr/>
+          <a:lstStyle/>
+          <a:p>
+            <a:fld id="{73E9330B-B1DA-214B-A229-0CB8492B91A5}" type="slidenum">
+              <a:rPr lang="en-US" smtClean="0"/>
+              <a:t>9</a:t>
+            </a:fld>
+            <a:endParaRPr lang="en-US" dirty="0"/>
+          </a:p>
+        </p:txBody>
+      </p:sp>
+    </p:spTree>
+    <p:extLst>
+      <p:ext uri="{BB962C8B-B14F-4D97-AF65-F5344CB8AC3E}">
+        <p14:creationId xmlns:p14="http://schemas.microsoft.com/office/powerpoint/2010/main" val="1399092135"/>
+      </p:ext>
+    </p:extLst>
+  </p:cSld>
+  <p:clrMapOvr>
+    <a:masterClrMapping/>
+  </p:clrMapOvr>
+</p:notes>
+</file>
+
+<file path=ppt/notesSlides/notesSlide8.xml><?xml version="1.0" encoding="utf-8"?>
+<p:notes xmlns:a="http://schemas.openxmlformats.org/drawingml/2006/main" xmlns:r="http://schemas.openxmlformats.org/officeDocument/2006/relationships" xmlns:p="http://schemas.openxmlformats.org/presentationml/2006/main">
+  <p:cSld>
+    <p:spTree>
+      <p:nvGrpSpPr>
+        <p:cNvPr id="1" name=""/>
+        <p:cNvGrpSpPr/>
+        <p:nvPr/>
+      </p:nvGrpSpPr>
+      <p:grpSpPr>
+        <a:xfrm>
+          <a:off x="0" y="0"/>
+          <a:ext cx="0" cy="0"/>
+          <a:chOff x="0" y="0"/>
+          <a:chExt cx="0" cy="0"/>
+        </a:xfrm>
+      </p:grpSpPr>
+      <p:sp>
+        <p:nvSpPr>
+          <p:cNvPr id="2" name="Slide Image Placeholder 1"/>
+          <p:cNvSpPr>
+            <a:spLocks noGrp="1" noRot="1" noChangeAspect="1"/>
+          </p:cNvSpPr>
+          <p:nvPr>
+            <p:ph type="sldImg"/>
+          </p:nvPr>
+        </p:nvSpPr>
+        <p:spPr/>
+      </p:sp>
+      <p:sp>
+        <p:nvSpPr>
+          <p:cNvPr id="3" name="Notes Placeholder 2"/>
+          <p:cNvSpPr>
+            <a:spLocks noGrp="1"/>
+          </p:cNvSpPr>
+          <p:nvPr>
+            <p:ph type="body" idx="1"/>
+          </p:nvPr>
+        </p:nvSpPr>
+        <p:spPr/>
+        <p:txBody>
+          <a:bodyPr/>
+          <a:lstStyle/>
+          <a:p>
+            <a:r>
+              <a:rPr lang="en-US" dirty="0" smtClean="0"/>
+              <a:t>Chef Server</a:t>
             </a:r>
           </a:p>
           <a:p>
@@ -1553,19 +1607,7 @@
             </a:pPr>
             <a:r>
               <a:rPr lang="en-US" dirty="0" smtClean="0"/>
-              <a:t>Correctly</a:t>
-            </a:r>
-            <a:r>
-              <a:rPr lang="en-US" baseline="0" dirty="0" smtClean="0"/>
-              <a:t> decoupled deployment from </a:t>
-            </a:r>
-            <a:r>
-              <a:rPr lang="en-US" baseline="0" dirty="0" err="1" smtClean="0"/>
-              <a:t>npm</a:t>
-            </a:r>
-            <a:r>
-              <a:rPr lang="en-US" baseline="0" dirty="0" smtClean="0"/>
-              <a:t> registry</a:t>
+              <a:t>Complex</a:t>
             </a:r>
           </a:p>
           <a:p>
@@ -1574,12 +1616,12 @@
               <a:buChar char="-"/>
             </a:pPr>
             <a:r>
-              <a:rPr lang="en-US" dirty="0" err="1" smtClean="0"/>
-              <a:t>Git</a:t>
-            </a:r>
-            <a:r>
-              <a:rPr lang="en-US" dirty="0" smtClean="0"/>
-              <a:t> protocol for node modules works, but it is slow</a:t>
+              <a:rPr lang="en-US" dirty="0" smtClean="0"/>
+              <a:t>Not used at its full potential</a:t>
+            </a:r>
+            <a:r>
+              <a:rPr lang="en-US" baseline="0" dirty="0" smtClean="0"/>
+              <a:t> as other tools gave us the same feature set</a:t>
             </a:r>
           </a:p>
           <a:p>
@@ -1589,6 +1631,129 @@
             </a:pPr>
             <a:r>
               <a:rPr lang="en-US" baseline="0" dirty="0" smtClean="0"/>
+              <a:t>Consider packer </a:t>
+            </a:r>
+            <a:r>
+              <a:rPr lang="en-US" baseline="0" dirty="0" smtClean="0"/>
+              <a:t>(with chef </a:t>
+            </a:r>
+            <a:r>
+              <a:rPr lang="en-US" baseline="0" dirty="0" smtClean="0"/>
+              <a:t>solo only)</a:t>
+            </a:r>
+            <a:endParaRPr lang="en-US" dirty="0" smtClean="0"/>
+          </a:p>
+          <a:p>
+            <a:endParaRPr lang="en-US" dirty="0" smtClean="0"/>
+          </a:p>
+          <a:p>
+            <a:r>
+              <a:rPr lang="en-US" dirty="0" smtClean="0"/>
+              <a:t>Cloud Formation </a:t>
+            </a:r>
+            <a:r>
+              <a:rPr lang="en-US" dirty="0" smtClean="0"/>
+              <a:t>template generation </a:t>
+            </a:r>
+            <a:r>
+              <a:rPr lang="en-US" baseline="0" dirty="0" smtClean="0"/>
+              <a:t>a</a:t>
+            </a:r>
+            <a:r>
+              <a:rPr lang="en-US" dirty="0" smtClean="0"/>
+              <a:t>bstraction</a:t>
+            </a:r>
+          </a:p>
+          <a:p>
+            <a:pPr marL="342900" indent="-342900">
+              <a:buFontTx/>
+              <a:buChar char="-"/>
+            </a:pPr>
+            <a:r>
+              <a:rPr lang="en-US" dirty="0" smtClean="0"/>
+              <a:t>We identify</a:t>
+            </a:r>
+            <a:r>
+              <a:rPr lang="en-US" baseline="0" dirty="0" smtClean="0"/>
+              <a:t> correctly the issue</a:t>
+            </a:r>
+          </a:p>
+          <a:p>
+            <a:pPr marL="342900" indent="-342900">
+              <a:buFontTx/>
+              <a:buChar char="-"/>
+            </a:pPr>
+            <a:r>
+              <a:rPr lang="en-US" dirty="0" smtClean="0"/>
+              <a:t>Mustache not the right</a:t>
+            </a:r>
+            <a:r>
+              <a:rPr lang="en-US" baseline="0" dirty="0" smtClean="0"/>
+              <a:t> tool to do that</a:t>
+            </a:r>
+            <a:endParaRPr lang="en-US" dirty="0" smtClean="0"/>
+          </a:p>
+          <a:p>
+            <a:endParaRPr lang="en-US" dirty="0" smtClean="0"/>
+          </a:p>
+          <a:p>
+            <a:r>
+              <a:rPr lang="en-US" dirty="0" err="1" smtClean="0"/>
+              <a:t>Npm</a:t>
+            </a:r>
+            <a:r>
+              <a:rPr lang="en-US" dirty="0" smtClean="0"/>
+              <a:t> registry</a:t>
+            </a:r>
+          </a:p>
+          <a:p>
+            <a:pPr marL="342900" indent="-342900">
+              <a:buFontTx/>
+              <a:buChar char="-"/>
+            </a:pPr>
+            <a:r>
+              <a:rPr lang="en-US" dirty="0" smtClean="0"/>
+              <a:t>Correctly</a:t>
+            </a:r>
+            <a:r>
+              <a:rPr lang="en-US" baseline="0" dirty="0" smtClean="0"/>
+              <a:t> decoupled deployment from </a:t>
+            </a:r>
+            <a:r>
+              <a:rPr lang="en-US" baseline="0" dirty="0" err="1" smtClean="0"/>
+              <a:t>npm</a:t>
+            </a:r>
+            <a:r>
+              <a:rPr lang="en-US" baseline="0" dirty="0" smtClean="0"/>
+              <a:t> registry</a:t>
+            </a:r>
+          </a:p>
+          <a:p>
+            <a:pPr marL="342900" indent="-342900">
+              <a:buFontTx/>
+              <a:buChar char="-"/>
+            </a:pPr>
+            <a:r>
+              <a:rPr lang="en-US" dirty="0" err="1" smtClean="0"/>
+              <a:t>Git</a:t>
+            </a:r>
+            <a:r>
+              <a:rPr lang="en-US" dirty="0" smtClean="0"/>
+              <a:t> protocol for node modules works, but it is </a:t>
+            </a:r>
+            <a:r>
+              <a:rPr lang="en-US" dirty="0" smtClean="0"/>
+              <a:t>slow + not reliable</a:t>
+            </a:r>
+            <a:endParaRPr lang="en-US" dirty="0" smtClean="0"/>
+          </a:p>
+          <a:p>
+            <a:pPr marL="342900" indent="-342900">
+              <a:buFontTx/>
+              <a:buChar char="-"/>
+            </a:pPr>
+            <a:r>
+              <a:rPr lang="en-US" baseline="0" dirty="0" smtClean="0"/>
               <a:t>Fetching from </a:t>
             </a:r>
             <a:r>
@@ -1624,12 +1789,12 @@
               <a:buChar char="-"/>
             </a:pPr>
             <a:r>
-              <a:rPr lang="en-US" dirty="0" err="1" smtClean="0"/>
-              <a:t>Middleground</a:t>
-            </a:r>
-            <a:r>
-              <a:rPr lang="en-US" dirty="0" smtClean="0"/>
-              <a:t> solution with </a:t>
+              <a:rPr lang="en-US" dirty="0" smtClean="0"/>
+              <a:t>Middle-ground </a:t>
+            </a:r>
+            <a:r>
+              <a:rPr lang="en-US" dirty="0" smtClean="0"/>
+              <a:t>solution with </a:t>
             </a:r>
             <a:r>
               <a:rPr lang="en-US" dirty="0" err="1" smtClean="0"/>
@@ -5032,51 +5197,70 @@
           </a:prstGeom>
         </p:spPr>
       </p:pic>
-      <p:sp>
-        <p:nvSpPr>
-          <p:cNvPr id="6" name="Rectangle 5"/>
-          <p:cNvSpPr/>
+      <p:pic>
+        <p:nvPicPr>
+          <p:cNvPr id="4098" name="Picture 2"/>
+          <p:cNvPicPr>
+            <a:picLocks noChangeAspect="1" noChangeArrowheads="1"/>
+          </p:cNvPicPr>
           <p:nvPr/>
-        </p:nvSpPr>
-        <p:spPr>
+        </p:nvPicPr>
+        <p:blipFill>
+          <a:blip r:embed="rId4">
+            <a:extLst>
+              <a:ext uri="{28A0092B-C50C-407E-A947-70E740481C1C}">
+                <a14:useLocalDpi xmlns:a14="http://schemas.microsoft.com/office/drawing/2010/main" val="0"/>
+              </a:ext>
+            </a:extLst>
+          </a:blip>
+          <a:srcRect/>
+          <a:stretch>
+            <a:fillRect/>
+          </a:stretch>
+        </p:blipFill>
+        <p:spPr bwMode="auto">
           <a:xfrm>
-            <a:off x="4146115" y="4325587"/>
-            <a:ext cx="6638795" cy="2839301"/>
+            <a:off x="4025689" y="3530930"/>
+            <a:ext cx="7343775" cy="4724400"/>
           </a:xfrm>
           <a:prstGeom prst="rect">
             <a:avLst/>
           </a:prstGeom>
-          <a:solidFill>
-            <a:srgbClr val="FF0000"/>
-          </a:solidFill>
+          <a:noFill/>
+          <a:ln>
+            <a:noFill/>
+          </a:ln>
+          <a:effectLst/>
+          <a:extLst>
+            <a:ext uri="{909E8E84-426E-40DD-AFC4-6F175D3DCCD1}">
+              <a14:hiddenFill xmlns:a14="http://schemas.microsoft.com/office/drawing/2010/main">
+                <a:solidFill>
+                  <a:schemeClr val="accent1"/>
+                </a:solidFill>
+              </a14:hiddenFill>
+            </a:ext>
+            <a:ext uri="{91240B29-F687-4F45-9708-019B960494DF}">
+              <a14:hiddenLine xmlns:a14="http://schemas.microsoft.com/office/drawing/2010/main" w="9525">
+                <a:solidFill>
+                  <a:schemeClr val="tx1"/>
+                </a:solidFill>
+                <a:miter lim="800000"/>
+                <a:headEnd/>
+                <a:tailEnd/>
+              </a14:hiddenLine>
+            </a:ext>
+            <a:ext uri="{AF507438-7753-43E0-B8FC-AC1667EBCBE1}">
+              <a14:hiddenEffects xmlns:a14="http://schemas.microsoft.com/office/drawing/2010/main">
+                <a:effectLst>
+                  <a:outerShdw dist="35921" dir="2700000" algn="ctr" rotWithShape="0">
+                    <a:schemeClr val="bg2"/>
+                  </a:outerShdw>
+                </a:effectLst>
+              </a14:hiddenEffects>
+            </a:ext>
+          </a:extLst>
         </p:spPr>
-        <p:style>
-          <a:lnRef idx="1">
-            <a:schemeClr val="accent1"/>
-          </a:lnRef>
-          <a:fillRef idx="3">
-            <a:schemeClr val="accent1"/>
-          </a:fillRef>
-          <a:effectRef idx="2">
-            <a:schemeClr val="accent1"/>
-          </a:effectRef>
-          <a:fontRef idx="minor">
-            <a:schemeClr val="lt1"/>
-          </a:fontRef>
-        </p:style>
-        <p:txBody>
-          <a:bodyPr rtlCol="0" anchor="ctr"/>
-          <a:lstStyle/>
-          <a:p>
-            <a:pPr algn="ctr"/>
-            <a:r>
-              <a:rPr lang="en-US" dirty="0" smtClean="0"/>
-              <a:t>Schema Here</a:t>
-            </a:r>
-            <a:endParaRPr lang="en-US" dirty="0"/>
-          </a:p>
-        </p:txBody>
-      </p:sp>
+      </p:pic>
     </p:spTree>
     <p:extLst>
       <p:ext uri="{BB962C8B-B14F-4D97-AF65-F5344CB8AC3E}">
@@ -5302,7 +5486,7 @@
           <p:nvPr/>
         </p:nvPicPr>
         <p:blipFill>
-          <a:blip r:embed="rId4">
+          <a:blip r:embed="rId3">
             <a:extLst>
               <a:ext uri="{28A0092B-C50C-407E-A947-70E740481C1C}">
                 <a14:useLocalDpi xmlns:a14="http://schemas.microsoft.com/office/drawing/2010/main" val="0"/>
@@ -5362,7 +5546,7 @@
           <p:nvPr/>
         </p:nvPicPr>
         <p:blipFill>
-          <a:blip r:embed="rId5">
+          <a:blip r:embed="rId4">
             <a:extLst>
               <a:ext uri="{28A0092B-C50C-407E-A947-70E740481C1C}">
                 <a14:useLocalDpi xmlns:a14="http://schemas.microsoft.com/office/drawing/2010/main" val="0"/>
@@ -5383,63 +5567,70 @@
           </a:prstGeom>
         </p:spPr>
       </p:pic>
-      <p:graphicFrame>
-        <p:nvGraphicFramePr>
-          <p:cNvPr id="7" name="Object 6"/>
-          <p:cNvGraphicFramePr>
-            <a:graphicFrameLocks noChangeAspect="1"/>
-          </p:cNvGraphicFramePr>
-          <p:nvPr>
-            <p:extLst>
-              <p:ext uri="{D42A27DB-BD31-4B8C-83A1-F6EECF244321}">
-                <p14:modId xmlns:p14="http://schemas.microsoft.com/office/powerpoint/2010/main" val="353858030"/>
-              </p:ext>
-            </p:extLst>
-          </p:nvPr>
-        </p:nvGraphicFramePr>
-        <p:xfrm>
-          <a:off x="3805238" y="3451225"/>
-          <a:ext cx="8645525" cy="2238375"/>
-        </p:xfrm>
-        <a:graphic>
-          <a:graphicData uri="http://schemas.openxmlformats.org/presentationml/2006/ole">
-            <mc:AlternateContent xmlns:mc="http://schemas.openxmlformats.org/markup-compatibility/2006">
-              <mc:Choice xmlns:v="urn:schemas-microsoft-com:vml" Requires="v">
-                <p:oleObj spid="_x0000_s1031" name="Visio" r:id="rId6" imgW="8646145" imgH="2237632" progId="Visio.Drawing.11">
-                  <p:embed/>
-                </p:oleObj>
-              </mc:Choice>
-              <mc:Fallback>
-                <p:oleObj name="Visio" r:id="rId6" imgW="8646145" imgH="2237632" progId="Visio.Drawing.11">
-                  <p:embed/>
-                  <p:pic>
-                    <p:nvPicPr>
-                      <p:cNvPr id="0" name=""/>
-                      <p:cNvPicPr/>
-                      <p:nvPr/>
-                    </p:nvPicPr>
-                    <p:blipFill>
-                      <a:blip r:embed="rId7"/>
-                      <a:stretch>
-                        <a:fillRect/>
-                      </a:stretch>
-                    </p:blipFill>
-                    <p:spPr>
-                      <a:xfrm>
-                        <a:off x="3805238" y="3451225"/>
-                        <a:ext cx="8645525" cy="2238375"/>
-                      </a:xfrm>
-                      <a:prstGeom prst="rect">
-                        <a:avLst/>
-                      </a:prstGeom>
-                    </p:spPr>
-                  </p:pic>
-                </p:oleObj>
-              </mc:Fallback>
-            </mc:AlternateContent>
-          </a:graphicData>
-        </a:graphic>
-      </p:graphicFrame>
+      <p:pic>
+        <p:nvPicPr>
+          <p:cNvPr id="1033" name="Picture 9"/>
+          <p:cNvPicPr>
+            <a:picLocks noChangeAspect="1" noChangeArrowheads="1"/>
+          </p:cNvPicPr>
+          <p:nvPr/>
+        </p:nvPicPr>
+        <p:blipFill>
+          <a:blip r:embed="rId5">
+            <a:extLst>
+              <a:ext uri="{28A0092B-C50C-407E-A947-70E740481C1C}">
+                <a14:useLocalDpi xmlns:a14="http://schemas.microsoft.com/office/drawing/2010/main" val="0"/>
+              </a:ext>
+            </a:extLst>
+          </a:blip>
+          <a:srcRect/>
+          <a:stretch>
+            <a:fillRect/>
+          </a:stretch>
+        </p:blipFill>
+        <p:spPr bwMode="auto">
+          <a:xfrm>
+            <a:off x="4706938" y="3452813"/>
+            <a:ext cx="6853237" cy="2236787"/>
+          </a:xfrm>
+          <a:prstGeom prst="rect">
+            <a:avLst/>
+          </a:prstGeom>
+          <a:noFill/>
+          <a:ln>
+            <a:noFill/>
+          </a:ln>
+          <a:effectLst/>
+          <a:extLst>
+            <a:ext uri="{909E8E84-426E-40DD-AFC4-6F175D3DCCD1}">
+              <a14:hiddenFill xmlns:a14="http://schemas.microsoft.com/office/drawing/2010/main">
+                <a:solidFill>
+                  <a:schemeClr val="accent1"/>
+                </a:solidFill>
+              </a14:hiddenFill>
+            </a:ext>
+            <a:ext uri="{91240B29-F687-4F45-9708-019B960494DF}">
+              <a14:hiddenLine xmlns:a14="http://schemas.microsoft.com/office/drawing/2010/main" w="9525">
+                <a:solidFill>
+                  <a:schemeClr val="tx1"/>
+                </a:solidFill>
+                <a:miter lim="800000"/>
+                <a:headEnd/>
+                <a:tailEnd/>
+              </a14:hiddenLine>
+            </a:ext>
+            <a:ext uri="{AF507438-7753-43E0-B8FC-AC1667EBCBE1}">
+              <a14:hiddenEffects xmlns:a14="http://schemas.microsoft.com/office/drawing/2010/main">
+                <a:effectLst>
+                  <a:outerShdw dist="35921" dir="2700000" algn="ctr" rotWithShape="0">
+                    <a:schemeClr val="bg2"/>
+                  </a:outerShdw>
+                </a:effectLst>
+              </a14:hiddenEffects>
+            </a:ext>
+          </a:extLst>
+        </p:spPr>
+      </p:pic>
     </p:spTree>
     <p:extLst>
       <p:ext uri="{BB962C8B-B14F-4D97-AF65-F5344CB8AC3E}">
@@ -5486,7 +5677,7 @@
           <p:nvPr/>
         </p:nvPicPr>
         <p:blipFill>
-          <a:blip r:embed="rId4">
+          <a:blip r:embed="rId3">
             <a:extLst>
               <a:ext uri="{28A0092B-C50C-407E-A947-70E740481C1C}">
                 <a14:useLocalDpi xmlns:a14="http://schemas.microsoft.com/office/drawing/2010/main" val="0"/>
@@ -5546,7 +5737,7 @@
           <p:nvPr/>
         </p:nvPicPr>
         <p:blipFill>
-          <a:blip r:embed="rId5">
+          <a:blip r:embed="rId4">
             <a:extLst>
               <a:ext uri="{28A0092B-C50C-407E-A947-70E740481C1C}">
                 <a14:useLocalDpi xmlns:a14="http://schemas.microsoft.com/office/drawing/2010/main" val="0"/>
@@ -5567,63 +5758,70 @@
           </a:prstGeom>
         </p:spPr>
       </p:pic>
-      <p:graphicFrame>
-        <p:nvGraphicFramePr>
-          <p:cNvPr id="9" name="Object 8"/>
-          <p:cNvGraphicFramePr>
-            <a:graphicFrameLocks noChangeAspect="1"/>
-          </p:cNvGraphicFramePr>
-          <p:nvPr>
-            <p:extLst>
-              <p:ext uri="{D42A27DB-BD31-4B8C-83A1-F6EECF244321}">
-                <p14:modId xmlns:p14="http://schemas.microsoft.com/office/powerpoint/2010/main" val="1465175629"/>
-              </p:ext>
-            </p:extLst>
-          </p:nvPr>
-        </p:nvGraphicFramePr>
-        <p:xfrm>
-          <a:off x="4240213" y="2438400"/>
-          <a:ext cx="7777162" cy="4265613"/>
-        </p:xfrm>
-        <a:graphic>
-          <a:graphicData uri="http://schemas.openxmlformats.org/presentationml/2006/ole">
-            <mc:AlternateContent xmlns:mc="http://schemas.openxmlformats.org/markup-compatibility/2006">
-              <mc:Choice xmlns:v="urn:schemas-microsoft-com:vml" Requires="v">
-                <p:oleObj spid="_x0000_s2052" name="Visio" r:id="rId6" imgW="7777127" imgH="4266389" progId="Visio.Drawing.11">
-                  <p:embed/>
-                </p:oleObj>
-              </mc:Choice>
-              <mc:Fallback>
-                <p:oleObj name="Visio" r:id="rId6" imgW="7777127" imgH="4266389" progId="Visio.Drawing.11">
-                  <p:embed/>
-                  <p:pic>
-                    <p:nvPicPr>
-                      <p:cNvPr id="0" name=""/>
-                      <p:cNvPicPr/>
-                      <p:nvPr/>
-                    </p:nvPicPr>
-                    <p:blipFill>
-                      <a:blip r:embed="rId7"/>
-                      <a:stretch>
-                        <a:fillRect/>
-                      </a:stretch>
-                    </p:blipFill>
-                    <p:spPr>
-                      <a:xfrm>
-                        <a:off x="4240213" y="2438400"/>
-                        <a:ext cx="7777162" cy="4265613"/>
-                      </a:xfrm>
-                      <a:prstGeom prst="rect">
-                        <a:avLst/>
-                      </a:prstGeom>
-                    </p:spPr>
-                  </p:pic>
-                </p:oleObj>
-              </mc:Fallback>
-            </mc:AlternateContent>
-          </a:graphicData>
-        </a:graphic>
-      </p:graphicFrame>
+      <p:pic>
+        <p:nvPicPr>
+          <p:cNvPr id="2053" name="Picture 5"/>
+          <p:cNvPicPr>
+            <a:picLocks noChangeAspect="1" noChangeArrowheads="1"/>
+          </p:cNvPicPr>
+          <p:nvPr/>
+        </p:nvPicPr>
+        <p:blipFill>
+          <a:blip r:embed="rId5">
+            <a:extLst>
+              <a:ext uri="{28A0092B-C50C-407E-A947-70E740481C1C}">
+                <a14:useLocalDpi xmlns:a14="http://schemas.microsoft.com/office/drawing/2010/main" val="0"/>
+              </a:ext>
+            </a:extLst>
+          </a:blip>
+          <a:srcRect/>
+          <a:stretch>
+            <a:fillRect/>
+          </a:stretch>
+        </p:blipFill>
+        <p:spPr bwMode="auto">
+          <a:xfrm>
+            <a:off x="4138613" y="1966913"/>
+            <a:ext cx="7989887" cy="5208587"/>
+          </a:xfrm>
+          <a:prstGeom prst="rect">
+            <a:avLst/>
+          </a:prstGeom>
+          <a:noFill/>
+          <a:ln>
+            <a:noFill/>
+          </a:ln>
+          <a:effectLst/>
+          <a:extLst>
+            <a:ext uri="{909E8E84-426E-40DD-AFC4-6F175D3DCCD1}">
+              <a14:hiddenFill xmlns:a14="http://schemas.microsoft.com/office/drawing/2010/main">
+                <a:solidFill>
+                  <a:schemeClr val="accent1"/>
+                </a:solidFill>
+              </a14:hiddenFill>
+            </a:ext>
+            <a:ext uri="{91240B29-F687-4F45-9708-019B960494DF}">
+              <a14:hiddenLine xmlns:a14="http://schemas.microsoft.com/office/drawing/2010/main" w="9525">
+                <a:solidFill>
+                  <a:schemeClr val="tx1"/>
+                </a:solidFill>
+                <a:miter lim="800000"/>
+                <a:headEnd/>
+                <a:tailEnd/>
+              </a14:hiddenLine>
+            </a:ext>
+            <a:ext uri="{AF507438-7753-43E0-B8FC-AC1667EBCBE1}">
+              <a14:hiddenEffects xmlns:a14="http://schemas.microsoft.com/office/drawing/2010/main">
+                <a:effectLst>
+                  <a:outerShdw dist="35921" dir="2700000" algn="ctr" rotWithShape="0">
+                    <a:schemeClr val="bg2"/>
+                  </a:outerShdw>
+                </a:effectLst>
+              </a14:hiddenEffects>
+            </a:ext>
+          </a:extLst>
+        </p:spPr>
+      </p:pic>
     </p:spTree>
     <p:extLst>
       <p:ext uri="{BB962C8B-B14F-4D97-AF65-F5344CB8AC3E}">
@@ -5670,7 +5868,7 @@
           <p:nvPr/>
         </p:nvPicPr>
         <p:blipFill>
-          <a:blip r:embed="rId4">
+          <a:blip r:embed="rId3">
             <a:extLst>
               <a:ext uri="{28A0092B-C50C-407E-A947-70E740481C1C}">
                 <a14:useLocalDpi xmlns:a14="http://schemas.microsoft.com/office/drawing/2010/main" val="0"/>
@@ -5730,7 +5928,7 @@
           <p:nvPr/>
         </p:nvPicPr>
         <p:blipFill>
-          <a:blip r:embed="rId5">
+          <a:blip r:embed="rId4">
             <a:extLst>
               <a:ext uri="{28A0092B-C50C-407E-A947-70E740481C1C}">
                 <a14:useLocalDpi xmlns:a14="http://schemas.microsoft.com/office/drawing/2010/main" val="0"/>
@@ -5751,63 +5949,152 @@
           </a:prstGeom>
         </p:spPr>
       </p:pic>
-      <p:graphicFrame>
-        <p:nvGraphicFramePr>
-          <p:cNvPr id="9" name="Object 8"/>
-          <p:cNvGraphicFramePr>
-            <a:graphicFrameLocks noChangeAspect="1"/>
-          </p:cNvGraphicFramePr>
-          <p:nvPr>
-            <p:extLst>
-              <p:ext uri="{D42A27DB-BD31-4B8C-83A1-F6EECF244321}">
-                <p14:modId xmlns:p14="http://schemas.microsoft.com/office/powerpoint/2010/main" val="341980205"/>
-              </p:ext>
-            </p:extLst>
-          </p:nvPr>
-        </p:nvGraphicFramePr>
-        <p:xfrm>
-          <a:off x="3303588" y="1033463"/>
-          <a:ext cx="9650412" cy="7075487"/>
-        </p:xfrm>
-        <a:graphic>
-          <a:graphicData uri="http://schemas.openxmlformats.org/presentationml/2006/ole">
-            <mc:AlternateContent xmlns:mc="http://schemas.openxmlformats.org/markup-compatibility/2006">
-              <mc:Choice xmlns:v="urn:schemas-microsoft-com:vml" Requires="v">
-                <p:oleObj spid="_x0000_s3076" name="Visio" r:id="rId6" imgW="9651040" imgH="7075791" progId="Visio.Drawing.11">
-                  <p:embed/>
-                </p:oleObj>
-              </mc:Choice>
-              <mc:Fallback>
-                <p:oleObj name="Visio" r:id="rId6" imgW="9651040" imgH="7075791" progId="Visio.Drawing.11">
-                  <p:embed/>
-                  <p:pic>
-                    <p:nvPicPr>
-                      <p:cNvPr id="0" name=""/>
-                      <p:cNvPicPr/>
-                      <p:nvPr/>
-                    </p:nvPicPr>
-                    <p:blipFill>
-                      <a:blip r:embed="rId7"/>
-                      <a:stretch>
-                        <a:fillRect/>
-                      </a:stretch>
-                    </p:blipFill>
-                    <p:spPr>
-                      <a:xfrm>
-                        <a:off x="3303588" y="1033463"/>
-                        <a:ext cx="9650412" cy="7075487"/>
-                      </a:xfrm>
-                      <a:prstGeom prst="rect">
-                        <a:avLst/>
-                      </a:prstGeom>
-                    </p:spPr>
-                  </p:pic>
-                </p:oleObj>
-              </mc:Fallback>
-            </mc:AlternateContent>
-          </a:graphicData>
-        </a:graphic>
-      </p:graphicFrame>
+      <p:pic>
+        <p:nvPicPr>
+          <p:cNvPr id="3078" name="Picture 6"/>
+          <p:cNvPicPr>
+            <a:picLocks noChangeAspect="1" noChangeArrowheads="1"/>
+          </p:cNvPicPr>
+          <p:nvPr/>
+        </p:nvPicPr>
+        <p:blipFill>
+          <a:blip r:embed="rId5">
+            <a:extLst>
+              <a:ext uri="{28A0092B-C50C-407E-A947-70E740481C1C}">
+                <a14:useLocalDpi xmlns:a14="http://schemas.microsoft.com/office/drawing/2010/main" val="0"/>
+              </a:ext>
+            </a:extLst>
+          </a:blip>
+          <a:srcRect/>
+          <a:stretch>
+            <a:fillRect/>
+          </a:stretch>
+        </p:blipFill>
+        <p:spPr bwMode="auto">
+          <a:xfrm>
+            <a:off x="3308350" y="1019175"/>
+            <a:ext cx="9650413" cy="7104063"/>
+          </a:xfrm>
+          <a:prstGeom prst="rect">
+            <a:avLst/>
+          </a:prstGeom>
+          <a:noFill/>
+          <a:ln>
+            <a:noFill/>
+          </a:ln>
+          <a:effectLst/>
+          <a:extLst>
+            <a:ext uri="{909E8E84-426E-40DD-AFC4-6F175D3DCCD1}">
+              <a14:hiddenFill xmlns:a14="http://schemas.microsoft.com/office/drawing/2010/main">
+                <a:solidFill>
+                  <a:schemeClr val="accent1"/>
+                </a:solidFill>
+              </a14:hiddenFill>
+            </a:ext>
+            <a:ext uri="{91240B29-F687-4F45-9708-019B960494DF}">
+              <a14:hiddenLine xmlns:a14="http://schemas.microsoft.com/office/drawing/2010/main" w="9525">
+                <a:solidFill>
+                  <a:schemeClr val="tx1"/>
+                </a:solidFill>
+                <a:miter lim="800000"/>
+                <a:headEnd/>
+                <a:tailEnd/>
+              </a14:hiddenLine>
+            </a:ext>
+            <a:ext uri="{AF507438-7753-43E0-B8FC-AC1667EBCBE1}">
+              <a14:hiddenEffects xmlns:a14="http://schemas.microsoft.com/office/drawing/2010/main">
+                <a:effectLst>
+                  <a:outerShdw dist="35921" dir="2700000" algn="ctr" rotWithShape="0">
+                    <a:schemeClr val="bg2"/>
+                  </a:outerShdw>
+                </a:effectLst>
+              </a14:hiddenEffects>
+            </a:ext>
+          </a:extLst>
+        </p:spPr>
+      </p:pic>
+      <p:pic>
+        <p:nvPicPr>
+          <p:cNvPr id="3079" name="Picture 7" descr="C:\github\guillaume-brossard-adsk\tech-summit\2013\AWS_LOGO.png"/>
+          <p:cNvPicPr>
+            <a:picLocks noChangeAspect="1" noChangeArrowheads="1"/>
+          </p:cNvPicPr>
+          <p:nvPr/>
+        </p:nvPicPr>
+        <p:blipFill>
+          <a:blip r:embed="rId6">
+            <a:extLst>
+              <a:ext uri="{28A0092B-C50C-407E-A947-70E740481C1C}">
+                <a14:useLocalDpi xmlns:a14="http://schemas.microsoft.com/office/drawing/2010/main" val="0"/>
+              </a:ext>
+            </a:extLst>
+          </a:blip>
+          <a:srcRect/>
+          <a:stretch>
+            <a:fillRect/>
+          </a:stretch>
+        </p:blipFill>
+        <p:spPr bwMode="auto">
+          <a:xfrm>
+            <a:off x="812880" y="2089688"/>
+            <a:ext cx="2061940" cy="752063"/>
+          </a:xfrm>
+          <a:prstGeom prst="rect">
+            <a:avLst/>
+          </a:prstGeom>
+          <a:noFill/>
+          <a:extLst>
+            <a:ext uri="{909E8E84-426E-40DD-AFC4-6F175D3DCCD1}">
+              <a14:hiddenFill xmlns:a14="http://schemas.microsoft.com/office/drawing/2010/main">
+                <a:solidFill>
+                  <a:srgbClr val="FFFFFF"/>
+                </a:solidFill>
+              </a14:hiddenFill>
+            </a:ext>
+          </a:extLst>
+        </p:spPr>
+      </p:pic>
+      <p:pic>
+        <p:nvPicPr>
+          <p:cNvPr id="3080" name="Picture 8" descr="C:\github\guillaume-brossard-adsk\tech-summit\2013\logo-chef.png"/>
+          <p:cNvPicPr>
+            <a:picLocks noChangeAspect="1" noChangeArrowheads="1"/>
+          </p:cNvPicPr>
+          <p:nvPr/>
+        </p:nvPicPr>
+        <p:blipFill>
+          <a:blip r:embed="rId7">
+            <a:extLst>
+              <a:ext uri="{28A0092B-C50C-407E-A947-70E740481C1C}">
+                <a14:useLocalDpi xmlns:a14="http://schemas.microsoft.com/office/drawing/2010/main" val="0"/>
+              </a:ext>
+            </a:extLst>
+          </a:blip>
+          <a:srcRect/>
+          <a:stretch>
+            <a:fillRect/>
+          </a:stretch>
+        </p:blipFill>
+        <p:spPr bwMode="auto">
+          <a:xfrm>
+            <a:off x="1414201" y="3052302"/>
+            <a:ext cx="1348078" cy="1044760"/>
+          </a:xfrm>
+          <a:prstGeom prst="rect">
+            <a:avLst/>
+          </a:prstGeom>
+          <a:noFill/>
+          <a:extLst>
+            <a:ext uri="{909E8E84-426E-40DD-AFC4-6F175D3DCCD1}">
+              <a14:hiddenFill xmlns:a14="http://schemas.microsoft.com/office/drawing/2010/main">
+                <a:solidFill>
+                  <a:srgbClr val="FFFFFF"/>
+                </a:solidFill>
+              </a14:hiddenFill>
+            </a:ext>
+          </a:extLst>
+        </p:spPr>
+      </p:pic>
     </p:spTree>
     <p:extLst>
       <p:ext uri="{BB962C8B-B14F-4D97-AF65-F5344CB8AC3E}">
@@ -5877,25 +6164,6 @@
       </p:pic>
       <p:sp>
         <p:nvSpPr>
-          <p:cNvPr id="2" name="Content Placeholder 1"/>
-          <p:cNvSpPr>
-            <a:spLocks noGrp="1"/>
-          </p:cNvSpPr>
-          <p:nvPr>
-            <p:ph idx="1"/>
-          </p:nvPr>
-        </p:nvSpPr>
-        <p:spPr/>
-        <p:txBody>
-          <a:bodyPr/>
-          <a:lstStyle/>
-          <a:p>
-            <a:endParaRPr lang="en-US" dirty="0"/>
-          </a:p>
-        </p:txBody>
-      </p:sp>
-      <p:sp>
-        <p:nvSpPr>
           <p:cNvPr id="3" name="Title 2"/>
           <p:cNvSpPr>
             <a:spLocks noGrp="1"/>
@@ -5910,10 +6178,9 @@
           <a:lstStyle/>
           <a:p>
             <a:r>
-              <a:rPr lang="en-US" dirty="0" smtClean="0"/>
+              <a:rPr lang="en-US" dirty="0"/>
               <a:t>Deployment</a:t>
             </a:r>
-            <a:endParaRPr lang="en-US" dirty="0"/>
           </a:p>
         </p:txBody>
       </p:sp>
@@ -5947,23 +6214,57 @@
           </a:prstGeom>
         </p:spPr>
       </p:pic>
+      <p:sp>
+        <p:nvSpPr>
+          <p:cNvPr id="6" name="Rectangle 5"/>
+          <p:cNvSpPr/>
+          <p:nvPr/>
+        </p:nvSpPr>
+        <p:spPr>
+          <a:xfrm>
+            <a:off x="3703093" y="2849526"/>
+            <a:ext cx="8272130" cy="4189228"/>
+          </a:xfrm>
+          <a:prstGeom prst="rect">
+            <a:avLst/>
+          </a:prstGeom>
+          <a:solidFill>
+            <a:srgbClr val="FF0000"/>
+          </a:solidFill>
+        </p:spPr>
+        <p:style>
+          <a:lnRef idx="1">
+            <a:schemeClr val="accent1"/>
+          </a:lnRef>
+          <a:fillRef idx="3">
+            <a:schemeClr val="accent1"/>
+          </a:fillRef>
+          <a:effectRef idx="2">
+            <a:schemeClr val="accent1"/>
+          </a:effectRef>
+          <a:fontRef idx="minor">
+            <a:schemeClr val="lt1"/>
+          </a:fontRef>
+        </p:style>
+        <p:txBody>
+          <a:bodyPr rtlCol="0" anchor="ctr"/>
+          <a:lstStyle/>
+          <a:p>
+            <a:pPr algn="ctr"/>
+            <a:endParaRPr lang="en-US"/>
+          </a:p>
+        </p:txBody>
+      </p:sp>
     </p:spTree>
     <p:extLst>
       <p:ext uri="{BB962C8B-B14F-4D97-AF65-F5344CB8AC3E}">
-        <p14:creationId xmlns:p14="http://schemas.microsoft.com/office/powerpoint/2010/main" val="1731262194"/>
+        <p14:creationId xmlns:p14="http://schemas.microsoft.com/office/powerpoint/2010/main" val="1003440182"/>
       </p:ext>
     </p:extLst>
   </p:cSld>
   <p:clrMapOvr>
     <a:masterClrMapping/>
   </p:clrMapOvr>
-  <p:timing>
-    <p:tnLst>
-      <p:par>
-        <p:cTn id="1" dur="indefinite" restart="never" nodeType="tmRoot"/>
-      </p:par>
-    </p:tnLst>
-  </p:timing>
 </p:sld>
 </file>
 
@@ -5993,7 +6294,7 @@
           <p:nvPr/>
         </p:nvPicPr>
         <p:blipFill>
-          <a:blip r:embed="rId2">
+          <a:blip r:embed="rId3">
             <a:extLst>
               <a:ext uri="{28A0092B-C50C-407E-A947-70E740481C1C}">
                 <a14:useLocalDpi xmlns:a14="http://schemas.microsoft.com/office/drawing/2010/main" val="0"/>
@@ -6016,25 +6317,6 @@
       </p:pic>
       <p:sp>
         <p:nvSpPr>
-          <p:cNvPr id="2" name="Content Placeholder 1"/>
-          <p:cNvSpPr>
-            <a:spLocks noGrp="1"/>
-          </p:cNvSpPr>
-          <p:nvPr>
-            <p:ph idx="1"/>
-          </p:nvPr>
-        </p:nvSpPr>
-        <p:spPr/>
-        <p:txBody>
-          <a:bodyPr/>
-          <a:lstStyle/>
-          <a:p>
-            <a:endParaRPr lang="en-US" dirty="0"/>
-          </a:p>
-        </p:txBody>
-      </p:sp>
-      <p:sp>
-        <p:nvSpPr>
           <p:cNvPr id="3" name="Title 2"/>
           <p:cNvSpPr>
             <a:spLocks noGrp="1"/>
@@ -6065,7 +6347,7 @@
           <p:nvPr/>
         </p:nvPicPr>
         <p:blipFill>
-          <a:blip r:embed="rId3">
+          <a:blip r:embed="rId4">
             <a:extLst>
               <a:ext uri="{28A0092B-C50C-407E-A947-70E740481C1C}">
                 <a14:useLocalDpi xmlns:a14="http://schemas.microsoft.com/office/drawing/2010/main" val="0"/>
@@ -6086,10 +6368,51 @@
           </a:prstGeom>
         </p:spPr>
       </p:pic>
+      <p:sp>
+        <p:nvSpPr>
+          <p:cNvPr id="6" name="Rectangle 5"/>
+          <p:cNvSpPr/>
+          <p:nvPr/>
+        </p:nvSpPr>
+        <p:spPr>
+          <a:xfrm>
+            <a:off x="3703093" y="2849526"/>
+            <a:ext cx="8272130" cy="4189228"/>
+          </a:xfrm>
+          <a:prstGeom prst="rect">
+            <a:avLst/>
+          </a:prstGeom>
+          <a:solidFill>
+            <a:srgbClr val="FF0000"/>
+          </a:solidFill>
+        </p:spPr>
+        <p:style>
+          <a:lnRef idx="1">
+            <a:schemeClr val="accent1"/>
+          </a:lnRef>
+          <a:fillRef idx="3">
+            <a:schemeClr val="accent1"/>
+          </a:fillRef>
+          <a:effectRef idx="2">
+            <a:schemeClr val="accent1"/>
+          </a:effectRef>
+          <a:fontRef idx="minor">
+            <a:schemeClr val="lt1"/>
+          </a:fontRef>
+        </p:style>
+        <p:txBody>
+          <a:bodyPr rtlCol="0" anchor="ctr"/>
+          <a:lstStyle/>
+          <a:p>
+            <a:pPr algn="ctr"/>
+            <a:endParaRPr lang="en-US"/>
+          </a:p>
+        </p:txBody>
+      </p:sp>
     </p:spTree>
     <p:extLst>
       <p:ext uri="{BB962C8B-B14F-4D97-AF65-F5344CB8AC3E}">
-        <p14:creationId xmlns:p14="http://schemas.microsoft.com/office/powerpoint/2010/main" val="129294234"/>
+        <p14:creationId xmlns:p14="http://schemas.microsoft.com/office/powerpoint/2010/main" val="1397876949"/>
       </p:ext>
     </p:extLst>
   </p:cSld>
@@ -6196,8 +6519,13 @@
           <a:p>
             <a:r>
               <a:rPr lang="en-US" dirty="0" smtClean="0"/>
-              <a:t>Investment in development</a:t>
-            </a:r>
+              <a:t>Investment in </a:t>
+            </a:r>
+            <a:r>
+              <a:rPr lang="en-US" dirty="0" smtClean="0"/>
+              <a:t>development/deployment tools</a:t>
+            </a:r>
+            <a:endParaRPr lang="en-US" dirty="0" smtClean="0"/>
           </a:p>
           <a:p>
             <a:endParaRPr lang="en-US" dirty="0"/>
@@ -7571,6 +7899,21 @@
 </file>
 
 <file path=customXml/item1.xml><?xml version="1.0" encoding="utf-8"?>
+<p:properties xmlns:p="http://schemas.microsoft.com/office/2006/metadata/properties" xmlns:xsi="http://www.w3.org/2001/XMLSchema-instance" xmlns:pc="http://schemas.microsoft.com/office/infopath/2007/PartnerControls">
+  <documentManagement/>
+</p:properties>
+</file>
+
+<file path=customXml/item2.xml><?xml version="1.0" encoding="utf-8"?>
+<?mso-contentType ?>
+<FormTemplates xmlns="http://schemas.microsoft.com/sharepoint/v3/contenttype/forms">
+  <Display>DocumentLibraryForm</Display>
+  <Edit>DocumentLibraryForm</Edit>
+  <New>DocumentLibraryForm</New>
+</FormTemplates>
+</file>
+
+<file path=customXml/item3.xml><?xml version="1.0" encoding="utf-8"?>
 <ct:contentTypeSchema xmlns:ct="http://schemas.microsoft.com/office/2006/metadata/contentType" xmlns:ma="http://schemas.microsoft.com/office/2006/metadata/properties/metaAttributes" ct:_="" ma:_="" ma:contentTypeName="Document" ma:contentTypeID="0x01010084BDEA35F16FD64EAFB50D24D0B278CC" ma:contentTypeVersion="0" ma:contentTypeDescription="Create a new document." ma:contentTypeScope="" ma:versionID="0b7f5383295ef2e64e89ac2495ff3d4e">
   <xsd:schema xmlns:xsd="http://www.w3.org/2001/XMLSchema" xmlns:xs="http://www.w3.org/2001/XMLSchema" xmlns:p="http://schemas.microsoft.com/office/2006/metadata/properties" targetNamespace="http://schemas.microsoft.com/office/2006/metadata/properties" ma:root="true" ma:fieldsID="c64490b4aec6201516c3a874156f37b2">
     <xsd:element name="properties">
@@ -7684,32 +8027,16 @@
 </ct:contentTypeSchema>
 </file>
 
-<file path=customXml/item2.xml><?xml version="1.0" encoding="utf-8"?>
-<?mso-contentType ?>
-<FormTemplates xmlns="http://schemas.microsoft.com/sharepoint/v3/contenttype/forms">
-  <Display>DocumentLibraryForm</Display>
-  <Edit>DocumentLibraryForm</Edit>
-  <New>DocumentLibraryForm</New>
-</FormTemplates>
-</file>
-
-<file path=customXml/item3.xml><?xml version="1.0" encoding="utf-8"?>
-<p:properties xmlns:p="http://schemas.microsoft.com/office/2006/metadata/properties" xmlns:xsi="http://www.w3.org/2001/XMLSchema-instance" xmlns:pc="http://schemas.microsoft.com/office/infopath/2007/PartnerControls">
-  <documentManagement/>
-</p:properties>
-</file>
-
 <file path=customXml/itemProps1.xml><?xml version="1.0" encoding="utf-8"?>
-<ds:datastoreItem xmlns:ds="http://schemas.openxmlformats.org/officeDocument/2006/customXml" ds:itemID="{D7CF5377-8F54-4882-874E-AEB1934708BB}">
+<ds:datastoreItem xmlns:ds="http://schemas.openxmlformats.org/officeDocument/2006/customXml" ds:itemID="{DB3AD410-478E-4068-B103-32D60D437510}">
   <ds:schemaRefs>
-    <ds:schemaRef ds:uri="http://schemas.microsoft.com/office/2006/metadata/contentType"/>
-    <ds:schemaRef ds:uri="http://schemas.microsoft.com/office/2006/metadata/properties/metaAttributes"/>
-    <ds:schemaRef ds:uri="http://www.w3.org/2001/XMLSchema"/>
+    <ds:schemaRef ds:uri="http://purl.org/dc/dcmitype/"/>
+    <ds:schemaRef ds:uri="http://purl.org/dc/terms/"/>
+    <ds:schemaRef ds:uri="http://schemas.microsoft.com/office/2006/documentManagement/types"/>
     <ds:schemaRef ds:uri="http://schemas.microsoft.com/office/2006/metadata/properties"/>
     <ds:schemaRef ds:uri="http://schemas.openxmlformats.org/package/2006/metadata/core-properties"/>
+    <ds:schemaRef ds:uri="http://www.w3.org/XML/1998/namespace"/>
     <ds:schemaRef ds:uri="http://purl.org/dc/elements/1.1/"/>
-    <ds:schemaRef ds:uri="http://purl.org/dc/terms/"/>
-    <ds:schemaRef ds:uri="http://schemas.microsoft.com/internal/obd"/>
     <ds:schemaRef ds:uri="http://schemas.microsoft.com/office/infopath/2007/PartnerControls"/>
   </ds:schemaRefs>
 </ds:datastoreItem>
@@ -7724,16 +8051,17 @@
 </file>
 
 <file path=customXml/itemProps3.xml><?xml version="1.0" encoding="utf-8"?>
-<ds:datastoreItem xmlns:ds="http://schemas.openxmlformats.org/officeDocument/2006/customXml" ds:itemID="{DB3AD410-478E-4068-B103-32D60D437510}">
+<ds:datastoreItem xmlns:ds="http://schemas.openxmlformats.org/officeDocument/2006/customXml" ds:itemID="{D7CF5377-8F54-4882-874E-AEB1934708BB}">
   <ds:schemaRefs>
-    <ds:schemaRef ds:uri="http://schemas.microsoft.com/office/2006/documentManagement/types"/>
-    <ds:schemaRef ds:uri="http://www.w3.org/XML/1998/namespace"/>
+    <ds:schemaRef ds:uri="http://schemas.microsoft.com/office/2006/metadata/contentType"/>
+    <ds:schemaRef ds:uri="http://schemas.microsoft.com/office/2006/metadata/properties/metaAttributes"/>
+    <ds:schemaRef ds:uri="http://www.w3.org/2001/XMLSchema"/>
+    <ds:schemaRef ds:uri="http://schemas.microsoft.com/office/2006/metadata/properties"/>
+    <ds:schemaRef ds:uri="http://schemas.openxmlformats.org/package/2006/metadata/core-properties"/>
     <ds:schemaRef ds:uri="http://purl.org/dc/elements/1.1/"/>
-    <ds:schemaRef ds:uri="http://purl.org/dc/dcmitype/"/>
     <ds:schemaRef ds:uri="http://purl.org/dc/terms/"/>
-    <ds:schemaRef ds:uri="http://schemas.microsoft.com/office/2006/metadata/properties"/>
+    <ds:schemaRef ds:uri="http://schemas.microsoft.com/internal/obd"/>
     <ds:schemaRef ds:uri="http://schemas.microsoft.com/office/infopath/2007/PartnerControls"/>
-    <ds:schemaRef ds:uri="http://schemas.openxmlformats.org/package/2006/metadata/core-properties"/>
   </ds:schemaRefs>
 </ds:datastoreItem>
 </file>
--- a/2014/supersize-nodejs/supersize-nodejs-gb.pptx
+++ b/2014/supersize-nodejs/supersize-nodejs-gb.pptx
@@ -6,10 +6,10 @@
     <p:sldMasterId id="2147483667" r:id="rId5"/>
   </p:sldMasterIdLst>
   <p:notesMasterIdLst>
-    <p:notesMasterId r:id="rId17"/>
+    <p:notesMasterId r:id="rId19"/>
   </p:notesMasterIdLst>
   <p:handoutMasterIdLst>
-    <p:handoutMasterId r:id="rId18"/>
+    <p:handoutMasterId r:id="rId20"/>
   </p:handoutMasterIdLst>
   <p:sldIdLst>
     <p:sldId id="293" r:id="rId6"/>
@@ -19,10 +19,12 @@
     <p:sldId id="301" r:id="rId10"/>
     <p:sldId id="302" r:id="rId11"/>
     <p:sldId id="311" r:id="rId12"/>
-    <p:sldId id="310" r:id="rId13"/>
-    <p:sldId id="305" r:id="rId14"/>
-    <p:sldId id="306" r:id="rId15"/>
-    <p:sldId id="297" r:id="rId16"/>
+    <p:sldId id="312" r:id="rId13"/>
+    <p:sldId id="313" r:id="rId14"/>
+    <p:sldId id="310" r:id="rId15"/>
+    <p:sldId id="305" r:id="rId16"/>
+    <p:sldId id="306" r:id="rId17"/>
+    <p:sldId id="297" r:id="rId18"/>
   </p:sldIdLst>
   <p:sldSz cx="16257588" cy="9144000"/>
   <p:notesSz cx="6858000" cy="9144000"/>
@@ -123,7 +125,7 @@
   </p:defaultTextStyle>
   <p:extLst>
     <p:ext uri="{EFAFB233-063F-42B5-8137-9DF3F51BA10A}">
-      <p15:sldGuideLst xmlns:p15="http://schemas.microsoft.com/office/powerpoint/2012/main" xmlns="">
+      <p15:sldGuideLst xmlns="" xmlns:p15="http://schemas.microsoft.com/office/powerpoint/2012/main">
         <p15:guide id="1" orient="horz" pos="2880">
           <p15:clr>
             <a:srgbClr val="A4A3A4"/>
@@ -222,7 +224,7 @@
           <a:p>
             <a:fld id="{387C2776-B9DD-1946-9831-785CA23AC1F1}" type="datetime1">
               <a:rPr lang="en-US" smtClean="0"/>
-              <a:t>5/12/2014</a:t>
+              <a:t>5/13/2014</a:t>
             </a:fld>
             <a:endParaRPr lang="en-US" dirty="0"/>
           </a:p>
@@ -388,7 +390,7 @@
           <a:p>
             <a:fld id="{13A1C7DD-7A43-8947-A922-8561F0BA9BCC}" type="datetime1">
               <a:rPr lang="en-US" smtClean="0"/>
-              <a:t>5/12/2014</a:t>
+              <a:t>5/13/2014</a:t>
             </a:fld>
             <a:endParaRPr lang="en-US" dirty="0"/>
           </a:p>
@@ -1379,7 +1381,7 @@
           <a:p>
             <a:fld id="{73E9330B-B1DA-214B-A229-0CB8492B91A5}" type="slidenum">
               <a:rPr lang="en-US" smtClean="0"/>
-              <a:t>8</a:t>
+              <a:t>9</a:t>
             </a:fld>
             <a:endParaRPr lang="en-US" dirty="0"/>
           </a:p>
@@ -1444,72 +1446,7 @@
           <a:p>
             <a:r>
               <a:rPr lang="en-US" dirty="0" smtClean="0"/>
-              <a:t>Shared Configuration (</a:t>
-            </a:r>
-            <a:r>
-              <a:rPr lang="en-US" dirty="0" err="1" smtClean="0"/>
-              <a:t>nconf</a:t>
-            </a:r>
-            <a:r>
-              <a:rPr lang="en-US" dirty="0" smtClean="0"/>
-              <a:t>)</a:t>
-            </a:r>
-          </a:p>
-          <a:p>
-            <a:endParaRPr lang="en-US" dirty="0" smtClean="0"/>
-          </a:p>
-          <a:p>
-            <a:r>
-              <a:rPr lang="en-US" dirty="0" smtClean="0"/>
-              <a:t>Deployment from day 1</a:t>
-            </a:r>
-          </a:p>
-          <a:p>
-            <a:endParaRPr lang="en-US" dirty="0" smtClean="0"/>
-          </a:p>
-          <a:p>
-            <a:r>
-              <a:rPr lang="en-US" dirty="0" smtClean="0"/>
-              <a:t>Investment in development</a:t>
-            </a:r>
-          </a:p>
-          <a:p>
-            <a:endParaRPr lang="en-US" dirty="0" smtClean="0"/>
-          </a:p>
-          <a:p>
-            <a:r>
-              <a:rPr lang="en-US" dirty="0" smtClean="0"/>
-              <a:t>“Local” Deployment</a:t>
-            </a:r>
-          </a:p>
-          <a:p>
-            <a:pPr marL="342900" indent="-342900">
-              <a:buFontTx/>
-              <a:buChar char="-"/>
-            </a:pPr>
-            <a:r>
-              <a:rPr lang="en-US" dirty="0" smtClean="0"/>
-              <a:t>Vagrant</a:t>
-            </a:r>
-          </a:p>
-          <a:p>
-            <a:pPr marL="342900" indent="-342900">
-              <a:buFontTx/>
-              <a:buChar char="-"/>
-            </a:pPr>
-            <a:r>
-              <a:rPr lang="en-US" dirty="0" smtClean="0"/>
-              <a:t>Cross-platform technology</a:t>
-            </a:r>
-          </a:p>
-          <a:p>
-            <a:pPr marL="342900" indent="-342900">
-              <a:buFontTx/>
-              <a:buChar char="-"/>
-            </a:pPr>
-            <a:r>
-              <a:rPr lang="en-US" dirty="0" smtClean="0"/>
-              <a:t>“Full” JavaScript stack</a:t>
+              <a:t>TODO: Define or delete</a:t>
             </a:r>
             <a:endParaRPr lang="en-US" dirty="0"/>
           </a:p>
@@ -1532,7 +1469,7 @@
           <a:p>
             <a:fld id="{73E9330B-B1DA-214B-A229-0CB8492B91A5}" type="slidenum">
               <a:rPr lang="en-US" smtClean="0"/>
-              <a:t>9</a:t>
+              <a:t>10</a:t>
             </a:fld>
             <a:endParaRPr lang="en-US" dirty="0"/>
           </a:p>
@@ -1541,7 +1478,7 @@
     </p:spTree>
     <p:extLst>
       <p:ext uri="{BB962C8B-B14F-4D97-AF65-F5344CB8AC3E}">
-        <p14:creationId xmlns:p14="http://schemas.microsoft.com/office/powerpoint/2010/main" val="1399092135"/>
+        <p14:creationId xmlns:p14="http://schemas.microsoft.com/office/powerpoint/2010/main" val="2121991405"/>
       </p:ext>
     </p:extLst>
   </p:cSld>
@@ -1597,7 +1534,42 @@
           <a:p>
             <a:r>
               <a:rPr lang="en-US" dirty="0" smtClean="0"/>
-              <a:t>Chef Server</a:t>
+              <a:t>Shared Configuration (</a:t>
+            </a:r>
+            <a:r>
+              <a:rPr lang="en-US" dirty="0" err="1" smtClean="0"/>
+              <a:t>nconf</a:t>
+            </a:r>
+            <a:r>
+              <a:rPr lang="en-US" dirty="0" smtClean="0"/>
+              <a:t>)</a:t>
+            </a:r>
+          </a:p>
+          <a:p>
+            <a:endParaRPr lang="en-US" dirty="0" smtClean="0"/>
+          </a:p>
+          <a:p>
+            <a:r>
+              <a:rPr lang="en-US" dirty="0" smtClean="0"/>
+              <a:t>Deployment from day 1</a:t>
+            </a:r>
+          </a:p>
+          <a:p>
+            <a:endParaRPr lang="en-US" dirty="0" smtClean="0"/>
+          </a:p>
+          <a:p>
+            <a:r>
+              <a:rPr lang="en-US" dirty="0" smtClean="0"/>
+              <a:t>Investment in development</a:t>
+            </a:r>
+          </a:p>
+          <a:p>
+            <a:endParaRPr lang="en-US" dirty="0" smtClean="0"/>
+          </a:p>
+          <a:p>
+            <a:r>
+              <a:rPr lang="en-US" dirty="0" smtClean="0"/>
+              <a:t>“Local” Deployment</a:t>
             </a:r>
           </a:p>
           <a:p>
@@ -1607,7 +1579,7 @@
             </a:pPr>
             <a:r>
               <a:rPr lang="en-US" dirty="0" smtClean="0"/>
-              <a:t>Complex</a:t>
+              <a:t>Vagrant</a:t>
             </a:r>
           </a:p>
           <a:p>
@@ -1617,11 +1589,7 @@
             </a:pPr>
             <a:r>
               <a:rPr lang="en-US" dirty="0" smtClean="0"/>
-              <a:t>Not used at its full potential</a:t>
-            </a:r>
-            <a:r>
-              <a:rPr lang="en-US" baseline="0" dirty="0" smtClean="0"/>
-              <a:t> as other tools gave us the same feature set</a:t>
+              <a:t>Cross-platform technology</a:t>
             </a:r>
           </a:p>
           <a:p>
@@ -1630,190 +1598,9 @@
               <a:buChar char="-"/>
             </a:pPr>
             <a:r>
-              <a:rPr lang="en-US" baseline="0" dirty="0" smtClean="0"/>
-              <a:t>Consider packer </a:t>
-            </a:r>
-            <a:r>
-              <a:rPr lang="en-US" baseline="0" dirty="0" smtClean="0"/>
-              <a:t>(with chef </a:t>
-            </a:r>
-            <a:r>
-              <a:rPr lang="en-US" baseline="0" dirty="0" smtClean="0"/>
-              <a:t>solo only)</a:t>
-            </a:r>
-            <a:endParaRPr lang="en-US" dirty="0" smtClean="0"/>
-          </a:p>
-          <a:p>
-            <a:endParaRPr lang="en-US" dirty="0" smtClean="0"/>
-          </a:p>
-          <a:p>
-            <a:r>
-              <a:rPr lang="en-US" dirty="0" smtClean="0"/>
-              <a:t>Cloud Formation </a:t>
-            </a:r>
-            <a:r>
-              <a:rPr lang="en-US" dirty="0" smtClean="0"/>
-              <a:t>template generation </a:t>
-            </a:r>
-            <a:r>
-              <a:rPr lang="en-US" baseline="0" dirty="0" smtClean="0"/>
-              <a:t>a</a:t>
-            </a:r>
-            <a:r>
-              <a:rPr lang="en-US" dirty="0" smtClean="0"/>
-              <a:t>bstraction</a:t>
-            </a:r>
-          </a:p>
-          <a:p>
-            <a:pPr marL="342900" indent="-342900">
-              <a:buFontTx/>
-              <a:buChar char="-"/>
-            </a:pPr>
-            <a:r>
-              <a:rPr lang="en-US" dirty="0" smtClean="0"/>
-              <a:t>We identify</a:t>
-            </a:r>
-            <a:r>
-              <a:rPr lang="en-US" baseline="0" dirty="0" smtClean="0"/>
-              <a:t> correctly the issue</a:t>
-            </a:r>
-          </a:p>
-          <a:p>
-            <a:pPr marL="342900" indent="-342900">
-              <a:buFontTx/>
-              <a:buChar char="-"/>
-            </a:pPr>
-            <a:r>
-              <a:rPr lang="en-US" dirty="0" smtClean="0"/>
-              <a:t>Mustache not the right</a:t>
-            </a:r>
-            <a:r>
-              <a:rPr lang="en-US" baseline="0" dirty="0" smtClean="0"/>
-              <a:t> tool to do that</a:t>
-            </a:r>
-            <a:endParaRPr lang="en-US" dirty="0" smtClean="0"/>
-          </a:p>
-          <a:p>
-            <a:endParaRPr lang="en-US" dirty="0" smtClean="0"/>
-          </a:p>
-          <a:p>
-            <a:r>
-              <a:rPr lang="en-US" dirty="0" err="1" smtClean="0"/>
-              <a:t>Npm</a:t>
-            </a:r>
-            <a:r>
-              <a:rPr lang="en-US" dirty="0" smtClean="0"/>
-              <a:t> registry</a:t>
-            </a:r>
-          </a:p>
-          <a:p>
-            <a:pPr marL="342900" indent="-342900">
-              <a:buFontTx/>
-              <a:buChar char="-"/>
-            </a:pPr>
-            <a:r>
-              <a:rPr lang="en-US" dirty="0" smtClean="0"/>
-              <a:t>Correctly</a:t>
-            </a:r>
-            <a:r>
-              <a:rPr lang="en-US" baseline="0" dirty="0" smtClean="0"/>
-              <a:t> decoupled deployment from </a:t>
-            </a:r>
-            <a:r>
-              <a:rPr lang="en-US" baseline="0" dirty="0" err="1" smtClean="0"/>
-              <a:t>npm</a:t>
-            </a:r>
-            <a:r>
-              <a:rPr lang="en-US" baseline="0" dirty="0" smtClean="0"/>
-              <a:t> registry</a:t>
-            </a:r>
-          </a:p>
-          <a:p>
-            <a:pPr marL="342900" indent="-342900">
-              <a:buFontTx/>
-              <a:buChar char="-"/>
-            </a:pPr>
-            <a:r>
-              <a:rPr lang="en-US" dirty="0" err="1" smtClean="0"/>
-              <a:t>Git</a:t>
-            </a:r>
-            <a:r>
-              <a:rPr lang="en-US" dirty="0" smtClean="0"/>
-              <a:t> protocol for node modules works, but it is </a:t>
-            </a:r>
-            <a:r>
-              <a:rPr lang="en-US" dirty="0" smtClean="0"/>
-              <a:t>slow + not reliable</a:t>
-            </a:r>
-            <a:endParaRPr lang="en-US" dirty="0" smtClean="0"/>
-          </a:p>
-          <a:p>
-            <a:pPr marL="342900" indent="-342900">
-              <a:buFontTx/>
-              <a:buChar char="-"/>
-            </a:pPr>
-            <a:r>
-              <a:rPr lang="en-US" baseline="0" dirty="0" smtClean="0"/>
-              <a:t>Fetching from </a:t>
-            </a:r>
-            <a:r>
-              <a:rPr lang="en-US" baseline="0" dirty="0" err="1" smtClean="0"/>
-              <a:t>npm</a:t>
-            </a:r>
-            <a:r>
-              <a:rPr lang="en-US" baseline="0" dirty="0" smtClean="0"/>
-              <a:t> is not fast</a:t>
-            </a:r>
-          </a:p>
-          <a:p>
-            <a:pPr marL="342900" lvl="0" indent="-342900">
-              <a:buFontTx/>
-              <a:buChar char="-"/>
-            </a:pPr>
-            <a:r>
-              <a:rPr lang="en-US" baseline="0" dirty="0" smtClean="0"/>
-              <a:t>Private </a:t>
-            </a:r>
-            <a:r>
-              <a:rPr lang="en-US" baseline="0" dirty="0" err="1" smtClean="0"/>
-              <a:t>npm</a:t>
-            </a:r>
-            <a:r>
-              <a:rPr lang="en-US" baseline="0" dirty="0" smtClean="0"/>
-              <a:t> registry would be preferable</a:t>
-            </a:r>
-          </a:p>
-          <a:p>
-            <a:pPr marL="342900" lvl="0" indent="-342900">
-              <a:buFontTx/>
-              <a:buChar char="-"/>
-            </a:pPr>
-            <a:r>
-              <a:rPr lang="en-US" dirty="0" smtClean="0"/>
-              <a:t>Middle-ground </a:t>
-            </a:r>
-            <a:r>
-              <a:rPr lang="en-US" dirty="0" smtClean="0"/>
-              <a:t>solution with </a:t>
-            </a:r>
-            <a:r>
-              <a:rPr lang="en-US" dirty="0" err="1" smtClean="0"/>
-              <a:t>npm</a:t>
-            </a:r>
-            <a:r>
-              <a:rPr lang="en-US" dirty="0" smtClean="0"/>
-              <a:t> lazy, workspace</a:t>
-            </a:r>
-            <a:endParaRPr lang="en-US" baseline="0" dirty="0" smtClean="0"/>
-          </a:p>
-          <a:p>
-            <a:pPr marL="1155710" lvl="1" indent="-342900">
-              <a:buFontTx/>
-              <a:buChar char="-"/>
-            </a:pPr>
-            <a:endParaRPr lang="en-US" dirty="0" smtClean="0"/>
-          </a:p>
-          <a:p>
+              <a:rPr lang="en-US" dirty="0" smtClean="0"/>
+              <a:t>“Full” JavaScript stack</a:t>
+            </a:r>
             <a:endParaRPr lang="en-US" dirty="0"/>
           </a:p>
         </p:txBody>
@@ -1835,7 +1622,289 @@
           <a:p>
             <a:fld id="{73E9330B-B1DA-214B-A229-0CB8492B91A5}" type="slidenum">
               <a:rPr lang="en-US" smtClean="0"/>
-              <a:t>10</a:t>
+              <a:t>11</a:t>
+            </a:fld>
+            <a:endParaRPr lang="en-US" dirty="0"/>
+          </a:p>
+        </p:txBody>
+      </p:sp>
+    </p:spTree>
+    <p:extLst>
+      <p:ext uri="{BB962C8B-B14F-4D97-AF65-F5344CB8AC3E}">
+        <p14:creationId xmlns:p14="http://schemas.microsoft.com/office/powerpoint/2010/main" val="1399092135"/>
+      </p:ext>
+    </p:extLst>
+  </p:cSld>
+  <p:clrMapOvr>
+    <a:masterClrMapping/>
+  </p:clrMapOvr>
+</p:notes>
+</file>
+
+<file path=ppt/notesSlides/notesSlide9.xml><?xml version="1.0" encoding="utf-8"?>
+<p:notes xmlns:a="http://schemas.openxmlformats.org/drawingml/2006/main" xmlns:r="http://schemas.openxmlformats.org/officeDocument/2006/relationships" xmlns:p="http://schemas.openxmlformats.org/presentationml/2006/main">
+  <p:cSld>
+    <p:spTree>
+      <p:nvGrpSpPr>
+        <p:cNvPr id="1" name=""/>
+        <p:cNvGrpSpPr/>
+        <p:nvPr/>
+      </p:nvGrpSpPr>
+      <p:grpSpPr>
+        <a:xfrm>
+          <a:off x="0" y="0"/>
+          <a:ext cx="0" cy="0"/>
+          <a:chOff x="0" y="0"/>
+          <a:chExt cx="0" cy="0"/>
+        </a:xfrm>
+      </p:grpSpPr>
+      <p:sp>
+        <p:nvSpPr>
+          <p:cNvPr id="2" name="Slide Image Placeholder 1"/>
+          <p:cNvSpPr>
+            <a:spLocks noGrp="1" noRot="1" noChangeAspect="1"/>
+          </p:cNvSpPr>
+          <p:nvPr>
+            <p:ph type="sldImg"/>
+          </p:nvPr>
+        </p:nvSpPr>
+        <p:spPr/>
+      </p:sp>
+      <p:sp>
+        <p:nvSpPr>
+          <p:cNvPr id="3" name="Notes Placeholder 2"/>
+          <p:cNvSpPr>
+            <a:spLocks noGrp="1"/>
+          </p:cNvSpPr>
+          <p:nvPr>
+            <p:ph type="body" idx="1"/>
+          </p:nvPr>
+        </p:nvSpPr>
+        <p:spPr/>
+        <p:txBody>
+          <a:bodyPr/>
+          <a:lstStyle/>
+          <a:p>
+            <a:r>
+              <a:rPr lang="en-US" dirty="0" smtClean="0"/>
+              <a:t>Chef Server</a:t>
+            </a:r>
+          </a:p>
+          <a:p>
+            <a:pPr marL="342900" indent="-342900">
+              <a:buFontTx/>
+              <a:buChar char="-"/>
+            </a:pPr>
+            <a:r>
+              <a:rPr lang="en-US" dirty="0" smtClean="0"/>
+              <a:t>Complex</a:t>
+            </a:r>
+          </a:p>
+          <a:p>
+            <a:pPr marL="342900" indent="-342900">
+              <a:buFontTx/>
+              <a:buChar char="-"/>
+            </a:pPr>
+            <a:r>
+              <a:rPr lang="en-US" dirty="0" smtClean="0"/>
+              <a:t>Not used at its full potential</a:t>
+            </a:r>
+            <a:r>
+              <a:rPr lang="en-US" baseline="0" dirty="0" smtClean="0"/>
+              <a:t> as other tools gave us the same feature set</a:t>
+            </a:r>
+          </a:p>
+          <a:p>
+            <a:pPr marL="342900" indent="-342900">
+              <a:buFontTx/>
+              <a:buChar char="-"/>
+            </a:pPr>
+            <a:r>
+              <a:rPr lang="en-US" baseline="0" dirty="0" smtClean="0"/>
+              <a:t>Consider packer (with chef solo only)</a:t>
+            </a:r>
+            <a:endParaRPr lang="en-US" dirty="0" smtClean="0"/>
+          </a:p>
+          <a:p>
+            <a:endParaRPr lang="en-US" dirty="0" smtClean="0"/>
+          </a:p>
+          <a:p>
+            <a:r>
+              <a:rPr lang="en-US" dirty="0" smtClean="0"/>
+              <a:t>Cloud Formation template generation </a:t>
+            </a:r>
+            <a:r>
+              <a:rPr lang="en-US" baseline="0" dirty="0" smtClean="0"/>
+              <a:t>a</a:t>
+            </a:r>
+            <a:r>
+              <a:rPr lang="en-US" dirty="0" smtClean="0"/>
+              <a:t>bstraction</a:t>
+            </a:r>
+          </a:p>
+          <a:p>
+            <a:pPr marL="342900" indent="-342900">
+              <a:buFontTx/>
+              <a:buChar char="-"/>
+            </a:pPr>
+            <a:r>
+              <a:rPr lang="en-US" dirty="0" smtClean="0"/>
+              <a:t>We identify</a:t>
+            </a:r>
+            <a:r>
+              <a:rPr lang="en-US" baseline="0" dirty="0" smtClean="0"/>
+              <a:t> correctly the issue</a:t>
+            </a:r>
+          </a:p>
+          <a:p>
+            <a:pPr marL="342900" indent="-342900">
+              <a:buFontTx/>
+              <a:buChar char="-"/>
+            </a:pPr>
+            <a:r>
+              <a:rPr lang="en-US" dirty="0" smtClean="0"/>
+              <a:t>Mustache not the right</a:t>
+            </a:r>
+            <a:r>
+              <a:rPr lang="en-US" baseline="0" dirty="0" smtClean="0"/>
+              <a:t> tool to do that</a:t>
+            </a:r>
+            <a:endParaRPr lang="en-US" dirty="0" smtClean="0"/>
+          </a:p>
+          <a:p>
+            <a:endParaRPr lang="en-US" dirty="0" smtClean="0"/>
+          </a:p>
+          <a:p>
+            <a:r>
+              <a:rPr lang="en-US" dirty="0" err="1" smtClean="0"/>
+              <a:t>Npm</a:t>
+            </a:r>
+            <a:r>
+              <a:rPr lang="en-US" dirty="0" smtClean="0"/>
+              <a:t> registry</a:t>
+            </a:r>
+          </a:p>
+          <a:p>
+            <a:pPr marL="342900" indent="-342900">
+              <a:buFontTx/>
+              <a:buChar char="-"/>
+            </a:pPr>
+            <a:r>
+              <a:rPr lang="en-US" dirty="0" smtClean="0"/>
+              <a:t>Correctly</a:t>
+            </a:r>
+            <a:r>
+              <a:rPr lang="en-US" baseline="0" dirty="0" smtClean="0"/>
+              <a:t> decoupled deployment from </a:t>
+            </a:r>
+            <a:r>
+              <a:rPr lang="en-US" baseline="0" dirty="0" err="1" smtClean="0"/>
+              <a:t>npm</a:t>
+            </a:r>
+            <a:r>
+              <a:rPr lang="en-US" baseline="0" dirty="0" smtClean="0"/>
+              <a:t> registry</a:t>
+            </a:r>
+          </a:p>
+          <a:p>
+            <a:pPr marL="342900" indent="-342900">
+              <a:buFontTx/>
+              <a:buChar char="-"/>
+            </a:pPr>
+            <a:r>
+              <a:rPr lang="en-US" dirty="0" err="1" smtClean="0"/>
+              <a:t>Git</a:t>
+            </a:r>
+            <a:r>
+              <a:rPr lang="en-US" dirty="0" smtClean="0"/>
+              <a:t> protocol for node modules works, but it is slow + not reliable</a:t>
+            </a:r>
+          </a:p>
+          <a:p>
+            <a:pPr marL="342900" indent="-342900">
+              <a:buFontTx/>
+              <a:buChar char="-"/>
+            </a:pPr>
+            <a:r>
+              <a:rPr lang="en-US" baseline="0" dirty="0" smtClean="0"/>
+              <a:t>Fetching from </a:t>
+            </a:r>
+            <a:r>
+              <a:rPr lang="en-US" baseline="0" dirty="0" err="1" smtClean="0"/>
+              <a:t>npm</a:t>
+            </a:r>
+            <a:r>
+              <a:rPr lang="en-US" baseline="0" dirty="0" smtClean="0"/>
+              <a:t> is not fast</a:t>
+            </a:r>
+          </a:p>
+          <a:p>
+            <a:pPr marL="342900" lvl="0" indent="-342900">
+              <a:buFontTx/>
+              <a:buChar char="-"/>
+            </a:pPr>
+            <a:r>
+              <a:rPr lang="en-US" baseline="0" dirty="0" smtClean="0"/>
+              <a:t>Private </a:t>
+            </a:r>
+            <a:r>
+              <a:rPr lang="en-US" baseline="0" dirty="0" err="1" smtClean="0"/>
+              <a:t>npm</a:t>
+            </a:r>
+            <a:r>
+              <a:rPr lang="en-US" baseline="0" dirty="0" smtClean="0"/>
+              <a:t> registry would be preferable</a:t>
+            </a:r>
+          </a:p>
+          <a:p>
+            <a:pPr marL="342900" lvl="0" indent="-342900">
+              <a:buFontTx/>
+              <a:buChar char="-"/>
+            </a:pPr>
+            <a:r>
+              <a:rPr lang="en-US" dirty="0" smtClean="0"/>
+              <a:t>Middle-ground solution with </a:t>
+            </a:r>
+            <a:r>
+              <a:rPr lang="en-US" dirty="0" err="1" smtClean="0"/>
+              <a:t>npm</a:t>
+            </a:r>
+            <a:r>
+              <a:rPr lang="en-US" dirty="0" smtClean="0"/>
+              <a:t> lazy, workspace</a:t>
+            </a:r>
+            <a:endParaRPr lang="en-US" baseline="0" dirty="0" smtClean="0"/>
+          </a:p>
+          <a:p>
+            <a:pPr marL="1155710" lvl="1" indent="-342900">
+              <a:buFontTx/>
+              <a:buChar char="-"/>
+            </a:pPr>
+            <a:endParaRPr lang="en-US" dirty="0" smtClean="0"/>
+          </a:p>
+          <a:p>
+            <a:endParaRPr lang="en-US" dirty="0"/>
+          </a:p>
+        </p:txBody>
+      </p:sp>
+      <p:sp>
+        <p:nvSpPr>
+          <p:cNvPr id="4" name="Slide Number Placeholder 3"/>
+          <p:cNvSpPr>
+            <a:spLocks noGrp="1"/>
+          </p:cNvSpPr>
+          <p:nvPr>
+            <p:ph type="sldNum" sz="quarter" idx="10"/>
+          </p:nvPr>
+        </p:nvSpPr>
+        <p:spPr/>
+        <p:txBody>
+          <a:bodyPr/>
+          <a:lstStyle/>
+          <a:p>
+            <a:fld id="{73E9330B-B1DA-214B-A229-0CB8492B91A5}" type="slidenum">
+              <a:rPr lang="en-US" smtClean="0"/>
+              <a:t>12</a:t>
             </a:fld>
             <a:endParaRPr lang="en-US" dirty="0"/>
           </a:p>
@@ -2485,6 +2554,94 @@
 
 <file path=ppt/slideLayouts/slideLayout4.xml><?xml version="1.0" encoding="utf-8"?>
 <p:sldLayout xmlns:a="http://schemas.openxmlformats.org/drawingml/2006/main" xmlns:r="http://schemas.openxmlformats.org/officeDocument/2006/relationships" xmlns:p="http://schemas.openxmlformats.org/presentationml/2006/main" preserve="1" userDrawn="1">
+  <p:cSld name="Keyword">
+    <p:bg>
+      <p:bgPr>
+        <a:blipFill rotWithShape="1">
+          <a:blip r:embed="rId2"/>
+          <a:stretch>
+            <a:fillRect/>
+          </a:stretch>
+        </a:blipFill>
+        <a:effectLst/>
+      </p:bgPr>
+    </p:bg>
+    <p:spTree>
+      <p:nvGrpSpPr>
+        <p:cNvPr id="1" name=""/>
+        <p:cNvGrpSpPr/>
+        <p:nvPr/>
+      </p:nvGrpSpPr>
+      <p:grpSpPr>
+        <a:xfrm>
+          <a:off x="0" y="0"/>
+          <a:ext cx="0" cy="0"/>
+          <a:chOff x="0" y="0"/>
+          <a:chExt cx="0" cy="0"/>
+        </a:xfrm>
+      </p:grpSpPr>
+      <p:sp>
+        <p:nvSpPr>
+          <p:cNvPr id="3" name="Text Placeholder 2"/>
+          <p:cNvSpPr>
+            <a:spLocks noGrp="1"/>
+          </p:cNvSpPr>
+          <p:nvPr>
+            <p:ph type="body" sz="quarter" idx="10" hasCustomPrompt="1"/>
+          </p:nvPr>
+        </p:nvSpPr>
+        <p:spPr>
+          <a:xfrm>
+            <a:off x="0" y="0"/>
+            <a:ext cx="16257588" cy="8246561"/>
+          </a:xfrm>
+          <a:prstGeom prst="rect">
+            <a:avLst/>
+          </a:prstGeom>
+        </p:spPr>
+        <p:txBody>
+          <a:bodyPr lIns="0" tIns="0" rIns="0" bIns="0" anchor="ctr" anchorCtr="1">
+            <a:normAutofit/>
+          </a:bodyPr>
+          <a:lstStyle>
+            <a:lvl1pPr marL="0" indent="0" algn="ctr">
+              <a:spcBef>
+                <a:spcPts val="0"/>
+              </a:spcBef>
+              <a:buNone/>
+              <a:defRPr sz="14000" b="1" i="0">
+                <a:solidFill>
+                  <a:srgbClr val="0696D7"/>
+                </a:solidFill>
+                <a:latin typeface="Arial"/>
+                <a:cs typeface="Arial"/>
+              </a:defRPr>
+            </a:lvl1pPr>
+          </a:lstStyle>
+          <a:p>
+            <a:pPr lvl="0"/>
+            <a:r>
+              <a:rPr lang="en-US" dirty="0" smtClean="0"/>
+              <a:t>Keyword</a:t>
+            </a:r>
+          </a:p>
+        </p:txBody>
+      </p:sp>
+    </p:spTree>
+    <p:extLst>
+      <p:ext uri="{BB962C8B-B14F-4D97-AF65-F5344CB8AC3E}">
+        <p14:creationId xmlns:p14="http://schemas.microsoft.com/office/powerpoint/2010/main" val="465741355"/>
+      </p:ext>
+    </p:extLst>
+  </p:cSld>
+  <p:clrMapOvr>
+    <a:masterClrMapping/>
+  </p:clrMapOvr>
+</p:sldLayout>
+</file>
+
+<file path=ppt/slideLayouts/slideLayout5.xml><?xml version="1.0" encoding="utf-8"?>
+<p:sldLayout xmlns:a="http://schemas.openxmlformats.org/drawingml/2006/main" xmlns:r="http://schemas.openxmlformats.org/officeDocument/2006/relationships" xmlns:p="http://schemas.openxmlformats.org/presentationml/2006/main" preserve="1" userDrawn="1">
   <p:cSld name="Title and Content (2 column)">
     <p:spTree>
       <p:nvGrpSpPr>
@@ -2799,94 +2956,6 @@
     <p:extLst>
       <p:ext uri="{BB962C8B-B14F-4D97-AF65-F5344CB8AC3E}">
         <p14:creationId xmlns:p14="http://schemas.microsoft.com/office/powerpoint/2010/main" val="3298238507"/>
-      </p:ext>
-    </p:extLst>
-  </p:cSld>
-  <p:clrMapOvr>
-    <a:masterClrMapping/>
-  </p:clrMapOvr>
-</p:sldLayout>
-</file>
-
-<file path=ppt/slideLayouts/slideLayout5.xml><?xml version="1.0" encoding="utf-8"?>
-<p:sldLayout xmlns:a="http://schemas.openxmlformats.org/drawingml/2006/main" xmlns:r="http://schemas.openxmlformats.org/officeDocument/2006/relationships" xmlns:p="http://schemas.openxmlformats.org/presentationml/2006/main" preserve="1" userDrawn="1">
-  <p:cSld name="Keyword">
-    <p:bg>
-      <p:bgPr>
-        <a:blipFill rotWithShape="1">
-          <a:blip r:embed="rId2"/>
-          <a:stretch>
-            <a:fillRect/>
-          </a:stretch>
-        </a:blipFill>
-        <a:effectLst/>
-      </p:bgPr>
-    </p:bg>
-    <p:spTree>
-      <p:nvGrpSpPr>
-        <p:cNvPr id="1" name=""/>
-        <p:cNvGrpSpPr/>
-        <p:nvPr/>
-      </p:nvGrpSpPr>
-      <p:grpSpPr>
-        <a:xfrm>
-          <a:off x="0" y="0"/>
-          <a:ext cx="0" cy="0"/>
-          <a:chOff x="0" y="0"/>
-          <a:chExt cx="0" cy="0"/>
-        </a:xfrm>
-      </p:grpSpPr>
-      <p:sp>
-        <p:nvSpPr>
-          <p:cNvPr id="3" name="Text Placeholder 2"/>
-          <p:cNvSpPr>
-            <a:spLocks noGrp="1"/>
-          </p:cNvSpPr>
-          <p:nvPr>
-            <p:ph type="body" sz="quarter" idx="10" hasCustomPrompt="1"/>
-          </p:nvPr>
-        </p:nvSpPr>
-        <p:spPr>
-          <a:xfrm>
-            <a:off x="0" y="0"/>
-            <a:ext cx="16257588" cy="8246561"/>
-          </a:xfrm>
-          <a:prstGeom prst="rect">
-            <a:avLst/>
-          </a:prstGeom>
-        </p:spPr>
-        <p:txBody>
-          <a:bodyPr lIns="0" tIns="0" rIns="0" bIns="0" anchor="ctr" anchorCtr="1">
-            <a:normAutofit/>
-          </a:bodyPr>
-          <a:lstStyle>
-            <a:lvl1pPr marL="0" indent="0" algn="ctr">
-              <a:spcBef>
-                <a:spcPts val="0"/>
-              </a:spcBef>
-              <a:buNone/>
-              <a:defRPr sz="14000" b="1" i="0">
-                <a:solidFill>
-                  <a:srgbClr val="0696D7"/>
-                </a:solidFill>
-                <a:latin typeface="Arial"/>
-                <a:cs typeface="Arial"/>
-              </a:defRPr>
-            </a:lvl1pPr>
-          </a:lstStyle>
-          <a:p>
-            <a:pPr lvl="0"/>
-            <a:r>
-              <a:rPr lang="en-US" dirty="0" smtClean="0"/>
-              <a:t>Keyword</a:t>
-            </a:r>
-          </a:p>
-        </p:txBody>
-      </p:sp>
-    </p:spTree>
-    <p:extLst>
-      <p:ext uri="{BB962C8B-B14F-4D97-AF65-F5344CB8AC3E}">
-        <p14:creationId xmlns:p14="http://schemas.microsoft.com/office/powerpoint/2010/main" val="465741355"/>
       </p:ext>
     </p:extLst>
   </p:cSld>
@@ -3457,8 +3526,8 @@
     <p:sldLayoutId id="2147483666" r:id="rId1"/>
     <p:sldLayoutId id="2147483665" r:id="rId2"/>
     <p:sldLayoutId id="2147483664" r:id="rId3"/>
-    <p:sldLayoutId id="2147483653" r:id="rId4"/>
-    <p:sldLayoutId id="2147483649" r:id="rId5"/>
+    <p:sldLayoutId id="2147483649" r:id="rId4"/>
+    <p:sldLayoutId id="2147483653" r:id="rId5"/>
     <p:sldLayoutId id="2147483662" r:id="rId6"/>
   </p:sldLayoutIdLst>
   <p:timing>
@@ -4915,6 +4984,351 @@
       </p:pic>
       <p:sp>
         <p:nvSpPr>
+          <p:cNvPr id="3" name="Title 2"/>
+          <p:cNvSpPr>
+            <a:spLocks noGrp="1"/>
+          </p:cNvSpPr>
+          <p:nvPr>
+            <p:ph type="title"/>
+          </p:nvPr>
+        </p:nvSpPr>
+        <p:spPr/>
+        <p:txBody>
+          <a:bodyPr/>
+          <a:lstStyle/>
+          <a:p>
+            <a:r>
+              <a:rPr lang="en-US" dirty="0" smtClean="0"/>
+              <a:t>From Development to Production</a:t>
+            </a:r>
+            <a:endParaRPr lang="en-US" dirty="0"/>
+          </a:p>
+        </p:txBody>
+      </p:sp>
+      <p:pic>
+        <p:nvPicPr>
+          <p:cNvPr id="4" name="Content Placeholder 5"/>
+          <p:cNvPicPr>
+            <a:picLocks noChangeAspect="1"/>
+          </p:cNvPicPr>
+          <p:nvPr/>
+        </p:nvPicPr>
+        <p:blipFill>
+          <a:blip r:embed="rId4">
+            <a:extLst>
+              <a:ext uri="{28A0092B-C50C-407E-A947-70E740481C1C}">
+                <a14:useLocalDpi xmlns:a14="http://schemas.microsoft.com/office/drawing/2010/main" val="0"/>
+              </a:ext>
+            </a:extLst>
+          </a:blip>
+          <a:stretch>
+            <a:fillRect/>
+          </a:stretch>
+        </p:blipFill>
+        <p:spPr>
+          <a:xfrm>
+            <a:off x="13958208" y="370333"/>
+            <a:ext cx="1486501" cy="1519852"/>
+          </a:xfrm>
+          <a:prstGeom prst="rect">
+            <a:avLst/>
+          </a:prstGeom>
+        </p:spPr>
+      </p:pic>
+      <p:pic>
+        <p:nvPicPr>
+          <p:cNvPr id="4100" name="Picture 4" descr="C:\github\guillaume-brossard-adsk\tech-summit\2014\supersize-nodejs\git-flow.png"/>
+          <p:cNvPicPr>
+            <a:picLocks noChangeAspect="1" noChangeArrowheads="1"/>
+          </p:cNvPicPr>
+          <p:nvPr/>
+        </p:nvPicPr>
+        <p:blipFill>
+          <a:blip r:embed="rId5">
+            <a:extLst>
+              <a:ext uri="{28A0092B-C50C-407E-A947-70E740481C1C}">
+                <a14:useLocalDpi xmlns:a14="http://schemas.microsoft.com/office/drawing/2010/main" val="0"/>
+              </a:ext>
+            </a:extLst>
+          </a:blip>
+          <a:srcRect/>
+          <a:stretch>
+            <a:fillRect/>
+          </a:stretch>
+        </p:blipFill>
+        <p:spPr bwMode="auto">
+          <a:xfrm>
+            <a:off x="3485327" y="1890186"/>
+            <a:ext cx="8105467" cy="5016413"/>
+          </a:xfrm>
+          <a:prstGeom prst="rect">
+            <a:avLst/>
+          </a:prstGeom>
+          <a:noFill/>
+          <a:extLst>
+            <a:ext uri="{909E8E84-426E-40DD-AFC4-6F175D3DCCD1}">
+              <a14:hiddenFill xmlns:a14="http://schemas.microsoft.com/office/drawing/2010/main">
+                <a:solidFill>
+                  <a:srgbClr val="FFFFFF"/>
+                </a:solidFill>
+              </a14:hiddenFill>
+            </a:ext>
+          </a:extLst>
+        </p:spPr>
+      </p:pic>
+    </p:spTree>
+    <p:extLst>
+      <p:ext uri="{BB962C8B-B14F-4D97-AF65-F5344CB8AC3E}">
+        <p14:creationId xmlns:p14="http://schemas.microsoft.com/office/powerpoint/2010/main" val="1397876949"/>
+      </p:ext>
+    </p:extLst>
+  </p:cSld>
+  <p:clrMapOvr>
+    <a:masterClrMapping/>
+  </p:clrMapOvr>
+  <p:timing>
+    <p:tnLst>
+      <p:par>
+        <p:cTn id="1" dur="indefinite" restart="never" nodeType="tmRoot"/>
+      </p:par>
+    </p:tnLst>
+  </p:timing>
+</p:sld>
+</file>
+
+<file path=ppt/slides/slide11.xml><?xml version="1.0" encoding="utf-8"?>
+<p:sld xmlns:a="http://schemas.openxmlformats.org/drawingml/2006/main" xmlns:r="http://schemas.openxmlformats.org/officeDocument/2006/relationships" xmlns:p="http://schemas.openxmlformats.org/presentationml/2006/main">
+  <p:cSld>
+    <p:spTree>
+      <p:nvGrpSpPr>
+        <p:cNvPr id="1" name=""/>
+        <p:cNvGrpSpPr/>
+        <p:nvPr/>
+      </p:nvGrpSpPr>
+      <p:grpSpPr>
+        <a:xfrm>
+          <a:off x="0" y="0"/>
+          <a:ext cx="0" cy="0"/>
+          <a:chOff x="0" y="0"/>
+          <a:chExt cx="0" cy="0"/>
+        </a:xfrm>
+      </p:grpSpPr>
+      <p:pic>
+        <p:nvPicPr>
+          <p:cNvPr id="5" name="Picture 4"/>
+          <p:cNvPicPr>
+            <a:picLocks noChangeAspect="1"/>
+          </p:cNvPicPr>
+          <p:nvPr/>
+        </p:nvPicPr>
+        <p:blipFill>
+          <a:blip r:embed="rId3">
+            <a:extLst>
+              <a:ext uri="{28A0092B-C50C-407E-A947-70E740481C1C}">
+                <a14:useLocalDpi xmlns:a14="http://schemas.microsoft.com/office/drawing/2010/main" val="0"/>
+              </a:ext>
+            </a:extLst>
+          </a:blip>
+          <a:stretch>
+            <a:fillRect/>
+          </a:stretch>
+        </p:blipFill>
+        <p:spPr>
+          <a:xfrm>
+            <a:off x="3703093" y="241483"/>
+            <a:ext cx="7988969" cy="8168208"/>
+          </a:xfrm>
+          <a:prstGeom prst="rect">
+            <a:avLst/>
+          </a:prstGeom>
+        </p:spPr>
+      </p:pic>
+      <p:sp>
+        <p:nvSpPr>
+          <p:cNvPr id="2" name="Content Placeholder 1"/>
+          <p:cNvSpPr>
+            <a:spLocks noGrp="1"/>
+          </p:cNvSpPr>
+          <p:nvPr>
+            <p:ph idx="1"/>
+          </p:nvPr>
+        </p:nvSpPr>
+        <p:spPr/>
+        <p:txBody>
+          <a:bodyPr/>
+          <a:lstStyle/>
+          <a:p>
+            <a:r>
+              <a:rPr lang="en-US" dirty="0" smtClean="0"/>
+              <a:t>Shared Configuration (</a:t>
+            </a:r>
+            <a:r>
+              <a:rPr lang="en-US" dirty="0" err="1" smtClean="0"/>
+              <a:t>nconf</a:t>
+            </a:r>
+            <a:r>
+              <a:rPr lang="en-US" dirty="0" smtClean="0"/>
+              <a:t>)</a:t>
+            </a:r>
+          </a:p>
+          <a:p>
+            <a:endParaRPr lang="en-US" dirty="0"/>
+          </a:p>
+          <a:p>
+            <a:r>
+              <a:rPr lang="en-US" dirty="0" smtClean="0"/>
+              <a:t>Deployment from day 1</a:t>
+            </a:r>
+          </a:p>
+          <a:p>
+            <a:endParaRPr lang="en-US" dirty="0"/>
+          </a:p>
+          <a:p>
+            <a:r>
+              <a:rPr lang="en-US" dirty="0" smtClean="0"/>
+              <a:t>Investment in development/deployment tools</a:t>
+            </a:r>
+          </a:p>
+          <a:p>
+            <a:endParaRPr lang="en-US" dirty="0"/>
+          </a:p>
+          <a:p>
+            <a:r>
+              <a:rPr lang="en-US" dirty="0" smtClean="0"/>
+              <a:t>“Local” Deployment</a:t>
+            </a:r>
+          </a:p>
+        </p:txBody>
+      </p:sp>
+      <p:sp>
+        <p:nvSpPr>
+          <p:cNvPr id="3" name="Title 2"/>
+          <p:cNvSpPr>
+            <a:spLocks noGrp="1"/>
+          </p:cNvSpPr>
+          <p:nvPr>
+            <p:ph type="title"/>
+          </p:nvPr>
+        </p:nvSpPr>
+        <p:spPr/>
+        <p:txBody>
+          <a:bodyPr/>
+          <a:lstStyle/>
+          <a:p>
+            <a:r>
+              <a:rPr lang="en-US" dirty="0" smtClean="0"/>
+              <a:t>Lessons Learned</a:t>
+            </a:r>
+            <a:br>
+              <a:rPr lang="en-US" dirty="0" smtClean="0"/>
+            </a:br>
+            <a:r>
+              <a:rPr lang="en-US" dirty="0" smtClean="0"/>
+              <a:t>The Good Parts</a:t>
+            </a:r>
+            <a:endParaRPr lang="en-US" dirty="0"/>
+          </a:p>
+        </p:txBody>
+      </p:sp>
+      <p:pic>
+        <p:nvPicPr>
+          <p:cNvPr id="4" name="Content Placeholder 5"/>
+          <p:cNvPicPr>
+            <a:picLocks noChangeAspect="1"/>
+          </p:cNvPicPr>
+          <p:nvPr/>
+        </p:nvPicPr>
+        <p:blipFill>
+          <a:blip r:embed="rId4">
+            <a:extLst>
+              <a:ext uri="{28A0092B-C50C-407E-A947-70E740481C1C}">
+                <a14:useLocalDpi xmlns:a14="http://schemas.microsoft.com/office/drawing/2010/main" val="0"/>
+              </a:ext>
+            </a:extLst>
+          </a:blip>
+          <a:stretch>
+            <a:fillRect/>
+          </a:stretch>
+        </p:blipFill>
+        <p:spPr>
+          <a:xfrm>
+            <a:off x="13958208" y="370333"/>
+            <a:ext cx="1486501" cy="1519852"/>
+          </a:xfrm>
+          <a:prstGeom prst="rect">
+            <a:avLst/>
+          </a:prstGeom>
+        </p:spPr>
+      </p:pic>
+    </p:spTree>
+    <p:extLst>
+      <p:ext uri="{BB962C8B-B14F-4D97-AF65-F5344CB8AC3E}">
+        <p14:creationId xmlns:p14="http://schemas.microsoft.com/office/powerpoint/2010/main" val="912595009"/>
+      </p:ext>
+    </p:extLst>
+  </p:cSld>
+  <p:clrMapOvr>
+    <a:masterClrMapping/>
+  </p:clrMapOvr>
+  <p:timing>
+    <p:tnLst>
+      <p:par>
+        <p:cTn id="1" dur="indefinite" restart="never" nodeType="tmRoot"/>
+      </p:par>
+    </p:tnLst>
+  </p:timing>
+</p:sld>
+</file>
+
+<file path=ppt/slides/slide12.xml><?xml version="1.0" encoding="utf-8"?>
+<p:sld xmlns:a="http://schemas.openxmlformats.org/drawingml/2006/main" xmlns:r="http://schemas.openxmlformats.org/officeDocument/2006/relationships" xmlns:p="http://schemas.openxmlformats.org/presentationml/2006/main">
+  <p:cSld>
+    <p:spTree>
+      <p:nvGrpSpPr>
+        <p:cNvPr id="1" name=""/>
+        <p:cNvGrpSpPr/>
+        <p:nvPr/>
+      </p:nvGrpSpPr>
+      <p:grpSpPr>
+        <a:xfrm>
+          <a:off x="0" y="0"/>
+          <a:ext cx="0" cy="0"/>
+          <a:chOff x="0" y="0"/>
+          <a:chExt cx="0" cy="0"/>
+        </a:xfrm>
+      </p:grpSpPr>
+      <p:pic>
+        <p:nvPicPr>
+          <p:cNvPr id="5" name="Picture 4"/>
+          <p:cNvPicPr>
+            <a:picLocks noChangeAspect="1"/>
+          </p:cNvPicPr>
+          <p:nvPr/>
+        </p:nvPicPr>
+        <p:blipFill>
+          <a:blip r:embed="rId3">
+            <a:extLst>
+              <a:ext uri="{28A0092B-C50C-407E-A947-70E740481C1C}">
+                <a14:useLocalDpi xmlns:a14="http://schemas.microsoft.com/office/drawing/2010/main" val="0"/>
+              </a:ext>
+            </a:extLst>
+          </a:blip>
+          <a:stretch>
+            <a:fillRect/>
+          </a:stretch>
+        </p:blipFill>
+        <p:spPr>
+          <a:xfrm>
+            <a:off x="3703093" y="241483"/>
+            <a:ext cx="7988969" cy="8168208"/>
+          </a:xfrm>
+          <a:prstGeom prst="rect">
+            <a:avLst/>
+          </a:prstGeom>
+        </p:spPr>
+      </p:pic>
+      <p:sp>
+        <p:nvSpPr>
           <p:cNvPr id="2" name="Content Placeholder 1"/>
           <p:cNvSpPr>
             <a:spLocks noGrp="1"/>
@@ -5038,7 +5452,7 @@
 </p:sld>
 </file>
 
-<file path=ppt/slides/slide11.xml><?xml version="1.0" encoding="utf-8"?>
+<file path=ppt/slides/slide13.xml><?xml version="1.0" encoding="utf-8"?>
 <p:sld xmlns:a="http://schemas.openxmlformats.org/drawingml/2006/main" xmlns:r="http://schemas.openxmlformats.org/officeDocument/2006/relationships" xmlns:p="http://schemas.openxmlformats.org/presentationml/2006/main">
   <p:cSld>
     <p:spTree>
@@ -5951,7 +6365,7 @@
       </p:pic>
       <p:pic>
         <p:nvPicPr>
-          <p:cNvPr id="3078" name="Picture 6"/>
+          <p:cNvPr id="1027" name="Picture 3"/>
           <p:cNvPicPr>
             <a:picLocks noChangeAspect="1" noChangeArrowheads="1"/>
           </p:cNvPicPr>
@@ -5972,8 +6386,8 @@
         </p:blipFill>
         <p:spPr bwMode="auto">
           <a:xfrm>
-            <a:off x="3308350" y="1019175"/>
-            <a:ext cx="9650413" cy="7104063"/>
+            <a:off x="3862562" y="1038225"/>
+            <a:ext cx="8507412" cy="7065963"/>
           </a:xfrm>
           <a:prstGeom prst="rect">
             <a:avLst/>
@@ -6009,88 +6423,6 @@
                   </a:outerShdw>
                 </a:effectLst>
               </a14:hiddenEffects>
-            </a:ext>
-          </a:extLst>
-        </p:spPr>
-      </p:pic>
-      <p:pic>
-        <p:nvPicPr>
-          <p:cNvPr id="3079" name="Picture 7" descr="C:\github\guillaume-brossard-adsk\tech-summit\2013\AWS_LOGO.png"/>
-          <p:cNvPicPr>
-            <a:picLocks noChangeAspect="1" noChangeArrowheads="1"/>
-          </p:cNvPicPr>
-          <p:nvPr/>
-        </p:nvPicPr>
-        <p:blipFill>
-          <a:blip r:embed="rId6">
-            <a:extLst>
-              <a:ext uri="{28A0092B-C50C-407E-A947-70E740481C1C}">
-                <a14:useLocalDpi xmlns:a14="http://schemas.microsoft.com/office/drawing/2010/main" val="0"/>
-              </a:ext>
-            </a:extLst>
-          </a:blip>
-          <a:srcRect/>
-          <a:stretch>
-            <a:fillRect/>
-          </a:stretch>
-        </p:blipFill>
-        <p:spPr bwMode="auto">
-          <a:xfrm>
-            <a:off x="812880" y="2089688"/>
-            <a:ext cx="2061940" cy="752063"/>
-          </a:xfrm>
-          <a:prstGeom prst="rect">
-            <a:avLst/>
-          </a:prstGeom>
-          <a:noFill/>
-          <a:extLst>
-            <a:ext uri="{909E8E84-426E-40DD-AFC4-6F175D3DCCD1}">
-              <a14:hiddenFill xmlns:a14="http://schemas.microsoft.com/office/drawing/2010/main">
-                <a:solidFill>
-                  <a:srgbClr val="FFFFFF"/>
-                </a:solidFill>
-              </a14:hiddenFill>
-            </a:ext>
-          </a:extLst>
-        </p:spPr>
-      </p:pic>
-      <p:pic>
-        <p:nvPicPr>
-          <p:cNvPr id="3080" name="Picture 8" descr="C:\github\guillaume-brossard-adsk\tech-summit\2013\logo-chef.png"/>
-          <p:cNvPicPr>
-            <a:picLocks noChangeAspect="1" noChangeArrowheads="1"/>
-          </p:cNvPicPr>
-          <p:nvPr/>
-        </p:nvPicPr>
-        <p:blipFill>
-          <a:blip r:embed="rId7">
-            <a:extLst>
-              <a:ext uri="{28A0092B-C50C-407E-A947-70E740481C1C}">
-                <a14:useLocalDpi xmlns:a14="http://schemas.microsoft.com/office/drawing/2010/main" val="0"/>
-              </a:ext>
-            </a:extLst>
-          </a:blip>
-          <a:srcRect/>
-          <a:stretch>
-            <a:fillRect/>
-          </a:stretch>
-        </p:blipFill>
-        <p:spPr bwMode="auto">
-          <a:xfrm>
-            <a:off x="1414201" y="3052302"/>
-            <a:ext cx="1348078" cy="1044760"/>
-          </a:xfrm>
-          <a:prstGeom prst="rect">
-            <a:avLst/>
-          </a:prstGeom>
-          <a:noFill/>
-          <a:extLst>
-            <a:ext uri="{909E8E84-426E-40DD-AFC4-6F175D3DCCD1}">
-              <a14:hiddenFill xmlns:a14="http://schemas.microsoft.com/office/drawing/2010/main">
-                <a:solidFill>
-                  <a:srgbClr val="FFFFFF"/>
-                </a:solidFill>
-              </a14:hiddenFill>
             </a:ext>
           </a:extLst>
         </p:spPr>
@@ -6178,9 +6510,10 @@
           <a:lstStyle/>
           <a:p>
             <a:r>
-              <a:rPr lang="en-US" dirty="0"/>
-              <a:t>Deployment</a:t>
-            </a:r>
+              <a:rPr lang="en-US" dirty="0" smtClean="0"/>
+              <a:t>Publish</a:t>
+            </a:r>
+            <a:endParaRPr lang="en-US" dirty="0"/>
           </a:p>
         </p:txBody>
       </p:sp>
@@ -6214,47 +6547,47 @@
           </a:prstGeom>
         </p:spPr>
       </p:pic>
-      <p:sp>
-        <p:nvSpPr>
-          <p:cNvPr id="6" name="Rectangle 5"/>
-          <p:cNvSpPr/>
+      <p:pic>
+        <p:nvPicPr>
+          <p:cNvPr id="2051" name="Picture 3" descr="C:\github\guillaume-brossard-adsk\tech-summit\2014\supersize-nodejs\publish.png"/>
+          <p:cNvPicPr>
+            <a:picLocks noChangeAspect="1" noChangeArrowheads="1"/>
+          </p:cNvPicPr>
           <p:nvPr/>
-        </p:nvSpPr>
-        <p:spPr>
+        </p:nvPicPr>
+        <p:blipFill>
+          <a:blip r:embed="rId5">
+            <a:extLst>
+              <a:ext uri="{28A0092B-C50C-407E-A947-70E740481C1C}">
+                <a14:useLocalDpi xmlns:a14="http://schemas.microsoft.com/office/drawing/2010/main" val="0"/>
+              </a:ext>
+            </a:extLst>
+          </a:blip>
+          <a:srcRect/>
+          <a:stretch>
+            <a:fillRect/>
+          </a:stretch>
+        </p:blipFill>
+        <p:spPr bwMode="auto">
           <a:xfrm>
-            <a:off x="3703093" y="2849526"/>
-            <a:ext cx="8272130" cy="4189228"/>
+            <a:off x="3883988" y="1004999"/>
+            <a:ext cx="8593675" cy="7139835"/>
           </a:xfrm>
           <a:prstGeom prst="rect">
             <a:avLst/>
           </a:prstGeom>
-          <a:solidFill>
-            <a:srgbClr val="FF0000"/>
-          </a:solidFill>
+          <a:noFill/>
+          <a:extLst>
+            <a:ext uri="{909E8E84-426E-40DD-AFC4-6F175D3DCCD1}">
+              <a14:hiddenFill xmlns:a14="http://schemas.microsoft.com/office/drawing/2010/main">
+                <a:solidFill>
+                  <a:srgbClr val="FFFFFF"/>
+                </a:solidFill>
+              </a14:hiddenFill>
+            </a:ext>
+          </a:extLst>
         </p:spPr>
-        <p:style>
-          <a:lnRef idx="1">
-            <a:schemeClr val="accent1"/>
-          </a:lnRef>
-          <a:fillRef idx="3">
-            <a:schemeClr val="accent1"/>
-          </a:fillRef>
-          <a:effectRef idx="2">
-            <a:schemeClr val="accent1"/>
-          </a:effectRef>
-          <a:fontRef idx="minor">
-            <a:schemeClr val="lt1"/>
-          </a:fontRef>
-        </p:style>
-        <p:txBody>
-          <a:bodyPr rtlCol="0" anchor="ctr"/>
-          <a:lstStyle/>
-          <a:p>
-            <a:pPr algn="ctr"/>
-            <a:endParaRPr lang="en-US"/>
-          </a:p>
-        </p:txBody>
-      </p:sp>
+      </p:pic>
     </p:spTree>
     <p:extLst>
       <p:ext uri="{BB962C8B-B14F-4D97-AF65-F5344CB8AC3E}">
@@ -6265,6 +6598,13 @@
   <p:clrMapOvr>
     <a:masterClrMapping/>
   </p:clrMapOvr>
+  <p:timing>
+    <p:tnLst>
+      <p:par>
+        <p:cTn id="1" dur="indefinite" restart="never" nodeType="tmRoot"/>
+      </p:par>
+    </p:tnLst>
+  </p:timing>
 </p:sld>
 </file>
 
@@ -6287,14 +6627,14 @@
       </p:grpSpPr>
       <p:pic>
         <p:nvPicPr>
-          <p:cNvPr id="5" name="Picture 4"/>
+          <p:cNvPr id="10" name="Picture 9"/>
           <p:cNvPicPr>
             <a:picLocks noChangeAspect="1"/>
           </p:cNvPicPr>
           <p:nvPr/>
         </p:nvPicPr>
         <p:blipFill>
-          <a:blip r:embed="rId3">
+          <a:blip r:embed="rId2">
             <a:extLst>
               <a:ext uri="{28A0092B-C50C-407E-A947-70E740481C1C}">
                 <a14:useLocalDpi xmlns:a14="http://schemas.microsoft.com/office/drawing/2010/main" val="0"/>
@@ -6332,7 +6672,7 @@
           <a:p>
             <a:r>
               <a:rPr lang="en-US" dirty="0" smtClean="0"/>
-              <a:t>From Development to Production</a:t>
+              <a:t>Provisioning</a:t>
             </a:r>
             <a:endParaRPr lang="en-US" dirty="0"/>
           </a:p>
@@ -6340,7 +6680,48 @@
       </p:sp>
       <p:pic>
         <p:nvPicPr>
-          <p:cNvPr id="4" name="Content Placeholder 5"/>
+          <p:cNvPr id="11" name="Picture 4" descr="C:\github\guillaume-brossard-adsk\tech-summit\2014\supersize-nodejs\deploy.png"/>
+          <p:cNvPicPr>
+            <a:picLocks noChangeAspect="1" noChangeArrowheads="1"/>
+          </p:cNvPicPr>
+          <p:nvPr/>
+        </p:nvPicPr>
+        <p:blipFill>
+          <a:blip r:embed="rId3">
+            <a:extLst>
+              <a:ext uri="{28A0092B-C50C-407E-A947-70E740481C1C}">
+                <a14:useLocalDpi xmlns:a14="http://schemas.microsoft.com/office/drawing/2010/main" val="0"/>
+              </a:ext>
+            </a:extLst>
+          </a:blip>
+          <a:srcRect/>
+          <a:stretch>
+            <a:fillRect/>
+          </a:stretch>
+        </p:blipFill>
+        <p:spPr bwMode="auto">
+          <a:xfrm>
+            <a:off x="3883990" y="967422"/>
+            <a:ext cx="8599197" cy="7146584"/>
+          </a:xfrm>
+          <a:prstGeom prst="rect">
+            <a:avLst/>
+          </a:prstGeom>
+          <a:noFill/>
+          <a:extLst>
+            <a:ext uri="{909E8E84-426E-40DD-AFC4-6F175D3DCCD1}">
+              <a14:hiddenFill xmlns:a14="http://schemas.microsoft.com/office/drawing/2010/main">
+                <a:solidFill>
+                  <a:srgbClr val="FFFFFF"/>
+                </a:solidFill>
+              </a14:hiddenFill>
+            </a:ext>
+          </a:extLst>
+        </p:spPr>
+      </p:pic>
+      <p:pic>
+        <p:nvPicPr>
+          <p:cNvPr id="12" name="Content Placeholder 5"/>
           <p:cNvPicPr>
             <a:picLocks noChangeAspect="1"/>
           </p:cNvPicPr>
@@ -6368,51 +6749,10 @@
           </a:prstGeom>
         </p:spPr>
       </p:pic>
-      <p:sp>
-        <p:nvSpPr>
-          <p:cNvPr id="6" name="Rectangle 5"/>
-          <p:cNvSpPr/>
-          <p:nvPr/>
-        </p:nvSpPr>
-        <p:spPr>
-          <a:xfrm>
-            <a:off x="3703093" y="2849526"/>
-            <a:ext cx="8272130" cy="4189228"/>
-          </a:xfrm>
-          <a:prstGeom prst="rect">
-            <a:avLst/>
-          </a:prstGeom>
-          <a:solidFill>
-            <a:srgbClr val="FF0000"/>
-          </a:solidFill>
-        </p:spPr>
-        <p:style>
-          <a:lnRef idx="1">
-            <a:schemeClr val="accent1"/>
-          </a:lnRef>
-          <a:fillRef idx="3">
-            <a:schemeClr val="accent1"/>
-          </a:fillRef>
-          <a:effectRef idx="2">
-            <a:schemeClr val="accent1"/>
-          </a:effectRef>
-          <a:fontRef idx="minor">
-            <a:schemeClr val="lt1"/>
-          </a:fontRef>
-        </p:style>
-        <p:txBody>
-          <a:bodyPr rtlCol="0" anchor="ctr"/>
-          <a:lstStyle/>
-          <a:p>
-            <a:pPr algn="ctr"/>
-            <a:endParaRPr lang="en-US"/>
-          </a:p>
-        </p:txBody>
-      </p:sp>
     </p:spTree>
     <p:extLst>
       <p:ext uri="{BB962C8B-B14F-4D97-AF65-F5344CB8AC3E}">
-        <p14:creationId xmlns:p14="http://schemas.microsoft.com/office/powerpoint/2010/main" val="1397876949"/>
+        <p14:creationId xmlns:p14="http://schemas.microsoft.com/office/powerpoint/2010/main" val="3215683157"/>
       </p:ext>
     </p:extLst>
   </p:cSld>
@@ -6478,68 +6818,6 @@
       </p:pic>
       <p:sp>
         <p:nvSpPr>
-          <p:cNvPr id="2" name="Content Placeholder 1"/>
-          <p:cNvSpPr>
-            <a:spLocks noGrp="1"/>
-          </p:cNvSpPr>
-          <p:nvPr>
-            <p:ph idx="1"/>
-          </p:nvPr>
-        </p:nvSpPr>
-        <p:spPr/>
-        <p:txBody>
-          <a:bodyPr/>
-          <a:lstStyle/>
-          <a:p>
-            <a:r>
-              <a:rPr lang="en-US" dirty="0" smtClean="0"/>
-              <a:t>Shared Configuration (</a:t>
-            </a:r>
-            <a:r>
-              <a:rPr lang="en-US" dirty="0" err="1" smtClean="0"/>
-              <a:t>nconf</a:t>
-            </a:r>
-            <a:r>
-              <a:rPr lang="en-US" dirty="0" smtClean="0"/>
-              <a:t>)</a:t>
-            </a:r>
-          </a:p>
-          <a:p>
-            <a:endParaRPr lang="en-US" dirty="0"/>
-          </a:p>
-          <a:p>
-            <a:r>
-              <a:rPr lang="en-US" dirty="0" smtClean="0"/>
-              <a:t>Deployment from day 1</a:t>
-            </a:r>
-          </a:p>
-          <a:p>
-            <a:endParaRPr lang="en-US" dirty="0"/>
-          </a:p>
-          <a:p>
-            <a:r>
-              <a:rPr lang="en-US" dirty="0" smtClean="0"/>
-              <a:t>Investment in </a:t>
-            </a:r>
-            <a:r>
-              <a:rPr lang="en-US" dirty="0" smtClean="0"/>
-              <a:t>development/deployment tools</a:t>
-            </a:r>
-            <a:endParaRPr lang="en-US" dirty="0" smtClean="0"/>
-          </a:p>
-          <a:p>
-            <a:endParaRPr lang="en-US" dirty="0"/>
-          </a:p>
-          <a:p>
-            <a:r>
-              <a:rPr lang="en-US" dirty="0" smtClean="0"/>
-              <a:t>“Local” Deployment</a:t>
-            </a:r>
-          </a:p>
-        </p:txBody>
-      </p:sp>
-      <p:sp>
-        <p:nvSpPr>
           <p:cNvPr id="3" name="Title 2"/>
           <p:cNvSpPr>
             <a:spLocks noGrp="1"/>
@@ -6555,14 +6833,7 @@
           <a:p>
             <a:r>
               <a:rPr lang="en-US" dirty="0" smtClean="0"/>
-              <a:t>Lessons Learned</a:t>
-            </a:r>
-            <a:br>
-              <a:rPr lang="en-US" dirty="0" smtClean="0"/>
-            </a:br>
-            <a:r>
-              <a:rPr lang="en-US" dirty="0" smtClean="0"/>
-              <a:t>The Good Parts</a:t>
+              <a:t>From Development to Production</a:t>
             </a:r>
             <a:endParaRPr lang="en-US" dirty="0"/>
           </a:p>
@@ -6598,10 +6869,51 @@
           </a:prstGeom>
         </p:spPr>
       </p:pic>
+      <p:pic>
+        <p:nvPicPr>
+          <p:cNvPr id="8" name="Picture 2" descr="C:\github\guillaume-brossard-adsk\tech-summit\2014\supersize-nodejs\git-flow1.png"/>
+          <p:cNvPicPr>
+            <a:picLocks noChangeAspect="1" noChangeArrowheads="1"/>
+          </p:cNvPicPr>
+          <p:nvPr/>
+        </p:nvPicPr>
+        <p:blipFill>
+          <a:blip r:embed="rId5">
+            <a:extLst>
+              <a:ext uri="{28A0092B-C50C-407E-A947-70E740481C1C}">
+                <a14:useLocalDpi xmlns:a14="http://schemas.microsoft.com/office/drawing/2010/main" val="0"/>
+              </a:ext>
+            </a:extLst>
+          </a:blip>
+          <a:srcRect/>
+          <a:stretch>
+            <a:fillRect/>
+          </a:stretch>
+        </p:blipFill>
+        <p:spPr bwMode="auto">
+          <a:xfrm>
+            <a:off x="3485327" y="1890185"/>
+            <a:ext cx="8105467" cy="5016413"/>
+          </a:xfrm>
+          <a:prstGeom prst="rect">
+            <a:avLst/>
+          </a:prstGeom>
+          <a:noFill/>
+          <a:extLst>
+            <a:ext uri="{909E8E84-426E-40DD-AFC4-6F175D3DCCD1}">
+              <a14:hiddenFill xmlns:a14="http://schemas.microsoft.com/office/drawing/2010/main">
+                <a:solidFill>
+                  <a:srgbClr val="FFFFFF"/>
+                </a:solidFill>
+              </a14:hiddenFill>
+            </a:ext>
+          </a:extLst>
+        </p:spPr>
+      </p:pic>
     </p:spTree>
     <p:extLst>
       <p:ext uri="{BB962C8B-B14F-4D97-AF65-F5344CB8AC3E}">
-        <p14:creationId xmlns:p14="http://schemas.microsoft.com/office/powerpoint/2010/main" val="912595009"/>
+        <p14:creationId xmlns:p14="http://schemas.microsoft.com/office/powerpoint/2010/main" val="1216618614"/>
       </p:ext>
     </p:extLst>
   </p:cSld>
@@ -7899,21 +8211,6 @@
 </file>
 
 <file path=customXml/item1.xml><?xml version="1.0" encoding="utf-8"?>
-<p:properties xmlns:p="http://schemas.microsoft.com/office/2006/metadata/properties" xmlns:xsi="http://www.w3.org/2001/XMLSchema-instance" xmlns:pc="http://schemas.microsoft.com/office/infopath/2007/PartnerControls">
-  <documentManagement/>
-</p:properties>
-</file>
-
-<file path=customXml/item2.xml><?xml version="1.0" encoding="utf-8"?>
-<?mso-contentType ?>
-<FormTemplates xmlns="http://schemas.microsoft.com/sharepoint/v3/contenttype/forms">
-  <Display>DocumentLibraryForm</Display>
-  <Edit>DocumentLibraryForm</Edit>
-  <New>DocumentLibraryForm</New>
-</FormTemplates>
-</file>
-
-<file path=customXml/item3.xml><?xml version="1.0" encoding="utf-8"?>
 <ct:contentTypeSchema xmlns:ct="http://schemas.microsoft.com/office/2006/metadata/contentType" xmlns:ma="http://schemas.microsoft.com/office/2006/metadata/properties/metaAttributes" ct:_="" ma:_="" ma:contentTypeName="Document" ma:contentTypeID="0x01010084BDEA35F16FD64EAFB50D24D0B278CC" ma:contentTypeVersion="0" ma:contentTypeDescription="Create a new document." ma:contentTypeScope="" ma:versionID="0b7f5383295ef2e64e89ac2495ff3d4e">
   <xsd:schema xmlns:xsd="http://www.w3.org/2001/XMLSchema" xmlns:xs="http://www.w3.org/2001/XMLSchema" xmlns:p="http://schemas.microsoft.com/office/2006/metadata/properties" targetNamespace="http://schemas.microsoft.com/office/2006/metadata/properties" ma:root="true" ma:fieldsID="c64490b4aec6201516c3a874156f37b2">
     <xsd:element name="properties">
@@ -8027,16 +8324,32 @@
 </ct:contentTypeSchema>
 </file>
 
+<file path=customXml/item2.xml><?xml version="1.0" encoding="utf-8"?>
+<?mso-contentType ?>
+<FormTemplates xmlns="http://schemas.microsoft.com/sharepoint/v3/contenttype/forms">
+  <Display>DocumentLibraryForm</Display>
+  <Edit>DocumentLibraryForm</Edit>
+  <New>DocumentLibraryForm</New>
+</FormTemplates>
+</file>
+
+<file path=customXml/item3.xml><?xml version="1.0" encoding="utf-8"?>
+<p:properties xmlns:p="http://schemas.microsoft.com/office/2006/metadata/properties" xmlns:xsi="http://www.w3.org/2001/XMLSchema-instance" xmlns:pc="http://schemas.microsoft.com/office/infopath/2007/PartnerControls">
+  <documentManagement/>
+</p:properties>
+</file>
+
 <file path=customXml/itemProps1.xml><?xml version="1.0" encoding="utf-8"?>
-<ds:datastoreItem xmlns:ds="http://schemas.openxmlformats.org/officeDocument/2006/customXml" ds:itemID="{DB3AD410-478E-4068-B103-32D60D437510}">
+<ds:datastoreItem xmlns:ds="http://schemas.openxmlformats.org/officeDocument/2006/customXml" ds:itemID="{D7CF5377-8F54-4882-874E-AEB1934708BB}">
   <ds:schemaRefs>
-    <ds:schemaRef ds:uri="http://purl.org/dc/dcmitype/"/>
-    <ds:schemaRef ds:uri="http://purl.org/dc/terms/"/>
-    <ds:schemaRef ds:uri="http://schemas.microsoft.com/office/2006/documentManagement/types"/>
+    <ds:schemaRef ds:uri="http://schemas.microsoft.com/office/2006/metadata/contentType"/>
+    <ds:schemaRef ds:uri="http://schemas.microsoft.com/office/2006/metadata/properties/metaAttributes"/>
+    <ds:schemaRef ds:uri="http://www.w3.org/2001/XMLSchema"/>
     <ds:schemaRef ds:uri="http://schemas.microsoft.com/office/2006/metadata/properties"/>
     <ds:schemaRef ds:uri="http://schemas.openxmlformats.org/package/2006/metadata/core-properties"/>
-    <ds:schemaRef ds:uri="http://www.w3.org/XML/1998/namespace"/>
     <ds:schemaRef ds:uri="http://purl.org/dc/elements/1.1/"/>
+    <ds:schemaRef ds:uri="http://purl.org/dc/terms/"/>
+    <ds:schemaRef ds:uri="http://schemas.microsoft.com/internal/obd"/>
     <ds:schemaRef ds:uri="http://schemas.microsoft.com/office/infopath/2007/PartnerControls"/>
   </ds:schemaRefs>
 </ds:datastoreItem>
@@ -8051,17 +8364,16 @@
 </file>
 
 <file path=customXml/itemProps3.xml><?xml version="1.0" encoding="utf-8"?>
-<ds:datastoreItem xmlns:ds="http://schemas.openxmlformats.org/officeDocument/2006/customXml" ds:itemID="{D7CF5377-8F54-4882-874E-AEB1934708BB}">
+<ds:datastoreItem xmlns:ds="http://schemas.openxmlformats.org/officeDocument/2006/customXml" ds:itemID="{DB3AD410-478E-4068-B103-32D60D437510}">
   <ds:schemaRefs>
-    <ds:schemaRef ds:uri="http://schemas.microsoft.com/office/2006/metadata/contentType"/>
-    <ds:schemaRef ds:uri="http://schemas.microsoft.com/office/2006/metadata/properties/metaAttributes"/>
-    <ds:schemaRef ds:uri="http://www.w3.org/2001/XMLSchema"/>
+    <ds:schemaRef ds:uri="http://schemas.openxmlformats.org/package/2006/metadata/core-properties"/>
+    <ds:schemaRef ds:uri="http://purl.org/dc/dcmitype/"/>
+    <ds:schemaRef ds:uri="http://purl.org/dc/terms/"/>
+    <ds:schemaRef ds:uri="http://schemas.microsoft.com/office/2006/documentManagement/types"/>
+    <ds:schemaRef ds:uri="http://purl.org/dc/elements/1.1/"/>
+    <ds:schemaRef ds:uri="http://schemas.microsoft.com/office/infopath/2007/PartnerControls"/>
     <ds:schemaRef ds:uri="http://schemas.microsoft.com/office/2006/metadata/properties"/>
-    <ds:schemaRef ds:uri="http://schemas.openxmlformats.org/package/2006/metadata/core-properties"/>
-    <ds:schemaRef ds:uri="http://purl.org/dc/elements/1.1/"/>
-    <ds:schemaRef ds:uri="http://purl.org/dc/terms/"/>
-    <ds:schemaRef ds:uri="http://schemas.microsoft.com/internal/obd"/>
-    <ds:schemaRef ds:uri="http://schemas.microsoft.com/office/infopath/2007/PartnerControls"/>
+    <ds:schemaRef ds:uri="http://www.w3.org/XML/1998/namespace"/>
   </ds:schemaRefs>
 </ds:datastoreItem>
 </file>
--- a/2014/supersize-nodejs/supersize-nodejs-gb.pptx
+++ b/2014/supersize-nodejs/supersize-nodejs-gb.pptx
@@ -6,10 +6,10 @@
     <p:sldMasterId id="2147483667" r:id="rId5"/>
   </p:sldMasterIdLst>
   <p:notesMasterIdLst>
-    <p:notesMasterId r:id="rId19"/>
+    <p:notesMasterId r:id="rId22"/>
   </p:notesMasterIdLst>
   <p:handoutMasterIdLst>
-    <p:handoutMasterId r:id="rId20"/>
+    <p:handoutMasterId r:id="rId23"/>
   </p:handoutMasterIdLst>
   <p:sldIdLst>
     <p:sldId id="293" r:id="rId6"/>
@@ -20,11 +20,14 @@
     <p:sldId id="302" r:id="rId11"/>
     <p:sldId id="311" r:id="rId12"/>
     <p:sldId id="312" r:id="rId13"/>
-    <p:sldId id="313" r:id="rId14"/>
-    <p:sldId id="310" r:id="rId15"/>
-    <p:sldId id="305" r:id="rId16"/>
-    <p:sldId id="306" r:id="rId17"/>
-    <p:sldId id="297" r:id="rId18"/>
+    <p:sldId id="314" r:id="rId14"/>
+    <p:sldId id="315" r:id="rId15"/>
+    <p:sldId id="316" r:id="rId16"/>
+    <p:sldId id="313" r:id="rId17"/>
+    <p:sldId id="310" r:id="rId18"/>
+    <p:sldId id="305" r:id="rId19"/>
+    <p:sldId id="306" r:id="rId20"/>
+    <p:sldId id="297" r:id="rId21"/>
   </p:sldIdLst>
   <p:sldSz cx="16257588" cy="9144000"/>
   <p:notesSz cx="6858000" cy="9144000"/>
@@ -125,7 +128,7 @@
   </p:defaultTextStyle>
   <p:extLst>
     <p:ext uri="{EFAFB233-063F-42B5-8137-9DF3F51BA10A}">
-      <p15:sldGuideLst xmlns="" xmlns:p15="http://schemas.microsoft.com/office/powerpoint/2012/main">
+      <p15:sldGuideLst xmlns:p15="http://schemas.microsoft.com/office/powerpoint/2012/main" xmlns="">
         <p15:guide id="1" orient="horz" pos="2880">
           <p15:clr>
             <a:srgbClr val="A4A3A4"/>
@@ -224,7 +227,7 @@
           <a:p>
             <a:fld id="{387C2776-B9DD-1946-9831-785CA23AC1F1}" type="datetime1">
               <a:rPr lang="en-US" smtClean="0"/>
-              <a:t>5/13/2014</a:t>
+              <a:t>5/15/2014</a:t>
             </a:fld>
             <a:endParaRPr lang="en-US" dirty="0"/>
           </a:p>
@@ -390,7 +393,7 @@
           <a:p>
             <a:fld id="{13A1C7DD-7A43-8947-A922-8561F0BA9BCC}" type="datetime1">
               <a:rPr lang="en-US" smtClean="0"/>
-              <a:t>5/13/2014</a:t>
+              <a:t>5/15/2014</a:t>
             </a:fld>
             <a:endParaRPr lang="en-US" dirty="0"/>
           </a:p>
@@ -705,7 +708,17 @@
           <a:p>
             <a:r>
               <a:rPr lang="en-US" dirty="0" smtClean="0"/>
-              <a:t>Easy Deployment</a:t>
+              <a:t>January</a:t>
+            </a:r>
+            <a:r>
+              <a:rPr lang="en-US" baseline="0" dirty="0" smtClean="0"/>
+              <a:t> 2013, M&amp;E Cloud Services</a:t>
+            </a:r>
+          </a:p>
+          <a:p>
+            <a:r>
+              <a:rPr lang="en-US" baseline="0" dirty="0" smtClean="0"/>
+              <a:t>Our mission: </a:t>
             </a:r>
           </a:p>
           <a:p>
@@ -714,21 +727,8 @@
               <a:buChar char="-"/>
             </a:pPr>
             <a:r>
-              <a:rPr lang="en-US" dirty="0" smtClean="0"/>
-              <a:t>Sync and</a:t>
-            </a:r>
-            <a:r>
               <a:rPr lang="en-US" baseline="0" dirty="0" smtClean="0"/>
-              <a:t> run script</a:t>
-            </a:r>
-          </a:p>
-          <a:p>
-            <a:endParaRPr lang="en-US" baseline="0" dirty="0" smtClean="0"/>
-          </a:p>
-          <a:p>
-            <a:r>
-              <a:rPr lang="en-US" baseline="0" dirty="0" smtClean="0"/>
-              <a:t>Deployment as code</a:t>
+              <a:t>Open the Cloud to Artists and Managers using M&amp;E products</a:t>
             </a:r>
           </a:p>
           <a:p>
@@ -738,16 +738,74 @@
             </a:pPr>
             <a:r>
               <a:rPr lang="en-US" baseline="0" dirty="0" smtClean="0"/>
-              <a:t>Sync branch and deploy (source control)</a:t>
-            </a:r>
-          </a:p>
-          <a:p>
+              <a:t>Empower our users with collaboration features</a:t>
+            </a:r>
+          </a:p>
+          <a:p>
+            <a:pPr marL="342900" indent="-342900">
+              <a:buFontTx/>
+              <a:buChar char="-"/>
+            </a:pPr>
             <a:endParaRPr lang="en-US" baseline="0" dirty="0" smtClean="0"/>
           </a:p>
           <a:p>
+            <a:pPr marL="0" indent="0">
+              <a:buFontTx/>
+              <a:buNone/>
+            </a:pPr>
             <a:r>
               <a:rPr lang="en-US" baseline="0" dirty="0" smtClean="0"/>
-              <a:t>Small pieces to build something big</a:t>
+              <a:t>The Product:</a:t>
+            </a:r>
+          </a:p>
+          <a:p>
+            <a:pPr marL="342900" indent="-342900">
+              <a:buFontTx/>
+              <a:buChar char="-"/>
+            </a:pPr>
+            <a:r>
+              <a:rPr lang="en-US" baseline="0" dirty="0" smtClean="0"/>
+              <a:t>Multi-segment team</a:t>
+            </a:r>
+          </a:p>
+          <a:p>
+            <a:pPr marL="342900" indent="-342900">
+              <a:buFontTx/>
+              <a:buChar char="-"/>
+            </a:pPr>
+            <a:r>
+              <a:rPr lang="en-US" baseline="0" dirty="0" smtClean="0"/>
+              <a:t>In-DCC integration</a:t>
+            </a:r>
+          </a:p>
+          <a:p>
+            <a:pPr marL="342900" indent="-342900">
+              <a:buFontTx/>
+              <a:buChar char="-"/>
+            </a:pPr>
+            <a:r>
+              <a:rPr lang="en-US" baseline="0" dirty="0" smtClean="0"/>
+              <a:t>Tray Application</a:t>
+            </a:r>
+          </a:p>
+          <a:p>
+            <a:pPr marL="342900" indent="-342900">
+              <a:buFontTx/>
+              <a:buChar char="-"/>
+            </a:pPr>
+            <a:r>
+              <a:rPr lang="en-US" baseline="0" dirty="0" smtClean="0"/>
+              <a:t>Specialized Web Services</a:t>
+            </a:r>
+          </a:p>
+          <a:p>
+            <a:pPr marL="342900" indent="-342900">
+              <a:buFontTx/>
+              <a:buChar char="-"/>
+            </a:pPr>
+            <a:r>
+              <a:rPr lang="en-US" baseline="0" dirty="0" smtClean="0"/>
+              <a:t>Core stack for inter-operability</a:t>
             </a:r>
           </a:p>
           <a:p>
@@ -756,18 +814,42 @@
           <a:p>
             <a:r>
               <a:rPr lang="en-US" baseline="0" dirty="0" smtClean="0"/>
-              <a:t>“Developer-centric” environment</a:t>
-            </a:r>
-          </a:p>
-          <a:p>
+              <a:t>Challenge:</a:t>
+            </a:r>
+          </a:p>
+          <a:p>
+            <a:pPr marL="342900" indent="-342900">
+              <a:buFontTx/>
+              <a:buChar char="-"/>
+            </a:pPr>
+            <a:r>
+              <a:rPr lang="en-US" baseline="0" dirty="0" smtClean="0"/>
+              <a:t>Build a deployment process flexible enough to support deployment of a multi-segment product.</a:t>
+            </a:r>
+          </a:p>
+          <a:p>
+            <a:pPr marL="342900" indent="-342900">
+              <a:buFontTx/>
+              <a:buChar char="-"/>
+            </a:pPr>
+            <a:r>
+              <a:rPr lang="en-US" baseline="0" dirty="0" smtClean="0"/>
+              <a:t>None of the products where precisely defined initially</a:t>
+            </a:r>
+          </a:p>
+          <a:p>
+            <a:pPr marL="342900" indent="-342900">
+              <a:buFontTx/>
+              <a:buChar char="-"/>
+            </a:pPr>
             <a:endParaRPr lang="en-US" baseline="0" dirty="0" smtClean="0"/>
           </a:p>
           <a:p>
-            <a:r>
-              <a:rPr lang="en-US" baseline="0" dirty="0" smtClean="0"/>
-              <a:t>Development to be deployment agnostic</a:t>
-            </a:r>
-            <a:endParaRPr lang="en-US" dirty="0"/>
+            <a:pPr marL="0" indent="0">
+              <a:buFontTx/>
+              <a:buNone/>
+            </a:pPr>
+            <a:endParaRPr lang="en-US" baseline="0" dirty="0" smtClean="0"/>
           </a:p>
         </p:txBody>
       </p:sp>
@@ -788,7 +870,7 @@
           <a:p>
             <a:fld id="{73E9330B-B1DA-214B-A229-0CB8492B91A5}" type="slidenum">
               <a:rPr lang="en-US" smtClean="0"/>
-              <a:t>3</a:t>
+              <a:t>2</a:t>
             </a:fld>
             <a:endParaRPr lang="en-US" dirty="0"/>
           </a:p>
@@ -797,7 +879,442 @@
     </p:spTree>
     <p:extLst>
       <p:ext uri="{BB962C8B-B14F-4D97-AF65-F5344CB8AC3E}">
-        <p14:creationId xmlns:p14="http://schemas.microsoft.com/office/powerpoint/2010/main" val="2546067090"/>
+        <p14:creationId xmlns:p14="http://schemas.microsoft.com/office/powerpoint/2010/main" val="3262013747"/>
+      </p:ext>
+    </p:extLst>
+  </p:cSld>
+  <p:clrMapOvr>
+    <a:masterClrMapping/>
+  </p:clrMapOvr>
+</p:notes>
+</file>
+
+<file path=ppt/notesSlides/notesSlide10.xml><?xml version="1.0" encoding="utf-8"?>
+<p:notes xmlns:a="http://schemas.openxmlformats.org/drawingml/2006/main" xmlns:r="http://schemas.openxmlformats.org/officeDocument/2006/relationships" xmlns:p="http://schemas.openxmlformats.org/presentationml/2006/main">
+  <p:cSld>
+    <p:spTree>
+      <p:nvGrpSpPr>
+        <p:cNvPr id="1" name=""/>
+        <p:cNvGrpSpPr/>
+        <p:nvPr/>
+      </p:nvGrpSpPr>
+      <p:grpSpPr>
+        <a:xfrm>
+          <a:off x="0" y="0"/>
+          <a:ext cx="0" cy="0"/>
+          <a:chOff x="0" y="0"/>
+          <a:chExt cx="0" cy="0"/>
+        </a:xfrm>
+      </p:grpSpPr>
+      <p:sp>
+        <p:nvSpPr>
+          <p:cNvPr id="2" name="Slide Image Placeholder 1"/>
+          <p:cNvSpPr>
+            <a:spLocks noGrp="1" noRot="1" noChangeAspect="1"/>
+          </p:cNvSpPr>
+          <p:nvPr>
+            <p:ph type="sldImg"/>
+          </p:nvPr>
+        </p:nvSpPr>
+        <p:spPr/>
+      </p:sp>
+      <p:sp>
+        <p:nvSpPr>
+          <p:cNvPr id="3" name="Notes Placeholder 2"/>
+          <p:cNvSpPr>
+            <a:spLocks noGrp="1"/>
+          </p:cNvSpPr>
+          <p:nvPr>
+            <p:ph type="body" idx="1"/>
+          </p:nvPr>
+        </p:nvSpPr>
+        <p:spPr/>
+        <p:txBody>
+          <a:bodyPr/>
+          <a:lstStyle/>
+          <a:p>
+            <a:r>
+              <a:rPr lang="en-US" dirty="0" smtClean="0"/>
+              <a:t>Shared Configuration (</a:t>
+            </a:r>
+            <a:r>
+              <a:rPr lang="en-US" dirty="0" err="1" smtClean="0"/>
+              <a:t>nconf</a:t>
+            </a:r>
+            <a:r>
+              <a:rPr lang="en-US" dirty="0" smtClean="0"/>
+              <a:t>)</a:t>
+            </a:r>
+          </a:p>
+          <a:p>
+            <a:endParaRPr lang="en-US" dirty="0" smtClean="0"/>
+          </a:p>
+          <a:p>
+            <a:r>
+              <a:rPr lang="en-US" dirty="0" smtClean="0"/>
+              <a:t>Deployment from day 1</a:t>
+            </a:r>
+          </a:p>
+          <a:p>
+            <a:endParaRPr lang="en-US" dirty="0" smtClean="0"/>
+          </a:p>
+          <a:p>
+            <a:r>
+              <a:rPr lang="en-US" dirty="0" smtClean="0"/>
+              <a:t>Investment in development</a:t>
+            </a:r>
+          </a:p>
+          <a:p>
+            <a:endParaRPr lang="en-US" dirty="0" smtClean="0"/>
+          </a:p>
+          <a:p>
+            <a:r>
+              <a:rPr lang="en-US" dirty="0" smtClean="0"/>
+              <a:t>“Local” Deployment</a:t>
+            </a:r>
+          </a:p>
+          <a:p>
+            <a:pPr marL="342900" indent="-342900">
+              <a:buFontTx/>
+              <a:buChar char="-"/>
+            </a:pPr>
+            <a:r>
+              <a:rPr lang="en-US" dirty="0" smtClean="0"/>
+              <a:t>Vagrant</a:t>
+            </a:r>
+          </a:p>
+          <a:p>
+            <a:pPr marL="342900" indent="-342900">
+              <a:buFontTx/>
+              <a:buChar char="-"/>
+            </a:pPr>
+            <a:r>
+              <a:rPr lang="en-US" dirty="0" smtClean="0"/>
+              <a:t>Cross-platform technology</a:t>
+            </a:r>
+          </a:p>
+          <a:p>
+            <a:pPr marL="342900" indent="-342900">
+              <a:buFontTx/>
+              <a:buChar char="-"/>
+            </a:pPr>
+            <a:r>
+              <a:rPr lang="en-US" dirty="0" smtClean="0"/>
+              <a:t>“Full” JavaScript stack</a:t>
+            </a:r>
+            <a:endParaRPr lang="en-US" dirty="0"/>
+          </a:p>
+        </p:txBody>
+      </p:sp>
+      <p:sp>
+        <p:nvSpPr>
+          <p:cNvPr id="4" name="Slide Number Placeholder 3"/>
+          <p:cNvSpPr>
+            <a:spLocks noGrp="1"/>
+          </p:cNvSpPr>
+          <p:nvPr>
+            <p:ph type="sldNum" sz="quarter" idx="10"/>
+          </p:nvPr>
+        </p:nvSpPr>
+        <p:spPr/>
+        <p:txBody>
+          <a:bodyPr/>
+          <a:lstStyle/>
+          <a:p>
+            <a:fld id="{73E9330B-B1DA-214B-A229-0CB8492B91A5}" type="slidenum">
+              <a:rPr lang="en-US" smtClean="0"/>
+              <a:t>14</a:t>
+            </a:fld>
+            <a:endParaRPr lang="en-US" dirty="0"/>
+          </a:p>
+        </p:txBody>
+      </p:sp>
+    </p:spTree>
+    <p:extLst>
+      <p:ext uri="{BB962C8B-B14F-4D97-AF65-F5344CB8AC3E}">
+        <p14:creationId xmlns:p14="http://schemas.microsoft.com/office/powerpoint/2010/main" val="1399092135"/>
+      </p:ext>
+    </p:extLst>
+  </p:cSld>
+  <p:clrMapOvr>
+    <a:masterClrMapping/>
+  </p:clrMapOvr>
+</p:notes>
+</file>
+
+<file path=ppt/notesSlides/notesSlide11.xml><?xml version="1.0" encoding="utf-8"?>
+<p:notes xmlns:a="http://schemas.openxmlformats.org/drawingml/2006/main" xmlns:r="http://schemas.openxmlformats.org/officeDocument/2006/relationships" xmlns:p="http://schemas.openxmlformats.org/presentationml/2006/main">
+  <p:cSld>
+    <p:spTree>
+      <p:nvGrpSpPr>
+        <p:cNvPr id="1" name=""/>
+        <p:cNvGrpSpPr/>
+        <p:nvPr/>
+      </p:nvGrpSpPr>
+      <p:grpSpPr>
+        <a:xfrm>
+          <a:off x="0" y="0"/>
+          <a:ext cx="0" cy="0"/>
+          <a:chOff x="0" y="0"/>
+          <a:chExt cx="0" cy="0"/>
+        </a:xfrm>
+      </p:grpSpPr>
+      <p:sp>
+        <p:nvSpPr>
+          <p:cNvPr id="2" name="Slide Image Placeholder 1"/>
+          <p:cNvSpPr>
+            <a:spLocks noGrp="1" noRot="1" noChangeAspect="1"/>
+          </p:cNvSpPr>
+          <p:nvPr>
+            <p:ph type="sldImg"/>
+          </p:nvPr>
+        </p:nvSpPr>
+        <p:spPr/>
+      </p:sp>
+      <p:sp>
+        <p:nvSpPr>
+          <p:cNvPr id="3" name="Notes Placeholder 2"/>
+          <p:cNvSpPr>
+            <a:spLocks noGrp="1"/>
+          </p:cNvSpPr>
+          <p:nvPr>
+            <p:ph type="body" idx="1"/>
+          </p:nvPr>
+        </p:nvSpPr>
+        <p:spPr/>
+        <p:txBody>
+          <a:bodyPr/>
+          <a:lstStyle/>
+          <a:p>
+            <a:r>
+              <a:rPr lang="en-US" dirty="0" smtClean="0"/>
+              <a:t>Chef Server</a:t>
+            </a:r>
+          </a:p>
+          <a:p>
+            <a:pPr marL="342900" indent="-342900">
+              <a:buFontTx/>
+              <a:buChar char="-"/>
+            </a:pPr>
+            <a:r>
+              <a:rPr lang="en-US" dirty="0" smtClean="0"/>
+              <a:t>Complex</a:t>
+            </a:r>
+          </a:p>
+          <a:p>
+            <a:pPr marL="342900" indent="-342900">
+              <a:buFontTx/>
+              <a:buChar char="-"/>
+            </a:pPr>
+            <a:r>
+              <a:rPr lang="en-US" dirty="0" smtClean="0"/>
+              <a:t>Not used at its full potential</a:t>
+            </a:r>
+            <a:r>
+              <a:rPr lang="en-US" baseline="0" dirty="0" smtClean="0"/>
+              <a:t> as other tools gave us the same feature set</a:t>
+            </a:r>
+          </a:p>
+          <a:p>
+            <a:pPr marL="342900" indent="-342900">
+              <a:buFontTx/>
+              <a:buChar char="-"/>
+            </a:pPr>
+            <a:r>
+              <a:rPr lang="en-US" baseline="0" dirty="0" smtClean="0"/>
+              <a:t>Consider packer (with chef solo only)</a:t>
+            </a:r>
+            <a:endParaRPr lang="en-US" dirty="0" smtClean="0"/>
+          </a:p>
+          <a:p>
+            <a:endParaRPr lang="en-US" dirty="0" smtClean="0"/>
+          </a:p>
+          <a:p>
+            <a:r>
+              <a:rPr lang="en-US" dirty="0" smtClean="0"/>
+              <a:t>Cloud Formation template generation </a:t>
+            </a:r>
+            <a:r>
+              <a:rPr lang="en-US" baseline="0" dirty="0" smtClean="0"/>
+              <a:t>a</a:t>
+            </a:r>
+            <a:r>
+              <a:rPr lang="en-US" dirty="0" smtClean="0"/>
+              <a:t>bstraction</a:t>
+            </a:r>
+          </a:p>
+          <a:p>
+            <a:pPr marL="342900" indent="-342900">
+              <a:buFontTx/>
+              <a:buChar char="-"/>
+            </a:pPr>
+            <a:r>
+              <a:rPr lang="en-US" dirty="0" smtClean="0"/>
+              <a:t>We identify</a:t>
+            </a:r>
+            <a:r>
+              <a:rPr lang="en-US" baseline="0" dirty="0" smtClean="0"/>
+              <a:t> correctly the issue</a:t>
+            </a:r>
+          </a:p>
+          <a:p>
+            <a:pPr marL="342900" indent="-342900">
+              <a:buFontTx/>
+              <a:buChar char="-"/>
+            </a:pPr>
+            <a:r>
+              <a:rPr lang="en-US" dirty="0" smtClean="0"/>
+              <a:t>Mustache not the right</a:t>
+            </a:r>
+            <a:r>
+              <a:rPr lang="en-US" baseline="0" dirty="0" smtClean="0"/>
+              <a:t> tool to do that</a:t>
+            </a:r>
+            <a:endParaRPr lang="en-US" dirty="0" smtClean="0"/>
+          </a:p>
+          <a:p>
+            <a:endParaRPr lang="en-US" dirty="0" smtClean="0"/>
+          </a:p>
+          <a:p>
+            <a:r>
+              <a:rPr lang="en-US" dirty="0" err="1" smtClean="0"/>
+              <a:t>Npm</a:t>
+            </a:r>
+            <a:r>
+              <a:rPr lang="en-US" dirty="0" smtClean="0"/>
+              <a:t> registry</a:t>
+            </a:r>
+          </a:p>
+          <a:p>
+            <a:pPr marL="342900" indent="-342900">
+              <a:buFontTx/>
+              <a:buChar char="-"/>
+            </a:pPr>
+            <a:r>
+              <a:rPr lang="en-US" dirty="0" smtClean="0"/>
+              <a:t>Correctly</a:t>
+            </a:r>
+            <a:r>
+              <a:rPr lang="en-US" baseline="0" dirty="0" smtClean="0"/>
+              <a:t> decoupled deployment from </a:t>
+            </a:r>
+            <a:r>
+              <a:rPr lang="en-US" baseline="0" dirty="0" err="1" smtClean="0"/>
+              <a:t>npm</a:t>
+            </a:r>
+            <a:r>
+              <a:rPr lang="en-US" baseline="0" dirty="0" smtClean="0"/>
+              <a:t> registry</a:t>
+            </a:r>
+          </a:p>
+          <a:p>
+            <a:pPr marL="342900" indent="-342900">
+              <a:buFontTx/>
+              <a:buChar char="-"/>
+            </a:pPr>
+            <a:r>
+              <a:rPr lang="en-US" dirty="0" err="1" smtClean="0"/>
+              <a:t>Git</a:t>
+            </a:r>
+            <a:r>
+              <a:rPr lang="en-US" dirty="0" smtClean="0"/>
+              <a:t> protocol for node modules works, but it is slow + not reliable</a:t>
+            </a:r>
+          </a:p>
+          <a:p>
+            <a:pPr marL="342900" indent="-342900">
+              <a:buFontTx/>
+              <a:buChar char="-"/>
+            </a:pPr>
+            <a:r>
+              <a:rPr lang="en-US" baseline="0" dirty="0" smtClean="0"/>
+              <a:t>Fetching from </a:t>
+            </a:r>
+            <a:r>
+              <a:rPr lang="en-US" baseline="0" dirty="0" err="1" smtClean="0"/>
+              <a:t>npm</a:t>
+            </a:r>
+            <a:r>
+              <a:rPr lang="en-US" baseline="0" dirty="0" smtClean="0"/>
+              <a:t> is not fast</a:t>
+            </a:r>
+          </a:p>
+          <a:p>
+            <a:pPr marL="342900" lvl="0" indent="-342900">
+              <a:buFontTx/>
+              <a:buChar char="-"/>
+            </a:pPr>
+            <a:r>
+              <a:rPr lang="en-US" baseline="0" dirty="0" smtClean="0"/>
+              <a:t>Private </a:t>
+            </a:r>
+            <a:r>
+              <a:rPr lang="en-US" baseline="0" dirty="0" err="1" smtClean="0"/>
+              <a:t>npm</a:t>
+            </a:r>
+            <a:r>
+              <a:rPr lang="en-US" baseline="0" dirty="0" smtClean="0"/>
+              <a:t> registry would be preferable</a:t>
+            </a:r>
+          </a:p>
+          <a:p>
+            <a:pPr marL="342900" lvl="0" indent="-342900">
+              <a:buFontTx/>
+              <a:buChar char="-"/>
+            </a:pPr>
+            <a:r>
+              <a:rPr lang="en-US" dirty="0" smtClean="0"/>
+              <a:t>Middle-ground solution with </a:t>
+            </a:r>
+            <a:r>
+              <a:rPr lang="en-US" dirty="0" err="1" smtClean="0"/>
+              <a:t>npm</a:t>
+            </a:r>
+            <a:r>
+              <a:rPr lang="en-US" dirty="0" smtClean="0"/>
+              <a:t> lazy, workspace</a:t>
+            </a:r>
+            <a:endParaRPr lang="en-US" baseline="0" dirty="0" smtClean="0"/>
+          </a:p>
+          <a:p>
+            <a:pPr marL="1155710" lvl="1" indent="-342900">
+              <a:buFontTx/>
+              <a:buChar char="-"/>
+            </a:pPr>
+            <a:endParaRPr lang="en-US" dirty="0" smtClean="0"/>
+          </a:p>
+          <a:p>
+            <a:endParaRPr lang="en-US" dirty="0"/>
+          </a:p>
+        </p:txBody>
+      </p:sp>
+      <p:sp>
+        <p:nvSpPr>
+          <p:cNvPr id="4" name="Slide Number Placeholder 3"/>
+          <p:cNvSpPr>
+            <a:spLocks noGrp="1"/>
+          </p:cNvSpPr>
+          <p:nvPr>
+            <p:ph type="sldNum" sz="quarter" idx="10"/>
+          </p:nvPr>
+        </p:nvSpPr>
+        <p:spPr/>
+        <p:txBody>
+          <a:bodyPr/>
+          <a:lstStyle/>
+          <a:p>
+            <a:fld id="{73E9330B-B1DA-214B-A229-0CB8492B91A5}" type="slidenum">
+              <a:rPr lang="en-US" smtClean="0"/>
+              <a:t>15</a:t>
+            </a:fld>
+            <a:endParaRPr lang="en-US" dirty="0"/>
+          </a:p>
+        </p:txBody>
+      </p:sp>
+    </p:spTree>
+    <p:extLst>
+      <p:ext uri="{BB962C8B-B14F-4D97-AF65-F5344CB8AC3E}">
+        <p14:creationId xmlns:p14="http://schemas.microsoft.com/office/powerpoint/2010/main" val="212029141"/>
       </p:ext>
     </p:extLst>
   </p:cSld>
@@ -853,21 +1370,67 @@
           <a:p>
             <a:r>
               <a:rPr lang="en-US" dirty="0" smtClean="0"/>
-              <a:t>Scalable Nodes</a:t>
-            </a:r>
-          </a:p>
-          <a:p>
-            <a:r>
-              <a:rPr lang="en-US" dirty="0" smtClean="0"/>
-              <a:t>Dynamic </a:t>
-            </a:r>
-            <a:r>
-              <a:rPr lang="en-US" dirty="0" err="1" smtClean="0"/>
-              <a:t>Layouting</a:t>
-            </a:r>
-            <a:r>
-              <a:rPr lang="en-US" dirty="0" smtClean="0"/>
-              <a:t> of Roles</a:t>
+              <a:t>Easy Deployment</a:t>
+            </a:r>
+          </a:p>
+          <a:p>
+            <a:pPr marL="342900" indent="-342900">
+              <a:buFontTx/>
+              <a:buChar char="-"/>
+            </a:pPr>
+            <a:r>
+              <a:rPr lang="en-US" dirty="0" smtClean="0"/>
+              <a:t>Sync and</a:t>
+            </a:r>
+            <a:r>
+              <a:rPr lang="en-US" baseline="0" dirty="0" smtClean="0"/>
+              <a:t> run script</a:t>
+            </a:r>
+          </a:p>
+          <a:p>
+            <a:endParaRPr lang="en-US" baseline="0" dirty="0" smtClean="0"/>
+          </a:p>
+          <a:p>
+            <a:r>
+              <a:rPr lang="en-US" baseline="0" dirty="0" smtClean="0"/>
+              <a:t>Deployment as code</a:t>
+            </a:r>
+          </a:p>
+          <a:p>
+            <a:pPr marL="342900" indent="-342900">
+              <a:buFontTx/>
+              <a:buChar char="-"/>
+            </a:pPr>
+            <a:r>
+              <a:rPr lang="en-US" baseline="0" dirty="0" smtClean="0"/>
+              <a:t>Sync branch and deploy (source control)</a:t>
+            </a:r>
+          </a:p>
+          <a:p>
+            <a:endParaRPr lang="en-US" baseline="0" dirty="0" smtClean="0"/>
+          </a:p>
+          <a:p>
+            <a:r>
+              <a:rPr lang="en-US" baseline="0" dirty="0" smtClean="0"/>
+              <a:t>Small pieces to build something big</a:t>
+            </a:r>
+          </a:p>
+          <a:p>
+            <a:endParaRPr lang="en-US" baseline="0" dirty="0" smtClean="0"/>
+          </a:p>
+          <a:p>
+            <a:r>
+              <a:rPr lang="en-US" baseline="0" dirty="0" smtClean="0"/>
+              <a:t>“Developer-centric” environment</a:t>
+            </a:r>
+          </a:p>
+          <a:p>
+            <a:endParaRPr lang="en-US" baseline="0" dirty="0" smtClean="0"/>
+          </a:p>
+          <a:p>
+            <a:r>
+              <a:rPr lang="en-US" baseline="0" dirty="0" smtClean="0"/>
+              <a:t>Development to be deployment agnostic</a:t>
             </a:r>
             <a:endParaRPr lang="en-US" dirty="0"/>
           </a:p>
@@ -890,7 +1453,7 @@
           <a:p>
             <a:fld id="{73E9330B-B1DA-214B-A229-0CB8492B91A5}" type="slidenum">
               <a:rPr lang="en-US" smtClean="0"/>
-              <a:t>4</a:t>
+              <a:t>3</a:t>
             </a:fld>
             <a:endParaRPr lang="en-US" dirty="0"/>
           </a:p>
@@ -899,7 +1462,7 @@
     </p:spTree>
     <p:extLst>
       <p:ext uri="{BB962C8B-B14F-4D97-AF65-F5344CB8AC3E}">
-        <p14:creationId xmlns:p14="http://schemas.microsoft.com/office/powerpoint/2010/main" val="1580428272"/>
+        <p14:creationId xmlns:p14="http://schemas.microsoft.com/office/powerpoint/2010/main" val="2546067090"/>
       </p:ext>
     </p:extLst>
   </p:cSld>
@@ -955,7 +1518,47 @@
           <a:p>
             <a:r>
               <a:rPr lang="en-US" dirty="0" smtClean="0"/>
-              <a:t>Encourage development of small services</a:t>
+              <a:t>At</a:t>
+            </a:r>
+            <a:r>
+              <a:rPr lang="en-US" baseline="0" dirty="0" smtClean="0"/>
+              <a:t> the beginning, we didn’t knew much about the final architecture of the system.</a:t>
+            </a:r>
+          </a:p>
+          <a:p>
+            <a:r>
+              <a:rPr lang="en-US" baseline="0" dirty="0" smtClean="0"/>
+              <a:t>What we knew </a:t>
+            </a:r>
+          </a:p>
+          <a:p>
+            <a:pPr marL="342900" indent="-342900">
+              <a:buFontTx/>
+              <a:buChar char="-"/>
+            </a:pPr>
+            <a:r>
+              <a:rPr lang="en-US" baseline="0" dirty="0" smtClean="0"/>
+              <a:t>The stack would be composed of many services.</a:t>
+            </a:r>
+          </a:p>
+          <a:p>
+            <a:pPr marL="342900" indent="-342900">
+              <a:buFontTx/>
+              <a:buChar char="-"/>
+            </a:pPr>
+            <a:r>
+              <a:rPr lang="en-US" baseline="0" dirty="0" smtClean="0"/>
+              <a:t>Services would need to be scalable.</a:t>
+            </a:r>
+          </a:p>
+          <a:p>
+            <a:pPr marL="342900" indent="-342900">
+              <a:buFontTx/>
+              <a:buChar char="-"/>
+            </a:pPr>
+            <a:r>
+              <a:rPr lang="en-US" baseline="0" dirty="0" smtClean="0"/>
+              <a:t>Configuration would change regularly.</a:t>
             </a:r>
           </a:p>
           <a:p>
@@ -964,33 +1567,28 @@
           <a:p>
             <a:r>
               <a:rPr lang="en-US" dirty="0" smtClean="0"/>
-              <a:t>Reusable modules</a:t>
-            </a:r>
-          </a:p>
-          <a:p>
+              <a:t>From deploying services, our mind set change</a:t>
+            </a:r>
+            <a:r>
+              <a:rPr lang="en-US" baseline="0" dirty="0" smtClean="0"/>
+              <a:t>d to deploying a set of instances, playing one or many roles</a:t>
+            </a:r>
             <a:endParaRPr lang="en-US" dirty="0" smtClean="0"/>
           </a:p>
           <a:p>
             <a:r>
               <a:rPr lang="en-US" dirty="0" smtClean="0"/>
-              <a:t>Web Storage (</a:t>
+              <a:t>Dynamic </a:t>
             </a:r>
             <a:r>
               <a:rPr lang="en-US" dirty="0" err="1" smtClean="0"/>
-              <a:t>npm</a:t>
-            </a:r>
-            <a:r>
-              <a:rPr lang="en-US" dirty="0" smtClean="0"/>
-              <a:t> registry, </a:t>
-            </a:r>
-            <a:r>
-              <a:rPr lang="en-US" dirty="0" err="1" smtClean="0"/>
-              <a:t>GitHub</a:t>
-            </a:r>
-            <a:r>
-              <a:rPr lang="en-US" dirty="0" smtClean="0"/>
-              <a:t>)</a:t>
-            </a:r>
+              <a:t>Layouting</a:t>
+            </a:r>
+            <a:r>
+              <a:rPr lang="en-US" dirty="0" smtClean="0"/>
+              <a:t> of Roles</a:t>
+            </a:r>
+            <a:endParaRPr lang="en-US" dirty="0"/>
           </a:p>
         </p:txBody>
       </p:sp>
@@ -1011,7 +1609,7 @@
           <a:p>
             <a:fld id="{73E9330B-B1DA-214B-A229-0CB8492B91A5}" type="slidenum">
               <a:rPr lang="en-US" smtClean="0"/>
-              <a:t>5</a:t>
+              <a:t>4</a:t>
             </a:fld>
             <a:endParaRPr lang="en-US" dirty="0"/>
           </a:p>
@@ -1020,7 +1618,7 @@
     </p:spTree>
     <p:extLst>
       <p:ext uri="{BB962C8B-B14F-4D97-AF65-F5344CB8AC3E}">
-        <p14:creationId xmlns:p14="http://schemas.microsoft.com/office/powerpoint/2010/main" val="2524897917"/>
+        <p14:creationId xmlns:p14="http://schemas.microsoft.com/office/powerpoint/2010/main" val="1580428272"/>
       </p:ext>
     </p:extLst>
   </p:cSld>
@@ -1076,8 +1674,22 @@
           <a:p>
             <a:r>
               <a:rPr lang="en-US" dirty="0" smtClean="0"/>
-              <a:t>Scaling</a:t>
-            </a:r>
+              <a:t>Another thing we knew from the start was that our stack would be build around Node.js</a:t>
+            </a:r>
+          </a:p>
+          <a:p>
+            <a:endParaRPr lang="en-US" dirty="0" smtClean="0"/>
+          </a:p>
+          <a:p>
+            <a:r>
+              <a:rPr lang="en-US" dirty="0" smtClean="0"/>
+              <a:t>How does Node.js tinted</a:t>
+            </a:r>
+            <a:r>
+              <a:rPr lang="en-US" baseline="0" dirty="0" smtClean="0"/>
+              <a:t> the architecture:</a:t>
+            </a:r>
+            <a:endParaRPr lang="en-US" dirty="0" smtClean="0"/>
           </a:p>
           <a:p>
             <a:pPr marL="342900" indent="-342900">
@@ -1086,7 +1698,11 @@
             </a:pPr>
             <a:r>
               <a:rPr lang="en-US" dirty="0" smtClean="0"/>
-              <a:t>Elastic Load Balancers</a:t>
+              <a:t>Not</a:t>
+            </a:r>
+            <a:r>
+              <a:rPr lang="en-US" baseline="0" dirty="0" smtClean="0"/>
+              <a:t> much dependencies</a:t>
             </a:r>
           </a:p>
           <a:p>
@@ -1096,16 +1712,15 @@
             </a:pPr>
             <a:r>
               <a:rPr lang="en-US" dirty="0" smtClean="0"/>
-              <a:t>Auto-Scaling Groups</a:t>
-            </a:r>
-          </a:p>
-          <a:p>
-            <a:endParaRPr lang="en-US" dirty="0" smtClean="0"/>
-          </a:p>
-          <a:p>
-            <a:r>
-              <a:rPr lang="en-US" dirty="0" smtClean="0"/>
-              <a:t>Security</a:t>
+              <a:t>Encourage </a:t>
+            </a:r>
+            <a:r>
+              <a:rPr lang="en-US" dirty="0" smtClean="0"/>
+              <a:t>development of small </a:t>
+            </a:r>
+            <a:r>
+              <a:rPr lang="en-US" dirty="0" smtClean="0"/>
+              <a:t>services</a:t>
             </a:r>
           </a:p>
           <a:p>
@@ -1115,7 +1730,7 @@
             </a:pPr>
             <a:r>
               <a:rPr lang="en-US" dirty="0" smtClean="0"/>
-              <a:t>Private stack</a:t>
+              <a:t>Reusable modules</a:t>
             </a:r>
           </a:p>
           <a:p>
@@ -1125,7 +1740,27 @@
             </a:pPr>
             <a:r>
               <a:rPr lang="en-US" dirty="0" smtClean="0"/>
-              <a:t>Services vs. DB Stack</a:t>
+              <a:t>Web </a:t>
+            </a:r>
+            <a:r>
+              <a:rPr lang="en-US" dirty="0" smtClean="0"/>
+              <a:t>Storage (</a:t>
+            </a:r>
+            <a:r>
+              <a:rPr lang="en-US" dirty="0" err="1" smtClean="0"/>
+              <a:t>npm</a:t>
+            </a:r>
+            <a:r>
+              <a:rPr lang="en-US" dirty="0" smtClean="0"/>
+              <a:t> registry, </a:t>
+            </a:r>
+            <a:r>
+              <a:rPr lang="en-US" dirty="0" err="1" smtClean="0"/>
+              <a:t>Git</a:t>
+            </a:r>
+            <a:r>
+              <a:rPr lang="en-US" dirty="0" smtClean="0"/>
+              <a:t>)</a:t>
             </a:r>
           </a:p>
           <a:p>
@@ -1133,38 +1768,6 @@
               <a:buFontTx/>
               <a:buChar char="-"/>
             </a:pPr>
-            <a:endParaRPr lang="en-US" dirty="0" smtClean="0"/>
-          </a:p>
-          <a:p>
-            <a:pPr marL="0" indent="0">
-              <a:buFontTx/>
-              <a:buNone/>
-            </a:pPr>
-            <a:r>
-              <a:rPr lang="en-US" dirty="0" err="1" smtClean="0"/>
-              <a:t>DNSing</a:t>
-            </a:r>
-            <a:endParaRPr lang="en-US" dirty="0" smtClean="0"/>
-          </a:p>
-          <a:p>
-            <a:pPr marL="342900" indent="-342900">
-              <a:buFontTx/>
-              <a:buChar char="-"/>
-            </a:pPr>
-            <a:r>
-              <a:rPr lang="en-US" baseline="0" dirty="0" smtClean="0"/>
-              <a:t>Route 53</a:t>
-            </a:r>
-          </a:p>
-          <a:p>
-            <a:pPr marL="342900" indent="-342900">
-              <a:buFontTx/>
-              <a:buChar char="-"/>
-            </a:pPr>
-            <a:r>
-              <a:rPr lang="en-US" baseline="0" dirty="0" smtClean="0"/>
-              <a:t>NAT Instance</a:t>
-            </a:r>
             <a:endParaRPr lang="en-US" dirty="0" smtClean="0"/>
           </a:p>
         </p:txBody>
@@ -1186,7 +1789,7 @@
           <a:p>
             <a:fld id="{73E9330B-B1DA-214B-A229-0CB8492B91A5}" type="slidenum">
               <a:rPr lang="en-US" smtClean="0"/>
-              <a:t>6</a:t>
+              <a:t>5</a:t>
             </a:fld>
             <a:endParaRPr lang="en-US" dirty="0"/>
           </a:p>
@@ -1195,7 +1798,7 @@
     </p:spTree>
     <p:extLst>
       <p:ext uri="{BB962C8B-B14F-4D97-AF65-F5344CB8AC3E}">
-        <p14:creationId xmlns:p14="http://schemas.microsoft.com/office/powerpoint/2010/main" val="627207414"/>
+        <p14:creationId xmlns:p14="http://schemas.microsoft.com/office/powerpoint/2010/main" val="2524897917"/>
       </p:ext>
     </p:extLst>
   </p:cSld>
@@ -1249,30 +1852,138 @@
           <a:bodyPr/>
           <a:lstStyle/>
           <a:p>
-            <a:pPr marL="0" marR="0" indent="0" algn="l" defTabSz="812810" rtl="0" eaLnBrk="1" fontAlgn="auto" latinLnBrk="0" hangingPunct="1">
-              <a:lnSpc>
-                <a:spcPct val="100000"/>
-              </a:lnSpc>
-              <a:spcBef>
-                <a:spcPts val="0"/>
-              </a:spcBef>
-              <a:spcAft>
-                <a:spcPts val="0"/>
-              </a:spcAft>
-              <a:buClrTx/>
-              <a:buSzTx/>
+            <a:r>
+              <a:rPr lang="en-US" dirty="0" smtClean="0"/>
+              <a:t>The third fixed variable</a:t>
+            </a:r>
+            <a:r>
+              <a:rPr lang="en-US" baseline="0" dirty="0" smtClean="0"/>
+              <a:t> in our setup was that the stack would be deployed on Amazon.</a:t>
+            </a:r>
+          </a:p>
+          <a:p>
+            <a:r>
+              <a:rPr lang="en-US" baseline="0" dirty="0" smtClean="0"/>
+              <a:t>What a great news. Amazon offers a multitude of tools that makes developers life easier:</a:t>
+            </a:r>
+          </a:p>
+          <a:p>
+            <a:endParaRPr lang="en-US" dirty="0" smtClean="0"/>
+          </a:p>
+          <a:p>
+            <a:r>
+              <a:rPr lang="en-US" dirty="0" smtClean="0"/>
+              <a:t>Deployment</a:t>
+            </a:r>
+          </a:p>
+          <a:p>
+            <a:pPr marL="342900" indent="-342900">
+              <a:buFontTx/>
+              <a:buChar char="-"/>
+            </a:pPr>
+            <a:r>
+              <a:rPr lang="en-US" baseline="0" dirty="0" smtClean="0"/>
+              <a:t>Cloud Formation</a:t>
+            </a:r>
+            <a:endParaRPr lang="en-US" dirty="0" smtClean="0"/>
+          </a:p>
+          <a:p>
+            <a:endParaRPr lang="en-US" dirty="0" smtClean="0"/>
+          </a:p>
+          <a:p>
+            <a:r>
+              <a:rPr lang="en-US" dirty="0" smtClean="0"/>
+              <a:t>Scaling</a:t>
+            </a:r>
+            <a:endParaRPr lang="en-US" dirty="0" smtClean="0"/>
+          </a:p>
+          <a:p>
+            <a:pPr marL="342900" indent="-342900">
+              <a:buFontTx/>
+              <a:buChar char="-"/>
+            </a:pPr>
+            <a:r>
+              <a:rPr lang="en-US" dirty="0" smtClean="0"/>
+              <a:t>Elastic Load Balancers</a:t>
+            </a:r>
+          </a:p>
+          <a:p>
+            <a:pPr marL="342900" indent="-342900">
+              <a:buFontTx/>
+              <a:buChar char="-"/>
+            </a:pPr>
+            <a:r>
+              <a:rPr lang="en-US" dirty="0" smtClean="0"/>
+              <a:t>Auto-Scaling Groups</a:t>
+            </a:r>
+          </a:p>
+          <a:p>
+            <a:endParaRPr lang="en-US" dirty="0" smtClean="0"/>
+          </a:p>
+          <a:p>
+            <a:r>
+              <a:rPr lang="en-US" dirty="0" smtClean="0"/>
+              <a:t>Security</a:t>
+            </a:r>
+          </a:p>
+          <a:p>
+            <a:pPr marL="342900" indent="-342900">
+              <a:buFontTx/>
+              <a:buChar char="-"/>
+            </a:pPr>
+            <a:r>
+              <a:rPr lang="en-US" dirty="0" smtClean="0"/>
+              <a:t>Private stack</a:t>
+            </a:r>
+          </a:p>
+          <a:p>
+            <a:pPr marL="342900" indent="-342900">
+              <a:buFontTx/>
+              <a:buChar char="-"/>
+            </a:pPr>
+            <a:r>
+              <a:rPr lang="en-US" dirty="0" smtClean="0"/>
+              <a:t>Services vs. DB Stack</a:t>
+            </a:r>
+          </a:p>
+          <a:p>
+            <a:pPr marL="342900" indent="-342900">
+              <a:buFontTx/>
+              <a:buChar char="-"/>
+            </a:pPr>
+            <a:endParaRPr lang="en-US" dirty="0" smtClean="0"/>
+          </a:p>
+          <a:p>
+            <a:pPr marL="0" indent="0">
               <a:buFontTx/>
               <a:buNone/>
-              <a:tabLst/>
-              <a:defRPr/>
             </a:pPr>
             <a:r>
-              <a:rPr lang="en-US" dirty="0" smtClean="0"/>
-              <a:t>TODO: Define or delete</a:t>
-            </a:r>
-          </a:p>
-          <a:p>
-            <a:endParaRPr lang="en-US" dirty="0"/>
+              <a:rPr lang="en-US" dirty="0" err="1" smtClean="0"/>
+              <a:t>DNSing</a:t>
+            </a:r>
+            <a:endParaRPr lang="en-US" dirty="0" smtClean="0"/>
+          </a:p>
+          <a:p>
+            <a:pPr marL="342900" indent="-342900">
+              <a:buFontTx/>
+              <a:buChar char="-"/>
+            </a:pPr>
+            <a:r>
+              <a:rPr lang="en-US" baseline="0" dirty="0" smtClean="0"/>
+              <a:t>Route 53</a:t>
+            </a:r>
+          </a:p>
+          <a:p>
+            <a:pPr marL="342900" indent="-342900">
+              <a:buFontTx/>
+              <a:buChar char="-"/>
+            </a:pPr>
+            <a:r>
+              <a:rPr lang="en-US" baseline="0" dirty="0" smtClean="0"/>
+              <a:t>NAT Instance</a:t>
+            </a:r>
+            <a:endParaRPr lang="en-US" dirty="0" smtClean="0"/>
           </a:p>
         </p:txBody>
       </p:sp>
@@ -1293,7 +2004,7 @@
           <a:p>
             <a:fld id="{73E9330B-B1DA-214B-A229-0CB8492B91A5}" type="slidenum">
               <a:rPr lang="en-US" smtClean="0"/>
-              <a:t>7</a:t>
+              <a:t>6</a:t>
             </a:fld>
             <a:endParaRPr lang="en-US" dirty="0"/>
           </a:p>
@@ -1302,7 +2013,7 @@
     </p:spTree>
     <p:extLst>
       <p:ext uri="{BB962C8B-B14F-4D97-AF65-F5344CB8AC3E}">
-        <p14:creationId xmlns:p14="http://schemas.microsoft.com/office/powerpoint/2010/main" val="3779366650"/>
+        <p14:creationId xmlns:p14="http://schemas.microsoft.com/office/powerpoint/2010/main" val="627207414"/>
       </p:ext>
     </p:extLst>
   </p:cSld>
@@ -1356,10 +2067,29 @@
           <a:bodyPr/>
           <a:lstStyle/>
           <a:p>
+            <a:pPr marL="0" marR="0" indent="0" algn="l" defTabSz="812810" rtl="0" eaLnBrk="1" fontAlgn="auto" latinLnBrk="0" hangingPunct="1">
+              <a:lnSpc>
+                <a:spcPct val="100000"/>
+              </a:lnSpc>
+              <a:spcBef>
+                <a:spcPts val="0"/>
+              </a:spcBef>
+              <a:spcAft>
+                <a:spcPts val="0"/>
+              </a:spcAft>
+              <a:buClrTx/>
+              <a:buSzTx/>
+              <a:buFontTx/>
+              <a:buNone/>
+              <a:tabLst/>
+              <a:defRPr/>
+            </a:pPr>
             <a:r>
               <a:rPr lang="en-US" dirty="0" smtClean="0"/>
               <a:t>TODO: Define or delete</a:t>
             </a:r>
+          </a:p>
+          <a:p>
             <a:endParaRPr lang="en-US" dirty="0"/>
           </a:p>
         </p:txBody>
@@ -1381,7 +2111,7 @@
           <a:p>
             <a:fld id="{73E9330B-B1DA-214B-A229-0CB8492B91A5}" type="slidenum">
               <a:rPr lang="en-US" smtClean="0"/>
-              <a:t>9</a:t>
+              <a:t>7</a:t>
             </a:fld>
             <a:endParaRPr lang="en-US" dirty="0"/>
           </a:p>
@@ -1390,7 +2120,7 @@
     </p:spTree>
     <p:extLst>
       <p:ext uri="{BB962C8B-B14F-4D97-AF65-F5344CB8AC3E}">
-        <p14:creationId xmlns:p14="http://schemas.microsoft.com/office/powerpoint/2010/main" val="2121991405"/>
+        <p14:creationId xmlns:p14="http://schemas.microsoft.com/office/powerpoint/2010/main" val="3779366650"/>
       </p:ext>
     </p:extLst>
   </p:cSld>
@@ -1446,7 +2176,7 @@
           <a:p>
             <a:r>
               <a:rPr lang="en-US" dirty="0" smtClean="0"/>
-              <a:t>TODO: Define or delete</a:t>
+              <a:t>Revise with David</a:t>
             </a:r>
             <a:endParaRPr lang="en-US" dirty="0"/>
           </a:p>
@@ -1469,7 +2199,7 @@
           <a:p>
             <a:fld id="{73E9330B-B1DA-214B-A229-0CB8492B91A5}" type="slidenum">
               <a:rPr lang="en-US" smtClean="0"/>
-              <a:t>10</a:t>
+              <a:t>11</a:t>
             </a:fld>
             <a:endParaRPr lang="en-US" dirty="0"/>
           </a:p>
@@ -1478,7 +2208,7 @@
     </p:spTree>
     <p:extLst>
       <p:ext uri="{BB962C8B-B14F-4D97-AF65-F5344CB8AC3E}">
-        <p14:creationId xmlns:p14="http://schemas.microsoft.com/office/powerpoint/2010/main" val="2121991405"/>
+        <p14:creationId xmlns:p14="http://schemas.microsoft.com/office/powerpoint/2010/main" val="2444297173"/>
       </p:ext>
     </p:extLst>
   </p:cSld>
@@ -1534,72 +2264,7 @@
           <a:p>
             <a:r>
               <a:rPr lang="en-US" dirty="0" smtClean="0"/>
-              <a:t>Shared Configuration (</a:t>
-            </a:r>
-            <a:r>
-              <a:rPr lang="en-US" dirty="0" err="1" smtClean="0"/>
-              <a:t>nconf</a:t>
-            </a:r>
-            <a:r>
-              <a:rPr lang="en-US" dirty="0" smtClean="0"/>
-              <a:t>)</a:t>
-            </a:r>
-          </a:p>
-          <a:p>
-            <a:endParaRPr lang="en-US" dirty="0" smtClean="0"/>
-          </a:p>
-          <a:p>
-            <a:r>
-              <a:rPr lang="en-US" dirty="0" smtClean="0"/>
-              <a:t>Deployment from day 1</a:t>
-            </a:r>
-          </a:p>
-          <a:p>
-            <a:endParaRPr lang="en-US" dirty="0" smtClean="0"/>
-          </a:p>
-          <a:p>
-            <a:r>
-              <a:rPr lang="en-US" dirty="0" smtClean="0"/>
-              <a:t>Investment in development</a:t>
-            </a:r>
-          </a:p>
-          <a:p>
-            <a:endParaRPr lang="en-US" dirty="0" smtClean="0"/>
-          </a:p>
-          <a:p>
-            <a:r>
-              <a:rPr lang="en-US" dirty="0" smtClean="0"/>
-              <a:t>“Local” Deployment</a:t>
-            </a:r>
-          </a:p>
-          <a:p>
-            <a:pPr marL="342900" indent="-342900">
-              <a:buFontTx/>
-              <a:buChar char="-"/>
-            </a:pPr>
-            <a:r>
-              <a:rPr lang="en-US" dirty="0" smtClean="0"/>
-              <a:t>Vagrant</a:t>
-            </a:r>
-          </a:p>
-          <a:p>
-            <a:pPr marL="342900" indent="-342900">
-              <a:buFontTx/>
-              <a:buChar char="-"/>
-            </a:pPr>
-            <a:r>
-              <a:rPr lang="en-US" dirty="0" smtClean="0"/>
-              <a:t>Cross-platform technology</a:t>
-            </a:r>
-          </a:p>
-          <a:p>
-            <a:pPr marL="342900" indent="-342900">
-              <a:buFontTx/>
-              <a:buChar char="-"/>
-            </a:pPr>
-            <a:r>
-              <a:rPr lang="en-US" dirty="0" smtClean="0"/>
-              <a:t>“Full” JavaScript stack</a:t>
+              <a:t>TODO: Define or delete</a:t>
             </a:r>
             <a:endParaRPr lang="en-US" dirty="0"/>
           </a:p>
@@ -1622,7 +2287,7 @@
           <a:p>
             <a:fld id="{73E9330B-B1DA-214B-A229-0CB8492B91A5}" type="slidenum">
               <a:rPr lang="en-US" smtClean="0"/>
-              <a:t>11</a:t>
+              <a:t>12</a:t>
             </a:fld>
             <a:endParaRPr lang="en-US" dirty="0"/>
           </a:p>
@@ -1631,7 +2296,7 @@
     </p:spTree>
     <p:extLst>
       <p:ext uri="{BB962C8B-B14F-4D97-AF65-F5344CB8AC3E}">
-        <p14:creationId xmlns:p14="http://schemas.microsoft.com/office/powerpoint/2010/main" val="1399092135"/>
+        <p14:creationId xmlns:p14="http://schemas.microsoft.com/office/powerpoint/2010/main" val="2121991405"/>
       </p:ext>
     </p:extLst>
   </p:cSld>
@@ -1687,202 +2352,8 @@
           <a:p>
             <a:r>
               <a:rPr lang="en-US" dirty="0" smtClean="0"/>
-              <a:t>Chef Server</a:t>
-            </a:r>
-          </a:p>
-          <a:p>
-            <a:pPr marL="342900" indent="-342900">
-              <a:buFontTx/>
-              <a:buChar char="-"/>
-            </a:pPr>
-            <a:r>
-              <a:rPr lang="en-US" dirty="0" smtClean="0"/>
-              <a:t>Complex</a:t>
-            </a:r>
-          </a:p>
-          <a:p>
-            <a:pPr marL="342900" indent="-342900">
-              <a:buFontTx/>
-              <a:buChar char="-"/>
-            </a:pPr>
-            <a:r>
-              <a:rPr lang="en-US" dirty="0" smtClean="0"/>
-              <a:t>Not used at its full potential</a:t>
-            </a:r>
-            <a:r>
-              <a:rPr lang="en-US" baseline="0" dirty="0" smtClean="0"/>
-              <a:t> as other tools gave us the same feature set</a:t>
-            </a:r>
-          </a:p>
-          <a:p>
-            <a:pPr marL="342900" indent="-342900">
-              <a:buFontTx/>
-              <a:buChar char="-"/>
-            </a:pPr>
-            <a:r>
-              <a:rPr lang="en-US" baseline="0" dirty="0" smtClean="0"/>
-              <a:t>Consider packer (with chef solo only)</a:t>
-            </a:r>
-            <a:endParaRPr lang="en-US" dirty="0" smtClean="0"/>
-          </a:p>
-          <a:p>
-            <a:endParaRPr lang="en-US" dirty="0" smtClean="0"/>
-          </a:p>
-          <a:p>
-            <a:r>
-              <a:rPr lang="en-US" dirty="0" smtClean="0"/>
-              <a:t>Cloud Formation template generation </a:t>
-            </a:r>
-            <a:r>
-              <a:rPr lang="en-US" baseline="0" dirty="0" smtClean="0"/>
-              <a:t>a</a:t>
-            </a:r>
-            <a:r>
-              <a:rPr lang="en-US" dirty="0" smtClean="0"/>
-              <a:t>bstraction</a:t>
-            </a:r>
-          </a:p>
-          <a:p>
-            <a:pPr marL="342900" indent="-342900">
-              <a:buFontTx/>
-              <a:buChar char="-"/>
-            </a:pPr>
-            <a:r>
-              <a:rPr lang="en-US" dirty="0" smtClean="0"/>
-              <a:t>We identify</a:t>
-            </a:r>
-            <a:r>
-              <a:rPr lang="en-US" baseline="0" dirty="0" smtClean="0"/>
-              <a:t> correctly the issue</a:t>
-            </a:r>
-          </a:p>
-          <a:p>
-            <a:pPr marL="342900" indent="-342900">
-              <a:buFontTx/>
-              <a:buChar char="-"/>
-            </a:pPr>
-            <a:r>
-              <a:rPr lang="en-US" dirty="0" smtClean="0"/>
-              <a:t>Mustache not the right</a:t>
-            </a:r>
-            <a:r>
-              <a:rPr lang="en-US" baseline="0" dirty="0" smtClean="0"/>
-              <a:t> tool to do that</a:t>
-            </a:r>
-            <a:endParaRPr lang="en-US" dirty="0" smtClean="0"/>
-          </a:p>
-          <a:p>
-            <a:endParaRPr lang="en-US" dirty="0" smtClean="0"/>
-          </a:p>
-          <a:p>
-            <a:r>
-              <a:rPr lang="en-US" dirty="0" err="1" smtClean="0"/>
-              <a:t>Npm</a:t>
-            </a:r>
-            <a:r>
-              <a:rPr lang="en-US" dirty="0" smtClean="0"/>
-              <a:t> registry</a:t>
-            </a:r>
-          </a:p>
-          <a:p>
-            <a:pPr marL="342900" indent="-342900">
-              <a:buFontTx/>
-              <a:buChar char="-"/>
-            </a:pPr>
-            <a:r>
-              <a:rPr lang="en-US" dirty="0" smtClean="0"/>
-              <a:t>Correctly</a:t>
-            </a:r>
-            <a:r>
-              <a:rPr lang="en-US" baseline="0" dirty="0" smtClean="0"/>
-              <a:t> decoupled deployment from </a:t>
-            </a:r>
-            <a:r>
-              <a:rPr lang="en-US" baseline="0" dirty="0" err="1" smtClean="0"/>
-              <a:t>npm</a:t>
-            </a:r>
-            <a:r>
-              <a:rPr lang="en-US" baseline="0" dirty="0" smtClean="0"/>
-              <a:t> registry</a:t>
-            </a:r>
-          </a:p>
-          <a:p>
-            <a:pPr marL="342900" indent="-342900">
-              <a:buFontTx/>
-              <a:buChar char="-"/>
-            </a:pPr>
-            <a:r>
-              <a:rPr lang="en-US" dirty="0" err="1" smtClean="0"/>
-              <a:t>Git</a:t>
-            </a:r>
-            <a:r>
-              <a:rPr lang="en-US" dirty="0" smtClean="0"/>
-              <a:t> protocol for node modules works, but it is slow + not reliable</a:t>
-            </a:r>
-          </a:p>
-          <a:p>
-            <a:pPr marL="342900" indent="-342900">
-              <a:buFontTx/>
-              <a:buChar char="-"/>
-            </a:pPr>
-            <a:r>
-              <a:rPr lang="en-US" baseline="0" dirty="0" smtClean="0"/>
-              <a:t>Fetching from </a:t>
-            </a:r>
-            <a:r>
-              <a:rPr lang="en-US" baseline="0" dirty="0" err="1" smtClean="0"/>
-              <a:t>npm</a:t>
-            </a:r>
-            <a:r>
-              <a:rPr lang="en-US" baseline="0" dirty="0" smtClean="0"/>
-              <a:t> is not fast</a:t>
-            </a:r>
-          </a:p>
-          <a:p>
-            <a:pPr marL="342900" lvl="0" indent="-342900">
-              <a:buFontTx/>
-              <a:buChar char="-"/>
-            </a:pPr>
-            <a:r>
-              <a:rPr lang="en-US" baseline="0" dirty="0" smtClean="0"/>
-              <a:t>Private </a:t>
-            </a:r>
-            <a:r>
-              <a:rPr lang="en-US" baseline="0" dirty="0" err="1" smtClean="0"/>
-              <a:t>npm</a:t>
-            </a:r>
-            <a:r>
-              <a:rPr lang="en-US" baseline="0" dirty="0" smtClean="0"/>
-              <a:t> registry would be preferable</a:t>
-            </a:r>
-          </a:p>
-          <a:p>
-            <a:pPr marL="342900" lvl="0" indent="-342900">
-              <a:buFontTx/>
-              <a:buChar char="-"/>
-            </a:pPr>
-            <a:r>
-              <a:rPr lang="en-US" dirty="0" smtClean="0"/>
-              <a:t>Middle-ground solution with </a:t>
-            </a:r>
-            <a:r>
-              <a:rPr lang="en-US" dirty="0" err="1" smtClean="0"/>
-              <a:t>npm</a:t>
-            </a:r>
-            <a:r>
-              <a:rPr lang="en-US" dirty="0" smtClean="0"/>
-              <a:t> lazy, workspace</a:t>
-            </a:r>
-            <a:endParaRPr lang="en-US" baseline="0" dirty="0" smtClean="0"/>
-          </a:p>
-          <a:p>
-            <a:pPr marL="1155710" lvl="1" indent="-342900">
-              <a:buFontTx/>
-              <a:buChar char="-"/>
-            </a:pPr>
-            <a:endParaRPr lang="en-US" dirty="0" smtClean="0"/>
-          </a:p>
-          <a:p>
+              <a:t>TODO: Define or delete</a:t>
+            </a:r>
             <a:endParaRPr lang="en-US" dirty="0"/>
           </a:p>
         </p:txBody>
@@ -1904,7 +2375,7 @@
           <a:p>
             <a:fld id="{73E9330B-B1DA-214B-A229-0CB8492B91A5}" type="slidenum">
               <a:rPr lang="en-US" smtClean="0"/>
-              <a:t>12</a:t>
+              <a:t>13</a:t>
             </a:fld>
             <a:endParaRPr lang="en-US" dirty="0"/>
           </a:p>
@@ -1913,7 +2384,7 @@
     </p:spTree>
     <p:extLst>
       <p:ext uri="{BB962C8B-B14F-4D97-AF65-F5344CB8AC3E}">
-        <p14:creationId xmlns:p14="http://schemas.microsoft.com/office/powerpoint/2010/main" val="212029141"/>
+        <p14:creationId xmlns:p14="http://schemas.microsoft.com/office/powerpoint/2010/main" val="2121991405"/>
       </p:ext>
     </p:extLst>
   </p:cSld>
@@ -4954,6 +5425,666 @@
       </p:grpSpPr>
       <p:pic>
         <p:nvPicPr>
+          <p:cNvPr id="10" name="Picture 9"/>
+          <p:cNvPicPr>
+            <a:picLocks noChangeAspect="1"/>
+          </p:cNvPicPr>
+          <p:nvPr/>
+        </p:nvPicPr>
+        <p:blipFill>
+          <a:blip r:embed="rId2">
+            <a:extLst>
+              <a:ext uri="{28A0092B-C50C-407E-A947-70E740481C1C}">
+                <a14:useLocalDpi xmlns:a14="http://schemas.microsoft.com/office/drawing/2010/main" val="0"/>
+              </a:ext>
+            </a:extLst>
+          </a:blip>
+          <a:stretch>
+            <a:fillRect/>
+          </a:stretch>
+        </p:blipFill>
+        <p:spPr>
+          <a:xfrm>
+            <a:off x="3703093" y="241483"/>
+            <a:ext cx="7988969" cy="8168208"/>
+          </a:xfrm>
+          <a:prstGeom prst="rect">
+            <a:avLst/>
+          </a:prstGeom>
+        </p:spPr>
+      </p:pic>
+      <p:sp>
+        <p:nvSpPr>
+          <p:cNvPr id="3" name="Title 2"/>
+          <p:cNvSpPr>
+            <a:spLocks noGrp="1"/>
+          </p:cNvSpPr>
+          <p:nvPr>
+            <p:ph type="title"/>
+          </p:nvPr>
+        </p:nvSpPr>
+        <p:spPr/>
+        <p:txBody>
+          <a:bodyPr/>
+          <a:lstStyle/>
+          <a:p>
+            <a:r>
+              <a:rPr lang="en-US" dirty="0" err="1" smtClean="0"/>
+              <a:t>MongoDB</a:t>
+            </a:r>
+            <a:r>
+              <a:rPr lang="en-US" dirty="0" smtClean="0"/>
+              <a:t> – Replica Set</a:t>
+            </a:r>
+            <a:endParaRPr lang="en-US" dirty="0"/>
+          </a:p>
+        </p:txBody>
+      </p:sp>
+      <p:pic>
+        <p:nvPicPr>
+          <p:cNvPr id="12" name="Content Placeholder 5"/>
+          <p:cNvPicPr>
+            <a:picLocks noChangeAspect="1"/>
+          </p:cNvPicPr>
+          <p:nvPr/>
+        </p:nvPicPr>
+        <p:blipFill>
+          <a:blip r:embed="rId3">
+            <a:extLst>
+              <a:ext uri="{28A0092B-C50C-407E-A947-70E740481C1C}">
+                <a14:useLocalDpi xmlns:a14="http://schemas.microsoft.com/office/drawing/2010/main" val="0"/>
+              </a:ext>
+            </a:extLst>
+          </a:blip>
+          <a:stretch>
+            <a:fillRect/>
+          </a:stretch>
+        </p:blipFill>
+        <p:spPr>
+          <a:xfrm>
+            <a:off x="13958208" y="370333"/>
+            <a:ext cx="1486501" cy="1519852"/>
+          </a:xfrm>
+          <a:prstGeom prst="rect">
+            <a:avLst/>
+          </a:prstGeom>
+        </p:spPr>
+      </p:pic>
+      <p:pic>
+        <p:nvPicPr>
+          <p:cNvPr id="3074" name="Picture 2"/>
+          <p:cNvPicPr>
+            <a:picLocks noChangeAspect="1" noChangeArrowheads="1"/>
+          </p:cNvPicPr>
+          <p:nvPr/>
+        </p:nvPicPr>
+        <p:blipFill>
+          <a:blip r:embed="rId4">
+            <a:extLst>
+              <a:ext uri="{28A0092B-C50C-407E-A947-70E740481C1C}">
+                <a14:useLocalDpi xmlns:a14="http://schemas.microsoft.com/office/drawing/2010/main" val="0"/>
+              </a:ext>
+            </a:extLst>
+          </a:blip>
+          <a:srcRect/>
+          <a:stretch>
+            <a:fillRect/>
+          </a:stretch>
+        </p:blipFill>
+        <p:spPr bwMode="auto">
+          <a:xfrm>
+            <a:off x="3430725" y="1393371"/>
+            <a:ext cx="9907644" cy="6705600"/>
+          </a:xfrm>
+          <a:prstGeom prst="rect">
+            <a:avLst/>
+          </a:prstGeom>
+          <a:noFill/>
+          <a:ln>
+            <a:noFill/>
+          </a:ln>
+          <a:effectLst/>
+          <a:extLst>
+            <a:ext uri="{909E8E84-426E-40DD-AFC4-6F175D3DCCD1}">
+              <a14:hiddenFill xmlns:a14="http://schemas.microsoft.com/office/drawing/2010/main">
+                <a:solidFill>
+                  <a:schemeClr val="accent1"/>
+                </a:solidFill>
+              </a14:hiddenFill>
+            </a:ext>
+            <a:ext uri="{91240B29-F687-4F45-9708-019B960494DF}">
+              <a14:hiddenLine xmlns:a14="http://schemas.microsoft.com/office/drawing/2010/main" w="9525">
+                <a:solidFill>
+                  <a:schemeClr val="tx1"/>
+                </a:solidFill>
+                <a:miter lim="800000"/>
+                <a:headEnd/>
+                <a:tailEnd/>
+              </a14:hiddenLine>
+            </a:ext>
+            <a:ext uri="{AF507438-7753-43E0-B8FC-AC1667EBCBE1}">
+              <a14:hiddenEffects xmlns:a14="http://schemas.microsoft.com/office/drawing/2010/main">
+                <a:effectLst>
+                  <a:outerShdw dist="35921" dir="2700000" algn="ctr" rotWithShape="0">
+                    <a:schemeClr val="bg2"/>
+                  </a:outerShdw>
+                </a:effectLst>
+              </a14:hiddenEffects>
+            </a:ext>
+          </a:extLst>
+        </p:spPr>
+      </p:pic>
+    </p:spTree>
+    <p:extLst>
+      <p:ext uri="{BB962C8B-B14F-4D97-AF65-F5344CB8AC3E}">
+        <p14:creationId xmlns:p14="http://schemas.microsoft.com/office/powerpoint/2010/main" val="3473171292"/>
+      </p:ext>
+    </p:extLst>
+  </p:cSld>
+  <p:clrMapOvr>
+    <a:masterClrMapping/>
+  </p:clrMapOvr>
+  <p:timing>
+    <p:tnLst>
+      <p:par>
+        <p:cTn id="1" dur="indefinite" restart="never" nodeType="tmRoot"/>
+      </p:par>
+    </p:tnLst>
+  </p:timing>
+</p:sld>
+</file>
+
+<file path=ppt/slides/slide11.xml><?xml version="1.0" encoding="utf-8"?>
+<p:sld xmlns:a="http://schemas.openxmlformats.org/drawingml/2006/main" xmlns:r="http://schemas.openxmlformats.org/officeDocument/2006/relationships" xmlns:p="http://schemas.openxmlformats.org/presentationml/2006/main">
+  <p:cSld>
+    <p:spTree>
+      <p:nvGrpSpPr>
+        <p:cNvPr id="1" name=""/>
+        <p:cNvGrpSpPr/>
+        <p:nvPr/>
+      </p:nvGrpSpPr>
+      <p:grpSpPr>
+        <a:xfrm>
+          <a:off x="0" y="0"/>
+          <a:ext cx="0" cy="0"/>
+          <a:chOff x="0" y="0"/>
+          <a:chExt cx="0" cy="0"/>
+        </a:xfrm>
+      </p:grpSpPr>
+      <p:sp>
+        <p:nvSpPr>
+          <p:cNvPr id="2" name="Rectangle 1"/>
+          <p:cNvSpPr/>
+          <p:nvPr/>
+        </p:nvSpPr>
+        <p:spPr>
+          <a:xfrm>
+            <a:off x="1727200" y="2046514"/>
+            <a:ext cx="12525829" cy="6363177"/>
+          </a:xfrm>
+          <a:prstGeom prst="rect">
+            <a:avLst/>
+          </a:prstGeom>
+          <a:solidFill>
+            <a:srgbClr val="FF3300"/>
+          </a:solidFill>
+        </p:spPr>
+        <p:style>
+          <a:lnRef idx="1">
+            <a:schemeClr val="accent1"/>
+          </a:lnRef>
+          <a:fillRef idx="3">
+            <a:schemeClr val="accent1"/>
+          </a:fillRef>
+          <a:effectRef idx="2">
+            <a:schemeClr val="accent1"/>
+          </a:effectRef>
+          <a:fontRef idx="minor">
+            <a:schemeClr val="lt1"/>
+          </a:fontRef>
+        </p:style>
+        <p:txBody>
+          <a:bodyPr rtlCol="0" anchor="ctr"/>
+          <a:lstStyle/>
+          <a:p>
+            <a:pPr algn="ctr"/>
+            <a:endParaRPr lang="en-US"/>
+          </a:p>
+        </p:txBody>
+      </p:sp>
+      <p:pic>
+        <p:nvPicPr>
+          <p:cNvPr id="10" name="Picture 9"/>
+          <p:cNvPicPr>
+            <a:picLocks noChangeAspect="1"/>
+          </p:cNvPicPr>
+          <p:nvPr/>
+        </p:nvPicPr>
+        <p:blipFill>
+          <a:blip r:embed="rId3">
+            <a:extLst>
+              <a:ext uri="{28A0092B-C50C-407E-A947-70E740481C1C}">
+                <a14:useLocalDpi xmlns:a14="http://schemas.microsoft.com/office/drawing/2010/main" val="0"/>
+              </a:ext>
+            </a:extLst>
+          </a:blip>
+          <a:stretch>
+            <a:fillRect/>
+          </a:stretch>
+        </p:blipFill>
+        <p:spPr>
+          <a:xfrm>
+            <a:off x="3703093" y="241483"/>
+            <a:ext cx="7988969" cy="8168208"/>
+          </a:xfrm>
+          <a:prstGeom prst="rect">
+            <a:avLst/>
+          </a:prstGeom>
+        </p:spPr>
+      </p:pic>
+      <p:sp>
+        <p:nvSpPr>
+          <p:cNvPr id="3" name="Title 2"/>
+          <p:cNvSpPr>
+            <a:spLocks noGrp="1"/>
+          </p:cNvSpPr>
+          <p:nvPr>
+            <p:ph type="title"/>
+          </p:nvPr>
+        </p:nvSpPr>
+        <p:spPr/>
+        <p:txBody>
+          <a:bodyPr/>
+          <a:lstStyle/>
+          <a:p>
+            <a:r>
+              <a:rPr lang="en-US" dirty="0" err="1" smtClean="0"/>
+              <a:t>MongoDB</a:t>
+            </a:r>
+            <a:r>
+              <a:rPr lang="en-US" dirty="0" smtClean="0"/>
+              <a:t> – Chronology</a:t>
+            </a:r>
+            <a:endParaRPr lang="en-US" dirty="0"/>
+          </a:p>
+        </p:txBody>
+      </p:sp>
+      <p:pic>
+        <p:nvPicPr>
+          <p:cNvPr id="12" name="Content Placeholder 5"/>
+          <p:cNvPicPr>
+            <a:picLocks noChangeAspect="1"/>
+          </p:cNvPicPr>
+          <p:nvPr/>
+        </p:nvPicPr>
+        <p:blipFill>
+          <a:blip r:embed="rId4">
+            <a:extLst>
+              <a:ext uri="{28A0092B-C50C-407E-A947-70E740481C1C}">
+                <a14:useLocalDpi xmlns:a14="http://schemas.microsoft.com/office/drawing/2010/main" val="0"/>
+              </a:ext>
+            </a:extLst>
+          </a:blip>
+          <a:stretch>
+            <a:fillRect/>
+          </a:stretch>
+        </p:blipFill>
+        <p:spPr>
+          <a:xfrm>
+            <a:off x="13958208" y="370333"/>
+            <a:ext cx="1486501" cy="1519852"/>
+          </a:xfrm>
+          <a:prstGeom prst="rect">
+            <a:avLst/>
+          </a:prstGeom>
+        </p:spPr>
+      </p:pic>
+      <p:pic>
+        <p:nvPicPr>
+          <p:cNvPr id="4100" name="Picture 4"/>
+          <p:cNvPicPr>
+            <a:picLocks noChangeAspect="1" noChangeArrowheads="1"/>
+          </p:cNvPicPr>
+          <p:nvPr/>
+        </p:nvPicPr>
+        <p:blipFill>
+          <a:blip r:embed="rId5">
+            <a:extLst>
+              <a:ext uri="{28A0092B-C50C-407E-A947-70E740481C1C}">
+                <a14:useLocalDpi xmlns:a14="http://schemas.microsoft.com/office/drawing/2010/main" val="0"/>
+              </a:ext>
+            </a:extLst>
+          </a:blip>
+          <a:srcRect/>
+          <a:stretch>
+            <a:fillRect/>
+          </a:stretch>
+        </p:blipFill>
+        <p:spPr bwMode="auto">
+          <a:xfrm>
+            <a:off x="2948417" y="1130259"/>
+            <a:ext cx="10334530" cy="6867112"/>
+          </a:xfrm>
+          <a:prstGeom prst="rect">
+            <a:avLst/>
+          </a:prstGeom>
+          <a:noFill/>
+          <a:ln>
+            <a:noFill/>
+          </a:ln>
+          <a:effectLst/>
+          <a:extLst>
+            <a:ext uri="{909E8E84-426E-40DD-AFC4-6F175D3DCCD1}">
+              <a14:hiddenFill xmlns:a14="http://schemas.microsoft.com/office/drawing/2010/main">
+                <a:solidFill>
+                  <a:schemeClr val="accent1"/>
+                </a:solidFill>
+              </a14:hiddenFill>
+            </a:ext>
+            <a:ext uri="{91240B29-F687-4F45-9708-019B960494DF}">
+              <a14:hiddenLine xmlns:a14="http://schemas.microsoft.com/office/drawing/2010/main" w="9525">
+                <a:solidFill>
+                  <a:schemeClr val="tx1"/>
+                </a:solidFill>
+                <a:miter lim="800000"/>
+                <a:headEnd/>
+                <a:tailEnd/>
+              </a14:hiddenLine>
+            </a:ext>
+            <a:ext uri="{AF507438-7753-43E0-B8FC-AC1667EBCBE1}">
+              <a14:hiddenEffects xmlns:a14="http://schemas.microsoft.com/office/drawing/2010/main">
+                <a:effectLst>
+                  <a:outerShdw dist="35921" dir="2700000" algn="ctr" rotWithShape="0">
+                    <a:schemeClr val="bg2"/>
+                  </a:outerShdw>
+                </a:effectLst>
+              </a14:hiddenEffects>
+            </a:ext>
+          </a:extLst>
+        </p:spPr>
+      </p:pic>
+    </p:spTree>
+    <p:extLst>
+      <p:ext uri="{BB962C8B-B14F-4D97-AF65-F5344CB8AC3E}">
+        <p14:creationId xmlns:p14="http://schemas.microsoft.com/office/powerpoint/2010/main" val="1380146357"/>
+      </p:ext>
+    </p:extLst>
+  </p:cSld>
+  <p:clrMapOvr>
+    <a:masterClrMapping/>
+  </p:clrMapOvr>
+  <p:timing>
+    <p:tnLst>
+      <p:par>
+        <p:cTn id="1" dur="indefinite" restart="never" nodeType="tmRoot"/>
+      </p:par>
+    </p:tnLst>
+  </p:timing>
+</p:sld>
+</file>
+
+<file path=ppt/slides/slide12.xml><?xml version="1.0" encoding="utf-8"?>
+<p:sld xmlns:a="http://schemas.openxmlformats.org/drawingml/2006/main" xmlns:r="http://schemas.openxmlformats.org/officeDocument/2006/relationships" xmlns:p="http://schemas.openxmlformats.org/presentationml/2006/main">
+  <p:cSld>
+    <p:spTree>
+      <p:nvGrpSpPr>
+        <p:cNvPr id="1" name=""/>
+        <p:cNvGrpSpPr/>
+        <p:nvPr/>
+      </p:nvGrpSpPr>
+      <p:grpSpPr>
+        <a:xfrm>
+          <a:off x="0" y="0"/>
+          <a:ext cx="0" cy="0"/>
+          <a:chOff x="0" y="0"/>
+          <a:chExt cx="0" cy="0"/>
+        </a:xfrm>
+      </p:grpSpPr>
+      <p:sp>
+        <p:nvSpPr>
+          <p:cNvPr id="6" name="Rectangle 5"/>
+          <p:cNvSpPr/>
+          <p:nvPr/>
+        </p:nvSpPr>
+        <p:spPr>
+          <a:xfrm>
+            <a:off x="1727200" y="2046514"/>
+            <a:ext cx="12525829" cy="6363177"/>
+          </a:xfrm>
+          <a:prstGeom prst="rect">
+            <a:avLst/>
+          </a:prstGeom>
+          <a:solidFill>
+            <a:srgbClr val="FF3300"/>
+          </a:solidFill>
+        </p:spPr>
+        <p:style>
+          <a:lnRef idx="1">
+            <a:schemeClr val="accent1"/>
+          </a:lnRef>
+          <a:fillRef idx="3">
+            <a:schemeClr val="accent1"/>
+          </a:fillRef>
+          <a:effectRef idx="2">
+            <a:schemeClr val="accent1"/>
+          </a:effectRef>
+          <a:fontRef idx="minor">
+            <a:schemeClr val="lt1"/>
+          </a:fontRef>
+        </p:style>
+        <p:txBody>
+          <a:bodyPr rtlCol="0" anchor="ctr"/>
+          <a:lstStyle/>
+          <a:p>
+            <a:pPr algn="ctr"/>
+            <a:endParaRPr lang="en-US"/>
+          </a:p>
+        </p:txBody>
+      </p:sp>
+      <p:pic>
+        <p:nvPicPr>
+          <p:cNvPr id="5" name="Picture 4"/>
+          <p:cNvPicPr>
+            <a:picLocks noChangeAspect="1"/>
+          </p:cNvPicPr>
+          <p:nvPr/>
+        </p:nvPicPr>
+        <p:blipFill>
+          <a:blip r:embed="rId3">
+            <a:extLst>
+              <a:ext uri="{28A0092B-C50C-407E-A947-70E740481C1C}">
+                <a14:useLocalDpi xmlns:a14="http://schemas.microsoft.com/office/drawing/2010/main" val="0"/>
+              </a:ext>
+            </a:extLst>
+          </a:blip>
+          <a:stretch>
+            <a:fillRect/>
+          </a:stretch>
+        </p:blipFill>
+        <p:spPr>
+          <a:xfrm>
+            <a:off x="3703093" y="241483"/>
+            <a:ext cx="7988969" cy="8168208"/>
+          </a:xfrm>
+          <a:prstGeom prst="rect">
+            <a:avLst/>
+          </a:prstGeom>
+        </p:spPr>
+      </p:pic>
+      <p:sp>
+        <p:nvSpPr>
+          <p:cNvPr id="3" name="Title 2"/>
+          <p:cNvSpPr>
+            <a:spLocks noGrp="1"/>
+          </p:cNvSpPr>
+          <p:nvPr>
+            <p:ph type="title"/>
+          </p:nvPr>
+        </p:nvSpPr>
+        <p:spPr/>
+        <p:txBody>
+          <a:bodyPr/>
+          <a:lstStyle/>
+          <a:p>
+            <a:r>
+              <a:rPr lang="en-US" dirty="0" smtClean="0"/>
+              <a:t>From Development to Production</a:t>
+            </a:r>
+            <a:endParaRPr lang="en-US" dirty="0"/>
+          </a:p>
+        </p:txBody>
+      </p:sp>
+      <p:pic>
+        <p:nvPicPr>
+          <p:cNvPr id="4" name="Content Placeholder 5"/>
+          <p:cNvPicPr>
+            <a:picLocks noChangeAspect="1"/>
+          </p:cNvPicPr>
+          <p:nvPr/>
+        </p:nvPicPr>
+        <p:blipFill>
+          <a:blip r:embed="rId4">
+            <a:extLst>
+              <a:ext uri="{28A0092B-C50C-407E-A947-70E740481C1C}">
+                <a14:useLocalDpi xmlns:a14="http://schemas.microsoft.com/office/drawing/2010/main" val="0"/>
+              </a:ext>
+            </a:extLst>
+          </a:blip>
+          <a:stretch>
+            <a:fillRect/>
+          </a:stretch>
+        </p:blipFill>
+        <p:spPr>
+          <a:xfrm>
+            <a:off x="13958208" y="370333"/>
+            <a:ext cx="1486501" cy="1519852"/>
+          </a:xfrm>
+          <a:prstGeom prst="rect">
+            <a:avLst/>
+          </a:prstGeom>
+        </p:spPr>
+      </p:pic>
+      <p:pic>
+        <p:nvPicPr>
+          <p:cNvPr id="8" name="Picture 2" descr="C:\github\guillaume-brossard-adsk\tech-summit\2014\supersize-nodejs\git-flow1.png"/>
+          <p:cNvPicPr>
+            <a:picLocks noChangeAspect="1" noChangeArrowheads="1"/>
+          </p:cNvPicPr>
+          <p:nvPr/>
+        </p:nvPicPr>
+        <p:blipFill>
+          <a:blip r:embed="rId5">
+            <a:extLst>
+              <a:ext uri="{28A0092B-C50C-407E-A947-70E740481C1C}">
+                <a14:useLocalDpi xmlns:a14="http://schemas.microsoft.com/office/drawing/2010/main" val="0"/>
+              </a:ext>
+            </a:extLst>
+          </a:blip>
+          <a:srcRect/>
+          <a:stretch>
+            <a:fillRect/>
+          </a:stretch>
+        </p:blipFill>
+        <p:spPr bwMode="auto">
+          <a:xfrm>
+            <a:off x="3485327" y="1890185"/>
+            <a:ext cx="8105467" cy="5016413"/>
+          </a:xfrm>
+          <a:prstGeom prst="rect">
+            <a:avLst/>
+          </a:prstGeom>
+          <a:noFill/>
+          <a:extLst>
+            <a:ext uri="{909E8E84-426E-40DD-AFC4-6F175D3DCCD1}">
+              <a14:hiddenFill xmlns:a14="http://schemas.microsoft.com/office/drawing/2010/main">
+                <a:solidFill>
+                  <a:srgbClr val="FFFFFF"/>
+                </a:solidFill>
+              </a14:hiddenFill>
+            </a:ext>
+          </a:extLst>
+        </p:spPr>
+      </p:pic>
+    </p:spTree>
+    <p:extLst>
+      <p:ext uri="{BB962C8B-B14F-4D97-AF65-F5344CB8AC3E}">
+        <p14:creationId xmlns:p14="http://schemas.microsoft.com/office/powerpoint/2010/main" val="1216618614"/>
+      </p:ext>
+    </p:extLst>
+  </p:cSld>
+  <p:clrMapOvr>
+    <a:masterClrMapping/>
+  </p:clrMapOvr>
+  <p:timing>
+    <p:tnLst>
+      <p:par>
+        <p:cTn id="1" dur="indefinite" restart="never" nodeType="tmRoot"/>
+      </p:par>
+    </p:tnLst>
+  </p:timing>
+</p:sld>
+</file>
+
+<file path=ppt/slides/slide13.xml><?xml version="1.0" encoding="utf-8"?>
+<p:sld xmlns:a="http://schemas.openxmlformats.org/drawingml/2006/main" xmlns:r="http://schemas.openxmlformats.org/officeDocument/2006/relationships" xmlns:p="http://schemas.openxmlformats.org/presentationml/2006/main">
+  <p:cSld>
+    <p:spTree>
+      <p:nvGrpSpPr>
+        <p:cNvPr id="1" name=""/>
+        <p:cNvGrpSpPr/>
+        <p:nvPr/>
+      </p:nvGrpSpPr>
+      <p:grpSpPr>
+        <a:xfrm>
+          <a:off x="0" y="0"/>
+          <a:ext cx="0" cy="0"/>
+          <a:chOff x="0" y="0"/>
+          <a:chExt cx="0" cy="0"/>
+        </a:xfrm>
+      </p:grpSpPr>
+      <p:sp>
+        <p:nvSpPr>
+          <p:cNvPr id="6" name="Rectangle 5"/>
+          <p:cNvSpPr/>
+          <p:nvPr/>
+        </p:nvSpPr>
+        <p:spPr>
+          <a:xfrm>
+            <a:off x="1727200" y="2046514"/>
+            <a:ext cx="12525829" cy="6363177"/>
+          </a:xfrm>
+          <a:prstGeom prst="rect">
+            <a:avLst/>
+          </a:prstGeom>
+          <a:solidFill>
+            <a:srgbClr val="FF3300"/>
+          </a:solidFill>
+        </p:spPr>
+        <p:style>
+          <a:lnRef idx="1">
+            <a:schemeClr val="accent1"/>
+          </a:lnRef>
+          <a:fillRef idx="3">
+            <a:schemeClr val="accent1"/>
+          </a:fillRef>
+          <a:effectRef idx="2">
+            <a:schemeClr val="accent1"/>
+          </a:effectRef>
+          <a:fontRef idx="minor">
+            <a:schemeClr val="lt1"/>
+          </a:fontRef>
+        </p:style>
+        <p:txBody>
+          <a:bodyPr rtlCol="0" anchor="ctr"/>
+          <a:lstStyle/>
+          <a:p>
+            <a:pPr algn="ctr"/>
+            <a:endParaRPr lang="en-US"/>
+          </a:p>
+        </p:txBody>
+      </p:sp>
+      <p:pic>
+        <p:nvPicPr>
           <p:cNvPr id="5" name="Picture 4"/>
           <p:cNvPicPr>
             <a:picLocks noChangeAspect="1"/>
@@ -5096,7 +6227,7 @@
 </p:sld>
 </file>
 
-<file path=ppt/slides/slide11.xml><?xml version="1.0" encoding="utf-8"?>
+<file path=ppt/slides/slide14.xml><?xml version="1.0" encoding="utf-8"?>
 <p:sld xmlns:a="http://schemas.openxmlformats.org/drawingml/2006/main" xmlns:r="http://schemas.openxmlformats.org/officeDocument/2006/relationships" xmlns:p="http://schemas.openxmlformats.org/presentationml/2006/main">
   <p:cSld>
     <p:spTree>
@@ -5280,7 +6411,7 @@
 </p:sld>
 </file>
 
-<file path=ppt/slides/slide12.xml><?xml version="1.0" encoding="utf-8"?>
+<file path=ppt/slides/slide15.xml><?xml version="1.0" encoding="utf-8"?>
 <p:sld xmlns:a="http://schemas.openxmlformats.org/drawingml/2006/main" xmlns:r="http://schemas.openxmlformats.org/officeDocument/2006/relationships" xmlns:p="http://schemas.openxmlformats.org/presentationml/2006/main">
   <p:cSld>
     <p:spTree>
@@ -5452,7 +6583,7 @@
 </p:sld>
 </file>
 
-<file path=ppt/slides/slide13.xml><?xml version="1.0" encoding="utf-8"?>
+<file path=ppt/slides/slide16.xml><?xml version="1.0" encoding="utf-8"?>
 <p:sld xmlns:a="http://schemas.openxmlformats.org/drawingml/2006/main" xmlns:r="http://schemas.openxmlformats.org/officeDocument/2006/relationships" xmlns:p="http://schemas.openxmlformats.org/presentationml/2006/main">
   <p:cSld>
     <p:spTree>
@@ -5508,7 +6639,7 @@
           <p:nvPr/>
         </p:nvPicPr>
         <p:blipFill>
-          <a:blip r:embed="rId2">
+          <a:blip r:embed="rId3">
             <a:extLst>
               <a:ext uri="{28A0092B-C50C-407E-A947-70E740481C1C}">
                 <a14:useLocalDpi xmlns:a14="http://schemas.microsoft.com/office/drawing/2010/main" val="0"/>
@@ -5590,7 +6721,7 @@
           <p:nvPr/>
         </p:nvPicPr>
         <p:blipFill>
-          <a:blip r:embed="rId3">
+          <a:blip r:embed="rId4">
             <a:extLst>
               <a:ext uri="{28A0092B-C50C-407E-A947-70E740481C1C}">
                 <a14:useLocalDpi xmlns:a14="http://schemas.microsoft.com/office/drawing/2010/main" val="0"/>
@@ -5613,14 +6744,14 @@
       </p:pic>
       <p:pic>
         <p:nvPicPr>
-          <p:cNvPr id="4098" name="Picture 2"/>
+          <p:cNvPr id="1026" name="Picture 2"/>
           <p:cNvPicPr>
             <a:picLocks noChangeAspect="1" noChangeArrowheads="1"/>
           </p:cNvPicPr>
           <p:nvPr/>
         </p:nvPicPr>
         <p:blipFill>
-          <a:blip r:embed="rId4">
+          <a:blip r:embed="rId5">
             <a:extLst>
               <a:ext uri="{28A0092B-C50C-407E-A947-70E740481C1C}">
                 <a14:useLocalDpi xmlns:a14="http://schemas.microsoft.com/office/drawing/2010/main" val="0"/>
@@ -5634,8 +6765,8 @@
         </p:blipFill>
         <p:spPr bwMode="auto">
           <a:xfrm>
-            <a:off x="4025689" y="3530930"/>
-            <a:ext cx="7343775" cy="4724400"/>
+            <a:off x="4445000" y="3661478"/>
+            <a:ext cx="7367588" cy="4748213"/>
           </a:xfrm>
           <a:prstGeom prst="rect">
             <a:avLst/>
@@ -6004,7 +7135,7 @@
         </p:blipFill>
         <p:spPr bwMode="auto">
           <a:xfrm>
-            <a:off x="4706938" y="3452813"/>
+            <a:off x="4581677" y="3853646"/>
             <a:ext cx="6853237" cy="2236787"/>
           </a:xfrm>
           <a:prstGeom prst="rect">
@@ -6708,6 +7839,9 @@
             <a:avLst/>
           </a:prstGeom>
           <a:noFill/>
+          <a:ln>
+            <a:noFill/>
+          </a:ln>
           <a:extLst>
             <a:ext uri="{909E8E84-426E-40DD-AFC4-6F175D3DCCD1}">
               <a14:hiddenFill xmlns:a14="http://schemas.microsoft.com/office/drawing/2010/main">
@@ -6788,14 +7922,14 @@
       </p:grpSpPr>
       <p:pic>
         <p:nvPicPr>
-          <p:cNvPr id="5" name="Picture 4"/>
+          <p:cNvPr id="10" name="Picture 9"/>
           <p:cNvPicPr>
             <a:picLocks noChangeAspect="1"/>
           </p:cNvPicPr>
           <p:nvPr/>
         </p:nvPicPr>
         <p:blipFill>
-          <a:blip r:embed="rId3">
+          <a:blip r:embed="rId2">
             <a:extLst>
               <a:ext uri="{28A0092B-C50C-407E-A947-70E740481C1C}">
                 <a14:useLocalDpi xmlns:a14="http://schemas.microsoft.com/office/drawing/2010/main" val="0"/>
@@ -6833,7 +7967,11 @@
           <a:p>
             <a:r>
               <a:rPr lang="en-US" dirty="0" smtClean="0"/>
-              <a:t>From Development to Production</a:t>
+              <a:t>Provisioning - </a:t>
+            </a:r>
+            <a:r>
+              <a:rPr lang="en-US" dirty="0" err="1" smtClean="0"/>
+              <a:t>MongoDB</a:t>
             </a:r>
             <a:endParaRPr lang="en-US" dirty="0"/>
           </a:p>
@@ -6841,14 +7979,14 @@
       </p:sp>
       <p:pic>
         <p:nvPicPr>
-          <p:cNvPr id="4" name="Content Placeholder 5"/>
+          <p:cNvPr id="12" name="Content Placeholder 5"/>
           <p:cNvPicPr>
             <a:picLocks noChangeAspect="1"/>
           </p:cNvPicPr>
           <p:nvPr/>
         </p:nvPicPr>
         <p:blipFill>
-          <a:blip r:embed="rId4">
+          <a:blip r:embed="rId3">
             <a:extLst>
               <a:ext uri="{28A0092B-C50C-407E-A947-70E740481C1C}">
                 <a14:useLocalDpi xmlns:a14="http://schemas.microsoft.com/office/drawing/2010/main" val="0"/>
@@ -6871,14 +8009,14 @@
       </p:pic>
       <p:pic>
         <p:nvPicPr>
-          <p:cNvPr id="8" name="Picture 2" descr="C:\github\guillaume-brossard-adsk\tech-summit\2014\supersize-nodejs\git-flow1.png"/>
+          <p:cNvPr id="7" name="Picture 2" descr="C:\github\guillaume-brossard-adsk\tech-summit\2014\supersize-nodejs\deploy-mongo.png"/>
           <p:cNvPicPr>
             <a:picLocks noChangeAspect="1" noChangeArrowheads="1"/>
           </p:cNvPicPr>
           <p:nvPr/>
         </p:nvPicPr>
         <p:blipFill>
-          <a:blip r:embed="rId5">
+          <a:blip r:embed="rId4">
             <a:extLst>
               <a:ext uri="{28A0092B-C50C-407E-A947-70E740481C1C}">
                 <a14:useLocalDpi xmlns:a14="http://schemas.microsoft.com/office/drawing/2010/main" val="0"/>
@@ -6892,13 +8030,16 @@
         </p:blipFill>
         <p:spPr bwMode="auto">
           <a:xfrm>
-            <a:off x="3485327" y="1890185"/>
-            <a:ext cx="8105467" cy="5016413"/>
+            <a:off x="3883989" y="967422"/>
+            <a:ext cx="8599197" cy="7146584"/>
           </a:xfrm>
           <a:prstGeom prst="rect">
             <a:avLst/>
           </a:prstGeom>
           <a:noFill/>
+          <a:ln>
+            <a:noFill/>
+          </a:ln>
           <a:extLst>
             <a:ext uri="{909E8E84-426E-40DD-AFC4-6F175D3DCCD1}">
               <a14:hiddenFill xmlns:a14="http://schemas.microsoft.com/office/drawing/2010/main">
@@ -6913,7 +8054,7 @@
     </p:spTree>
     <p:extLst>
       <p:ext uri="{BB962C8B-B14F-4D97-AF65-F5344CB8AC3E}">
-        <p14:creationId xmlns:p14="http://schemas.microsoft.com/office/powerpoint/2010/main" val="1216618614"/>
+        <p14:creationId xmlns:p14="http://schemas.microsoft.com/office/powerpoint/2010/main" val="499952092"/>
       </p:ext>
     </p:extLst>
   </p:cSld>
@@ -8211,6 +9352,21 @@
 </file>
 
 <file path=customXml/item1.xml><?xml version="1.0" encoding="utf-8"?>
+<p:properties xmlns:p="http://schemas.microsoft.com/office/2006/metadata/properties" xmlns:xsi="http://www.w3.org/2001/XMLSchema-instance" xmlns:pc="http://schemas.microsoft.com/office/infopath/2007/PartnerControls">
+  <documentManagement/>
+</p:properties>
+</file>
+
+<file path=customXml/item2.xml><?xml version="1.0" encoding="utf-8"?>
+<?mso-contentType ?>
+<FormTemplates xmlns="http://schemas.microsoft.com/sharepoint/v3/contenttype/forms">
+  <Display>DocumentLibraryForm</Display>
+  <Edit>DocumentLibraryForm</Edit>
+  <New>DocumentLibraryForm</New>
+</FormTemplates>
+</file>
+
+<file path=customXml/item3.xml><?xml version="1.0" encoding="utf-8"?>
 <ct:contentTypeSchema xmlns:ct="http://schemas.microsoft.com/office/2006/metadata/contentType" xmlns:ma="http://schemas.microsoft.com/office/2006/metadata/properties/metaAttributes" ct:_="" ma:_="" ma:contentTypeName="Document" ma:contentTypeID="0x01010084BDEA35F16FD64EAFB50D24D0B278CC" ma:contentTypeVersion="0" ma:contentTypeDescription="Create a new document." ma:contentTypeScope="" ma:versionID="0b7f5383295ef2e64e89ac2495ff3d4e">
   <xsd:schema xmlns:xsd="http://www.w3.org/2001/XMLSchema" xmlns:xs="http://www.w3.org/2001/XMLSchema" xmlns:p="http://schemas.microsoft.com/office/2006/metadata/properties" targetNamespace="http://schemas.microsoft.com/office/2006/metadata/properties" ma:root="true" ma:fieldsID="c64490b4aec6201516c3a874156f37b2">
     <xsd:element name="properties">
@@ -8324,22 +9480,30 @@
 </ct:contentTypeSchema>
 </file>
 
-<file path=customXml/item2.xml><?xml version="1.0" encoding="utf-8"?>
-<?mso-contentType ?>
-<FormTemplates xmlns="http://schemas.microsoft.com/sharepoint/v3/contenttype/forms">
-  <Display>DocumentLibraryForm</Display>
-  <Edit>DocumentLibraryForm</Edit>
-  <New>DocumentLibraryForm</New>
-</FormTemplates>
+<file path=customXml/itemProps1.xml><?xml version="1.0" encoding="utf-8"?>
+<ds:datastoreItem xmlns:ds="http://schemas.openxmlformats.org/officeDocument/2006/customXml" ds:itemID="{DB3AD410-478E-4068-B103-32D60D437510}">
+  <ds:schemaRefs>
+    <ds:schemaRef ds:uri="http://schemas.openxmlformats.org/package/2006/metadata/core-properties"/>
+    <ds:schemaRef ds:uri="http://purl.org/dc/dcmitype/"/>
+    <ds:schemaRef ds:uri="http://purl.org/dc/terms/"/>
+    <ds:schemaRef ds:uri="http://schemas.microsoft.com/office/2006/documentManagement/types"/>
+    <ds:schemaRef ds:uri="http://purl.org/dc/elements/1.1/"/>
+    <ds:schemaRef ds:uri="http://schemas.microsoft.com/office/infopath/2007/PartnerControls"/>
+    <ds:schemaRef ds:uri="http://schemas.microsoft.com/office/2006/metadata/properties"/>
+    <ds:schemaRef ds:uri="http://www.w3.org/XML/1998/namespace"/>
+  </ds:schemaRefs>
+</ds:datastoreItem>
 </file>
 
-<file path=customXml/item3.xml><?xml version="1.0" encoding="utf-8"?>
-<p:properties xmlns:p="http://schemas.microsoft.com/office/2006/metadata/properties" xmlns:xsi="http://www.w3.org/2001/XMLSchema-instance" xmlns:pc="http://schemas.microsoft.com/office/infopath/2007/PartnerControls">
-  <documentManagement/>
-</p:properties>
+<file path=customXml/itemProps2.xml><?xml version="1.0" encoding="utf-8"?>
+<ds:datastoreItem xmlns:ds="http://schemas.openxmlformats.org/officeDocument/2006/customXml" ds:itemID="{830A4799-DAE7-4462-A47C-BF3440F57B22}">
+  <ds:schemaRefs>
+    <ds:schemaRef ds:uri="http://schemas.microsoft.com/sharepoint/v3/contenttype/forms"/>
+  </ds:schemaRefs>
+</ds:datastoreItem>
 </file>
 
-<file path=customXml/itemProps1.xml><?xml version="1.0" encoding="utf-8"?>
+<file path=customXml/itemProps3.xml><?xml version="1.0" encoding="utf-8"?>
 <ds:datastoreItem xmlns:ds="http://schemas.openxmlformats.org/officeDocument/2006/customXml" ds:itemID="{D7CF5377-8F54-4882-874E-AEB1934708BB}">
   <ds:schemaRefs>
     <ds:schemaRef ds:uri="http://schemas.microsoft.com/office/2006/metadata/contentType"/>
@@ -8353,27 +9517,4 @@
     <ds:schemaRef ds:uri="http://schemas.microsoft.com/office/infopath/2007/PartnerControls"/>
   </ds:schemaRefs>
 </ds:datastoreItem>
-</file>
-
-<file path=customXml/itemProps2.xml><?xml version="1.0" encoding="utf-8"?>
-<ds:datastoreItem xmlns:ds="http://schemas.openxmlformats.org/officeDocument/2006/customXml" ds:itemID="{830A4799-DAE7-4462-A47C-BF3440F57B22}">
-  <ds:schemaRefs>
-    <ds:schemaRef ds:uri="http://schemas.microsoft.com/sharepoint/v3/contenttype/forms"/>
-  </ds:schemaRefs>
-</ds:datastoreItem>
-</file>
-
-<file path=customXml/itemProps3.xml><?xml version="1.0" encoding="utf-8"?>
-<ds:datastoreItem xmlns:ds="http://schemas.openxmlformats.org/officeDocument/2006/customXml" ds:itemID="{DB3AD410-478E-4068-B103-32D60D437510}">
-  <ds:schemaRefs>
-    <ds:schemaRef ds:uri="http://schemas.openxmlformats.org/package/2006/metadata/core-properties"/>
-    <ds:schemaRef ds:uri="http://purl.org/dc/dcmitype/"/>
-    <ds:schemaRef ds:uri="http://purl.org/dc/terms/"/>
-    <ds:schemaRef ds:uri="http://schemas.microsoft.com/office/2006/documentManagement/types"/>
-    <ds:schemaRef ds:uri="http://purl.org/dc/elements/1.1/"/>
-    <ds:schemaRef ds:uri="http://schemas.microsoft.com/office/infopath/2007/PartnerControls"/>
-    <ds:schemaRef ds:uri="http://schemas.microsoft.com/office/2006/metadata/properties"/>
-    <ds:schemaRef ds:uri="http://www.w3.org/XML/1998/namespace"/>
-  </ds:schemaRefs>
-</ds:datastoreItem>
 </file>
--- a/2014/supersize-nodejs/supersize-nodejs-gb.pptx
+++ b/2014/supersize-nodejs/supersize-nodejs-gb.pptx
@@ -6,10 +6,10 @@
     <p:sldMasterId id="2147483667" r:id="rId5"/>
   </p:sldMasterIdLst>
   <p:notesMasterIdLst>
-    <p:notesMasterId r:id="rId22"/>
+    <p:notesMasterId r:id="rId21"/>
   </p:notesMasterIdLst>
   <p:handoutMasterIdLst>
-    <p:handoutMasterId r:id="rId23"/>
+    <p:handoutMasterId r:id="rId22"/>
   </p:handoutMasterIdLst>
   <p:sldIdLst>
     <p:sldId id="293" r:id="rId6"/>
@@ -23,11 +23,10 @@
     <p:sldId id="314" r:id="rId14"/>
     <p:sldId id="315" r:id="rId15"/>
     <p:sldId id="316" r:id="rId16"/>
-    <p:sldId id="313" r:id="rId17"/>
-    <p:sldId id="310" r:id="rId18"/>
-    <p:sldId id="305" r:id="rId19"/>
-    <p:sldId id="306" r:id="rId20"/>
-    <p:sldId id="297" r:id="rId21"/>
+    <p:sldId id="310" r:id="rId17"/>
+    <p:sldId id="305" r:id="rId18"/>
+    <p:sldId id="306" r:id="rId19"/>
+    <p:sldId id="297" r:id="rId20"/>
   </p:sldIdLst>
   <p:sldSz cx="16257588" cy="9144000"/>
   <p:notesSz cx="6858000" cy="9144000"/>
@@ -128,7 +127,7 @@
   </p:defaultTextStyle>
   <p:extLst>
     <p:ext uri="{EFAFB233-063F-42B5-8137-9DF3F51BA10A}">
-      <p15:sldGuideLst xmlns:p15="http://schemas.microsoft.com/office/powerpoint/2012/main" xmlns="">
+      <p15:sldGuideLst xmlns="" xmlns:p15="http://schemas.microsoft.com/office/powerpoint/2012/main">
         <p15:guide id="1" orient="horz" pos="2880">
           <p15:clr>
             <a:srgbClr val="A4A3A4"/>
@@ -935,42 +934,7 @@
           <a:p>
             <a:r>
               <a:rPr lang="en-US" dirty="0" smtClean="0"/>
-              <a:t>Shared Configuration (</a:t>
-            </a:r>
-            <a:r>
-              <a:rPr lang="en-US" dirty="0" err="1" smtClean="0"/>
-              <a:t>nconf</a:t>
-            </a:r>
-            <a:r>
-              <a:rPr lang="en-US" dirty="0" smtClean="0"/>
-              <a:t>)</a:t>
-            </a:r>
-          </a:p>
-          <a:p>
-            <a:endParaRPr lang="en-US" dirty="0" smtClean="0"/>
-          </a:p>
-          <a:p>
-            <a:r>
-              <a:rPr lang="en-US" dirty="0" smtClean="0"/>
-              <a:t>Deployment from day 1</a:t>
-            </a:r>
-          </a:p>
-          <a:p>
-            <a:endParaRPr lang="en-US" dirty="0" smtClean="0"/>
-          </a:p>
-          <a:p>
-            <a:r>
-              <a:rPr lang="en-US" dirty="0" smtClean="0"/>
-              <a:t>Investment in development</a:t>
-            </a:r>
-          </a:p>
-          <a:p>
-            <a:endParaRPr lang="en-US" dirty="0" smtClean="0"/>
-          </a:p>
-          <a:p>
-            <a:r>
-              <a:rPr lang="en-US" dirty="0" smtClean="0"/>
-              <a:t>“Local” Deployment</a:t>
+              <a:t>Chef Server</a:t>
             </a:r>
           </a:p>
           <a:p>
@@ -980,7 +944,7 @@
             </a:pPr>
             <a:r>
               <a:rPr lang="en-US" dirty="0" smtClean="0"/>
-              <a:t>Vagrant</a:t>
+              <a:t>Complex</a:t>
             </a:r>
           </a:p>
           <a:p>
@@ -990,7 +954,11 @@
             </a:pPr>
             <a:r>
               <a:rPr lang="en-US" dirty="0" smtClean="0"/>
-              <a:t>Cross-platform technology</a:t>
+              <a:t>Not used at its full potential</a:t>
+            </a:r>
+            <a:r>
+              <a:rPr lang="en-US" baseline="0" dirty="0" smtClean="0"/>
+              <a:t> as other tools gave us the same feature set</a:t>
             </a:r>
           </a:p>
           <a:p>
@@ -999,9 +967,169 @@
               <a:buChar char="-"/>
             </a:pPr>
             <a:r>
-              <a:rPr lang="en-US" dirty="0" smtClean="0"/>
-              <a:t>“Full” JavaScript stack</a:t>
-            </a:r>
+              <a:rPr lang="en-US" baseline="0" dirty="0" smtClean="0"/>
+              <a:t>Consider packer (with chef solo only)</a:t>
+            </a:r>
+            <a:endParaRPr lang="en-US" dirty="0" smtClean="0"/>
+          </a:p>
+          <a:p>
+            <a:endParaRPr lang="en-US" dirty="0" smtClean="0"/>
+          </a:p>
+          <a:p>
+            <a:r>
+              <a:rPr lang="en-US" dirty="0" smtClean="0"/>
+              <a:t>Cloud Formation template generation </a:t>
+            </a:r>
+            <a:r>
+              <a:rPr lang="en-US" baseline="0" dirty="0" smtClean="0"/>
+              <a:t>a</a:t>
+            </a:r>
+            <a:r>
+              <a:rPr lang="en-US" dirty="0" smtClean="0"/>
+              <a:t>bstraction</a:t>
+            </a:r>
+          </a:p>
+          <a:p>
+            <a:pPr marL="342900" indent="-342900">
+              <a:buFontTx/>
+              <a:buChar char="-"/>
+            </a:pPr>
+            <a:r>
+              <a:rPr lang="en-US" dirty="0" smtClean="0"/>
+              <a:t>We identify</a:t>
+            </a:r>
+            <a:r>
+              <a:rPr lang="en-US" baseline="0" dirty="0" smtClean="0"/>
+              <a:t> correctly the issue</a:t>
+            </a:r>
+          </a:p>
+          <a:p>
+            <a:pPr marL="342900" indent="-342900">
+              <a:buFontTx/>
+              <a:buChar char="-"/>
+            </a:pPr>
+            <a:r>
+              <a:rPr lang="en-US" dirty="0" smtClean="0"/>
+              <a:t>Mustache not the right</a:t>
+            </a:r>
+            <a:r>
+              <a:rPr lang="en-US" baseline="0" dirty="0" smtClean="0"/>
+              <a:t> tool to do that</a:t>
+            </a:r>
+            <a:endParaRPr lang="en-US" dirty="0" smtClean="0"/>
+          </a:p>
+          <a:p>
+            <a:endParaRPr lang="en-US" dirty="0" smtClean="0"/>
+          </a:p>
+          <a:p>
+            <a:r>
+              <a:rPr lang="en-US" dirty="0" err="1" smtClean="0"/>
+              <a:t>Npm</a:t>
+            </a:r>
+            <a:r>
+              <a:rPr lang="en-US" dirty="0" smtClean="0"/>
+              <a:t> registry</a:t>
+            </a:r>
+          </a:p>
+          <a:p>
+            <a:pPr marL="342900" indent="-342900">
+              <a:buFontTx/>
+              <a:buChar char="-"/>
+            </a:pPr>
+            <a:r>
+              <a:rPr lang="en-US" dirty="0" smtClean="0"/>
+              <a:t>Correctly</a:t>
+            </a:r>
+            <a:r>
+              <a:rPr lang="en-US" baseline="0" dirty="0" smtClean="0"/>
+              <a:t> decoupled deployment from </a:t>
+            </a:r>
+            <a:r>
+              <a:rPr lang="en-US" baseline="0" dirty="0" err="1" smtClean="0"/>
+              <a:t>npm</a:t>
+            </a:r>
+            <a:r>
+              <a:rPr lang="en-US" baseline="0" dirty="0" smtClean="0"/>
+              <a:t> registry</a:t>
+            </a:r>
+          </a:p>
+          <a:p>
+            <a:pPr marL="342900" indent="-342900">
+              <a:buFontTx/>
+              <a:buChar char="-"/>
+            </a:pPr>
+            <a:r>
+              <a:rPr lang="en-US" dirty="0" err="1" smtClean="0"/>
+              <a:t>Git</a:t>
+            </a:r>
+            <a:r>
+              <a:rPr lang="en-US" dirty="0" smtClean="0"/>
+              <a:t> protocol for node modules works, but it is slow + not reliable</a:t>
+            </a:r>
+          </a:p>
+          <a:p>
+            <a:pPr marL="342900" indent="-342900">
+              <a:buFontTx/>
+              <a:buChar char="-"/>
+            </a:pPr>
+            <a:r>
+              <a:rPr lang="en-US" baseline="0" dirty="0" smtClean="0"/>
+              <a:t>Fetching from </a:t>
+            </a:r>
+            <a:r>
+              <a:rPr lang="en-US" baseline="0" dirty="0" err="1" smtClean="0"/>
+              <a:t>npm</a:t>
+            </a:r>
+            <a:r>
+              <a:rPr lang="en-US" baseline="0" dirty="0" smtClean="0"/>
+              <a:t> is not fast</a:t>
+            </a:r>
+          </a:p>
+          <a:p>
+            <a:pPr marL="342900" lvl="0" indent="-342900">
+              <a:buFontTx/>
+              <a:buChar char="-"/>
+            </a:pPr>
+            <a:r>
+              <a:rPr lang="en-US" baseline="0" dirty="0" smtClean="0"/>
+              <a:t>Private </a:t>
+            </a:r>
+            <a:r>
+              <a:rPr lang="en-US" baseline="0" dirty="0" err="1" smtClean="0"/>
+              <a:t>npm</a:t>
+            </a:r>
+            <a:r>
+              <a:rPr lang="en-US" baseline="0" dirty="0" smtClean="0"/>
+              <a:t> registry would be preferable</a:t>
+            </a:r>
+          </a:p>
+          <a:p>
+            <a:pPr marL="342900" lvl="0" indent="-342900">
+              <a:buFontTx/>
+              <a:buChar char="-"/>
+            </a:pPr>
+            <a:r>
+              <a:rPr lang="en-US" dirty="0" smtClean="0"/>
+              <a:t>Middle-ground solution with </a:t>
+            </a:r>
+            <a:r>
+              <a:rPr lang="en-US" dirty="0" err="1" smtClean="0"/>
+              <a:t>npm</a:t>
+            </a:r>
+            <a:r>
+              <a:rPr lang="en-US" dirty="0" smtClean="0"/>
+              <a:t> lazy, workspace</a:t>
+            </a:r>
+            <a:endParaRPr lang="en-US" baseline="0" dirty="0" smtClean="0"/>
+          </a:p>
+          <a:p>
+            <a:pPr marL="1155710" lvl="1" indent="-342900">
+              <a:buFontTx/>
+              <a:buChar char="-"/>
+            </a:pPr>
+            <a:endParaRPr lang="en-US" dirty="0" smtClean="0"/>
+          </a:p>
+          <a:p>
             <a:endParaRPr lang="en-US" dirty="0"/>
           </a:p>
         </p:txBody>
@@ -1024,288 +1152,6 @@
             <a:fld id="{73E9330B-B1DA-214B-A229-0CB8492B91A5}" type="slidenum">
               <a:rPr lang="en-US" smtClean="0"/>
               <a:t>14</a:t>
-            </a:fld>
-            <a:endParaRPr lang="en-US" dirty="0"/>
-          </a:p>
-        </p:txBody>
-      </p:sp>
-    </p:spTree>
-    <p:extLst>
-      <p:ext uri="{BB962C8B-B14F-4D97-AF65-F5344CB8AC3E}">
-        <p14:creationId xmlns:p14="http://schemas.microsoft.com/office/powerpoint/2010/main" val="1399092135"/>
-      </p:ext>
-    </p:extLst>
-  </p:cSld>
-  <p:clrMapOvr>
-    <a:masterClrMapping/>
-  </p:clrMapOvr>
-</p:notes>
-</file>
-
-<file path=ppt/notesSlides/notesSlide11.xml><?xml version="1.0" encoding="utf-8"?>
-<p:notes xmlns:a="http://schemas.openxmlformats.org/drawingml/2006/main" xmlns:r="http://schemas.openxmlformats.org/officeDocument/2006/relationships" xmlns:p="http://schemas.openxmlformats.org/presentationml/2006/main">
-  <p:cSld>
-    <p:spTree>
-      <p:nvGrpSpPr>
-        <p:cNvPr id="1" name=""/>
-        <p:cNvGrpSpPr/>
-        <p:nvPr/>
-      </p:nvGrpSpPr>
-      <p:grpSpPr>
-        <a:xfrm>
-          <a:off x="0" y="0"/>
-          <a:ext cx="0" cy="0"/>
-          <a:chOff x="0" y="0"/>
-          <a:chExt cx="0" cy="0"/>
-        </a:xfrm>
-      </p:grpSpPr>
-      <p:sp>
-        <p:nvSpPr>
-          <p:cNvPr id="2" name="Slide Image Placeholder 1"/>
-          <p:cNvSpPr>
-            <a:spLocks noGrp="1" noRot="1" noChangeAspect="1"/>
-          </p:cNvSpPr>
-          <p:nvPr>
-            <p:ph type="sldImg"/>
-          </p:nvPr>
-        </p:nvSpPr>
-        <p:spPr/>
-      </p:sp>
-      <p:sp>
-        <p:nvSpPr>
-          <p:cNvPr id="3" name="Notes Placeholder 2"/>
-          <p:cNvSpPr>
-            <a:spLocks noGrp="1"/>
-          </p:cNvSpPr>
-          <p:nvPr>
-            <p:ph type="body" idx="1"/>
-          </p:nvPr>
-        </p:nvSpPr>
-        <p:spPr/>
-        <p:txBody>
-          <a:bodyPr/>
-          <a:lstStyle/>
-          <a:p>
-            <a:r>
-              <a:rPr lang="en-US" dirty="0" smtClean="0"/>
-              <a:t>Chef Server</a:t>
-            </a:r>
-          </a:p>
-          <a:p>
-            <a:pPr marL="342900" indent="-342900">
-              <a:buFontTx/>
-              <a:buChar char="-"/>
-            </a:pPr>
-            <a:r>
-              <a:rPr lang="en-US" dirty="0" smtClean="0"/>
-              <a:t>Complex</a:t>
-            </a:r>
-          </a:p>
-          <a:p>
-            <a:pPr marL="342900" indent="-342900">
-              <a:buFontTx/>
-              <a:buChar char="-"/>
-            </a:pPr>
-            <a:r>
-              <a:rPr lang="en-US" dirty="0" smtClean="0"/>
-              <a:t>Not used at its full potential</a:t>
-            </a:r>
-            <a:r>
-              <a:rPr lang="en-US" baseline="0" dirty="0" smtClean="0"/>
-              <a:t> as other tools gave us the same feature set</a:t>
-            </a:r>
-          </a:p>
-          <a:p>
-            <a:pPr marL="342900" indent="-342900">
-              <a:buFontTx/>
-              <a:buChar char="-"/>
-            </a:pPr>
-            <a:r>
-              <a:rPr lang="en-US" baseline="0" dirty="0" smtClean="0"/>
-              <a:t>Consider packer (with chef solo only)</a:t>
-            </a:r>
-            <a:endParaRPr lang="en-US" dirty="0" smtClean="0"/>
-          </a:p>
-          <a:p>
-            <a:endParaRPr lang="en-US" dirty="0" smtClean="0"/>
-          </a:p>
-          <a:p>
-            <a:r>
-              <a:rPr lang="en-US" dirty="0" smtClean="0"/>
-              <a:t>Cloud Formation template generation </a:t>
-            </a:r>
-            <a:r>
-              <a:rPr lang="en-US" baseline="0" dirty="0" smtClean="0"/>
-              <a:t>a</a:t>
-            </a:r>
-            <a:r>
-              <a:rPr lang="en-US" dirty="0" smtClean="0"/>
-              <a:t>bstraction</a:t>
-            </a:r>
-          </a:p>
-          <a:p>
-            <a:pPr marL="342900" indent="-342900">
-              <a:buFontTx/>
-              <a:buChar char="-"/>
-            </a:pPr>
-            <a:r>
-              <a:rPr lang="en-US" dirty="0" smtClean="0"/>
-              <a:t>We identify</a:t>
-            </a:r>
-            <a:r>
-              <a:rPr lang="en-US" baseline="0" dirty="0" smtClean="0"/>
-              <a:t> correctly the issue</a:t>
-            </a:r>
-          </a:p>
-          <a:p>
-            <a:pPr marL="342900" indent="-342900">
-              <a:buFontTx/>
-              <a:buChar char="-"/>
-            </a:pPr>
-            <a:r>
-              <a:rPr lang="en-US" dirty="0" smtClean="0"/>
-              <a:t>Mustache not the right</a:t>
-            </a:r>
-            <a:r>
-              <a:rPr lang="en-US" baseline="0" dirty="0" smtClean="0"/>
-              <a:t> tool to do that</a:t>
-            </a:r>
-            <a:endParaRPr lang="en-US" dirty="0" smtClean="0"/>
-          </a:p>
-          <a:p>
-            <a:endParaRPr lang="en-US" dirty="0" smtClean="0"/>
-          </a:p>
-          <a:p>
-            <a:r>
-              <a:rPr lang="en-US" dirty="0" err="1" smtClean="0"/>
-              <a:t>Npm</a:t>
-            </a:r>
-            <a:r>
-              <a:rPr lang="en-US" dirty="0" smtClean="0"/>
-              <a:t> registry</a:t>
-            </a:r>
-          </a:p>
-          <a:p>
-            <a:pPr marL="342900" indent="-342900">
-              <a:buFontTx/>
-              <a:buChar char="-"/>
-            </a:pPr>
-            <a:r>
-              <a:rPr lang="en-US" dirty="0" smtClean="0"/>
-              <a:t>Correctly</a:t>
-            </a:r>
-            <a:r>
-              <a:rPr lang="en-US" baseline="0" dirty="0" smtClean="0"/>
-              <a:t> decoupled deployment from </a:t>
-            </a:r>
-            <a:r>
-              <a:rPr lang="en-US" baseline="0" dirty="0" err="1" smtClean="0"/>
-              <a:t>npm</a:t>
-            </a:r>
-            <a:r>
-              <a:rPr lang="en-US" baseline="0" dirty="0" smtClean="0"/>
-              <a:t> registry</a:t>
-            </a:r>
-          </a:p>
-          <a:p>
-            <a:pPr marL="342900" indent="-342900">
-              <a:buFontTx/>
-              <a:buChar char="-"/>
-            </a:pPr>
-            <a:r>
-              <a:rPr lang="en-US" dirty="0" err="1" smtClean="0"/>
-              <a:t>Git</a:t>
-            </a:r>
-            <a:r>
-              <a:rPr lang="en-US" dirty="0" smtClean="0"/>
-              <a:t> protocol for node modules works, but it is slow + not reliable</a:t>
-            </a:r>
-          </a:p>
-          <a:p>
-            <a:pPr marL="342900" indent="-342900">
-              <a:buFontTx/>
-              <a:buChar char="-"/>
-            </a:pPr>
-            <a:r>
-              <a:rPr lang="en-US" baseline="0" dirty="0" smtClean="0"/>
-              <a:t>Fetching from </a:t>
-            </a:r>
-            <a:r>
-              <a:rPr lang="en-US" baseline="0" dirty="0" err="1" smtClean="0"/>
-              <a:t>npm</a:t>
-            </a:r>
-            <a:r>
-              <a:rPr lang="en-US" baseline="0" dirty="0" smtClean="0"/>
-              <a:t> is not fast</a:t>
-            </a:r>
-          </a:p>
-          <a:p>
-            <a:pPr marL="342900" lvl="0" indent="-342900">
-              <a:buFontTx/>
-              <a:buChar char="-"/>
-            </a:pPr>
-            <a:r>
-              <a:rPr lang="en-US" baseline="0" dirty="0" smtClean="0"/>
-              <a:t>Private </a:t>
-            </a:r>
-            <a:r>
-              <a:rPr lang="en-US" baseline="0" dirty="0" err="1" smtClean="0"/>
-              <a:t>npm</a:t>
-            </a:r>
-            <a:r>
-              <a:rPr lang="en-US" baseline="0" dirty="0" smtClean="0"/>
-              <a:t> registry would be preferable</a:t>
-            </a:r>
-          </a:p>
-          <a:p>
-            <a:pPr marL="342900" lvl="0" indent="-342900">
-              <a:buFontTx/>
-              <a:buChar char="-"/>
-            </a:pPr>
-            <a:r>
-              <a:rPr lang="en-US" dirty="0" smtClean="0"/>
-              <a:t>Middle-ground solution with </a:t>
-            </a:r>
-            <a:r>
-              <a:rPr lang="en-US" dirty="0" err="1" smtClean="0"/>
-              <a:t>npm</a:t>
-            </a:r>
-            <a:r>
-              <a:rPr lang="en-US" dirty="0" smtClean="0"/>
-              <a:t> lazy, workspace</a:t>
-            </a:r>
-            <a:endParaRPr lang="en-US" baseline="0" dirty="0" smtClean="0"/>
-          </a:p>
-          <a:p>
-            <a:pPr marL="1155710" lvl="1" indent="-342900">
-              <a:buFontTx/>
-              <a:buChar char="-"/>
-            </a:pPr>
-            <a:endParaRPr lang="en-US" dirty="0" smtClean="0"/>
-          </a:p>
-          <a:p>
-            <a:endParaRPr lang="en-US" dirty="0"/>
-          </a:p>
-        </p:txBody>
-      </p:sp>
-      <p:sp>
-        <p:nvSpPr>
-          <p:cNvPr id="4" name="Slide Number Placeholder 3"/>
-          <p:cNvSpPr>
-            <a:spLocks noGrp="1"/>
-          </p:cNvSpPr>
-          <p:nvPr>
-            <p:ph type="sldNum" sz="quarter" idx="10"/>
-          </p:nvPr>
-        </p:nvSpPr>
-        <p:spPr/>
-        <p:txBody>
-          <a:bodyPr/>
-          <a:lstStyle/>
-          <a:p>
-            <a:fld id="{73E9330B-B1DA-214B-A229-0CB8492B91A5}" type="slidenum">
-              <a:rPr lang="en-US" smtClean="0"/>
-              <a:t>15</a:t>
             </a:fld>
             <a:endParaRPr lang="en-US" dirty="0"/>
           </a:p>
@@ -1712,15 +1558,7 @@
             </a:pPr>
             <a:r>
               <a:rPr lang="en-US" dirty="0" smtClean="0"/>
-              <a:t>Encourage </a:t>
-            </a:r>
-            <a:r>
-              <a:rPr lang="en-US" dirty="0" smtClean="0"/>
-              <a:t>development of small </a:t>
-            </a:r>
-            <a:r>
-              <a:rPr lang="en-US" dirty="0" smtClean="0"/>
-              <a:t>services</a:t>
+              <a:t>Encourage development of small services</a:t>
             </a:r>
           </a:p>
           <a:p>
@@ -1740,11 +1578,7 @@
             </a:pPr>
             <a:r>
               <a:rPr lang="en-US" dirty="0" smtClean="0"/>
-              <a:t>Web </a:t>
-            </a:r>
-            <a:r>
-              <a:rPr lang="en-US" dirty="0" smtClean="0"/>
-              <a:t>Storage (</a:t>
+              <a:t>Web Storage (</a:t>
             </a:r>
             <a:r>
               <a:rPr lang="en-US" dirty="0" err="1" smtClean="0"/>
@@ -1895,7 +1729,6 @@
               <a:rPr lang="en-US" dirty="0" smtClean="0"/>
               <a:t>Scaling</a:t>
             </a:r>
-            <a:endParaRPr lang="en-US" dirty="0" smtClean="0"/>
           </a:p>
           <a:p>
             <a:pPr marL="342900" indent="-342900">
@@ -2352,7 +2185,72 @@
           <a:p>
             <a:r>
               <a:rPr lang="en-US" dirty="0" smtClean="0"/>
-              <a:t>TODO: Define or delete</a:t>
+              <a:t>Shared Configuration (</a:t>
+            </a:r>
+            <a:r>
+              <a:rPr lang="en-US" dirty="0" err="1" smtClean="0"/>
+              <a:t>nconf</a:t>
+            </a:r>
+            <a:r>
+              <a:rPr lang="en-US" dirty="0" smtClean="0"/>
+              <a:t>)</a:t>
+            </a:r>
+          </a:p>
+          <a:p>
+            <a:endParaRPr lang="en-US" dirty="0" smtClean="0"/>
+          </a:p>
+          <a:p>
+            <a:r>
+              <a:rPr lang="en-US" dirty="0" smtClean="0"/>
+              <a:t>Deployment from day 1</a:t>
+            </a:r>
+          </a:p>
+          <a:p>
+            <a:endParaRPr lang="en-US" dirty="0" smtClean="0"/>
+          </a:p>
+          <a:p>
+            <a:r>
+              <a:rPr lang="en-US" dirty="0" smtClean="0"/>
+              <a:t>Investment in development</a:t>
+            </a:r>
+          </a:p>
+          <a:p>
+            <a:endParaRPr lang="en-US" dirty="0" smtClean="0"/>
+          </a:p>
+          <a:p>
+            <a:r>
+              <a:rPr lang="en-US" dirty="0" smtClean="0"/>
+              <a:t>“Local” Deployment</a:t>
+            </a:r>
+          </a:p>
+          <a:p>
+            <a:pPr marL="342900" indent="-342900">
+              <a:buFontTx/>
+              <a:buChar char="-"/>
+            </a:pPr>
+            <a:r>
+              <a:rPr lang="en-US" dirty="0" smtClean="0"/>
+              <a:t>Vagrant</a:t>
+            </a:r>
+          </a:p>
+          <a:p>
+            <a:pPr marL="342900" indent="-342900">
+              <a:buFontTx/>
+              <a:buChar char="-"/>
+            </a:pPr>
+            <a:r>
+              <a:rPr lang="en-US" dirty="0" smtClean="0"/>
+              <a:t>Cross-platform technology</a:t>
+            </a:r>
+          </a:p>
+          <a:p>
+            <a:pPr marL="342900" indent="-342900">
+              <a:buFontTx/>
+              <a:buChar char="-"/>
+            </a:pPr>
+            <a:r>
+              <a:rPr lang="en-US" dirty="0" smtClean="0"/>
+              <a:t>“Full” JavaScript stack</a:t>
             </a:r>
             <a:endParaRPr lang="en-US" dirty="0"/>
           </a:p>
@@ -2384,7 +2282,7 @@
     </p:spTree>
     <p:extLst>
       <p:ext uri="{BB962C8B-B14F-4D97-AF65-F5344CB8AC3E}">
-        <p14:creationId xmlns:p14="http://schemas.microsoft.com/office/powerpoint/2010/main" val="2121991405"/>
+        <p14:creationId xmlns:p14="http://schemas.microsoft.com/office/powerpoint/2010/main" val="1399092135"/>
       </p:ext>
     </p:extLst>
   </p:cSld>
@@ -5611,47 +5509,6 @@
           <a:chExt cx="0" cy="0"/>
         </a:xfrm>
       </p:grpSpPr>
-      <p:sp>
-        <p:nvSpPr>
-          <p:cNvPr id="2" name="Rectangle 1"/>
-          <p:cNvSpPr/>
-          <p:nvPr/>
-        </p:nvSpPr>
-        <p:spPr>
-          <a:xfrm>
-            <a:off x="1727200" y="2046514"/>
-            <a:ext cx="12525829" cy="6363177"/>
-          </a:xfrm>
-          <a:prstGeom prst="rect">
-            <a:avLst/>
-          </a:prstGeom>
-          <a:solidFill>
-            <a:srgbClr val="FF3300"/>
-          </a:solidFill>
-        </p:spPr>
-        <p:style>
-          <a:lnRef idx="1">
-            <a:schemeClr val="accent1"/>
-          </a:lnRef>
-          <a:fillRef idx="3">
-            <a:schemeClr val="accent1"/>
-          </a:fillRef>
-          <a:effectRef idx="2">
-            <a:schemeClr val="accent1"/>
-          </a:effectRef>
-          <a:fontRef idx="minor">
-            <a:schemeClr val="lt1"/>
-          </a:fontRef>
-        </p:style>
-        <p:txBody>
-          <a:bodyPr rtlCol="0" anchor="ctr"/>
-          <a:lstStyle/>
-          <a:p>
-            <a:pPr algn="ctr"/>
-            <a:endParaRPr lang="en-US"/>
-          </a:p>
-        </p:txBody>
-      </p:sp>
       <p:pic>
         <p:nvPicPr>
           <p:cNvPr id="10" name="Picture 9"/>
@@ -5840,249 +5697,6 @@
           <a:chExt cx="0" cy="0"/>
         </a:xfrm>
       </p:grpSpPr>
-      <p:sp>
-        <p:nvSpPr>
-          <p:cNvPr id="6" name="Rectangle 5"/>
-          <p:cNvSpPr/>
-          <p:nvPr/>
-        </p:nvSpPr>
-        <p:spPr>
-          <a:xfrm>
-            <a:off x="1727200" y="2046514"/>
-            <a:ext cx="12525829" cy="6363177"/>
-          </a:xfrm>
-          <a:prstGeom prst="rect">
-            <a:avLst/>
-          </a:prstGeom>
-          <a:solidFill>
-            <a:srgbClr val="FF3300"/>
-          </a:solidFill>
-        </p:spPr>
-        <p:style>
-          <a:lnRef idx="1">
-            <a:schemeClr val="accent1"/>
-          </a:lnRef>
-          <a:fillRef idx="3">
-            <a:schemeClr val="accent1"/>
-          </a:fillRef>
-          <a:effectRef idx="2">
-            <a:schemeClr val="accent1"/>
-          </a:effectRef>
-          <a:fontRef idx="minor">
-            <a:schemeClr val="lt1"/>
-          </a:fontRef>
-        </p:style>
-        <p:txBody>
-          <a:bodyPr rtlCol="0" anchor="ctr"/>
-          <a:lstStyle/>
-          <a:p>
-            <a:pPr algn="ctr"/>
-            <a:endParaRPr lang="en-US"/>
-          </a:p>
-        </p:txBody>
-      </p:sp>
-      <p:pic>
-        <p:nvPicPr>
-          <p:cNvPr id="5" name="Picture 4"/>
-          <p:cNvPicPr>
-            <a:picLocks noChangeAspect="1"/>
-          </p:cNvPicPr>
-          <p:nvPr/>
-        </p:nvPicPr>
-        <p:blipFill>
-          <a:blip r:embed="rId3">
-            <a:extLst>
-              <a:ext uri="{28A0092B-C50C-407E-A947-70E740481C1C}">
-                <a14:useLocalDpi xmlns:a14="http://schemas.microsoft.com/office/drawing/2010/main" val="0"/>
-              </a:ext>
-            </a:extLst>
-          </a:blip>
-          <a:stretch>
-            <a:fillRect/>
-          </a:stretch>
-        </p:blipFill>
-        <p:spPr>
-          <a:xfrm>
-            <a:off x="3703093" y="241483"/>
-            <a:ext cx="7988969" cy="8168208"/>
-          </a:xfrm>
-          <a:prstGeom prst="rect">
-            <a:avLst/>
-          </a:prstGeom>
-        </p:spPr>
-      </p:pic>
-      <p:sp>
-        <p:nvSpPr>
-          <p:cNvPr id="3" name="Title 2"/>
-          <p:cNvSpPr>
-            <a:spLocks noGrp="1"/>
-          </p:cNvSpPr>
-          <p:nvPr>
-            <p:ph type="title"/>
-          </p:nvPr>
-        </p:nvSpPr>
-        <p:spPr/>
-        <p:txBody>
-          <a:bodyPr/>
-          <a:lstStyle/>
-          <a:p>
-            <a:r>
-              <a:rPr lang="en-US" dirty="0" smtClean="0"/>
-              <a:t>From Development to Production</a:t>
-            </a:r>
-            <a:endParaRPr lang="en-US" dirty="0"/>
-          </a:p>
-        </p:txBody>
-      </p:sp>
-      <p:pic>
-        <p:nvPicPr>
-          <p:cNvPr id="4" name="Content Placeholder 5"/>
-          <p:cNvPicPr>
-            <a:picLocks noChangeAspect="1"/>
-          </p:cNvPicPr>
-          <p:nvPr/>
-        </p:nvPicPr>
-        <p:blipFill>
-          <a:blip r:embed="rId4">
-            <a:extLst>
-              <a:ext uri="{28A0092B-C50C-407E-A947-70E740481C1C}">
-                <a14:useLocalDpi xmlns:a14="http://schemas.microsoft.com/office/drawing/2010/main" val="0"/>
-              </a:ext>
-            </a:extLst>
-          </a:blip>
-          <a:stretch>
-            <a:fillRect/>
-          </a:stretch>
-        </p:blipFill>
-        <p:spPr>
-          <a:xfrm>
-            <a:off x="13958208" y="370333"/>
-            <a:ext cx="1486501" cy="1519852"/>
-          </a:xfrm>
-          <a:prstGeom prst="rect">
-            <a:avLst/>
-          </a:prstGeom>
-        </p:spPr>
-      </p:pic>
-      <p:pic>
-        <p:nvPicPr>
-          <p:cNvPr id="8" name="Picture 2" descr="C:\github\guillaume-brossard-adsk\tech-summit\2014\supersize-nodejs\git-flow1.png"/>
-          <p:cNvPicPr>
-            <a:picLocks noChangeAspect="1" noChangeArrowheads="1"/>
-          </p:cNvPicPr>
-          <p:nvPr/>
-        </p:nvPicPr>
-        <p:blipFill>
-          <a:blip r:embed="rId5">
-            <a:extLst>
-              <a:ext uri="{28A0092B-C50C-407E-A947-70E740481C1C}">
-                <a14:useLocalDpi xmlns:a14="http://schemas.microsoft.com/office/drawing/2010/main" val="0"/>
-              </a:ext>
-            </a:extLst>
-          </a:blip>
-          <a:srcRect/>
-          <a:stretch>
-            <a:fillRect/>
-          </a:stretch>
-        </p:blipFill>
-        <p:spPr bwMode="auto">
-          <a:xfrm>
-            <a:off x="3485327" y="1890185"/>
-            <a:ext cx="8105467" cy="5016413"/>
-          </a:xfrm>
-          <a:prstGeom prst="rect">
-            <a:avLst/>
-          </a:prstGeom>
-          <a:noFill/>
-          <a:extLst>
-            <a:ext uri="{909E8E84-426E-40DD-AFC4-6F175D3DCCD1}">
-              <a14:hiddenFill xmlns:a14="http://schemas.microsoft.com/office/drawing/2010/main">
-                <a:solidFill>
-                  <a:srgbClr val="FFFFFF"/>
-                </a:solidFill>
-              </a14:hiddenFill>
-            </a:ext>
-          </a:extLst>
-        </p:spPr>
-      </p:pic>
-    </p:spTree>
-    <p:extLst>
-      <p:ext uri="{BB962C8B-B14F-4D97-AF65-F5344CB8AC3E}">
-        <p14:creationId xmlns:p14="http://schemas.microsoft.com/office/powerpoint/2010/main" val="1216618614"/>
-      </p:ext>
-    </p:extLst>
-  </p:cSld>
-  <p:clrMapOvr>
-    <a:masterClrMapping/>
-  </p:clrMapOvr>
-  <p:timing>
-    <p:tnLst>
-      <p:par>
-        <p:cTn id="1" dur="indefinite" restart="never" nodeType="tmRoot"/>
-      </p:par>
-    </p:tnLst>
-  </p:timing>
-</p:sld>
-</file>
-
-<file path=ppt/slides/slide13.xml><?xml version="1.0" encoding="utf-8"?>
-<p:sld xmlns:a="http://schemas.openxmlformats.org/drawingml/2006/main" xmlns:r="http://schemas.openxmlformats.org/officeDocument/2006/relationships" xmlns:p="http://schemas.openxmlformats.org/presentationml/2006/main">
-  <p:cSld>
-    <p:spTree>
-      <p:nvGrpSpPr>
-        <p:cNvPr id="1" name=""/>
-        <p:cNvGrpSpPr/>
-        <p:nvPr/>
-      </p:nvGrpSpPr>
-      <p:grpSpPr>
-        <a:xfrm>
-          <a:off x="0" y="0"/>
-          <a:ext cx="0" cy="0"/>
-          <a:chOff x="0" y="0"/>
-          <a:chExt cx="0" cy="0"/>
-        </a:xfrm>
-      </p:grpSpPr>
-      <p:sp>
-        <p:nvSpPr>
-          <p:cNvPr id="6" name="Rectangle 5"/>
-          <p:cNvSpPr/>
-          <p:nvPr/>
-        </p:nvSpPr>
-        <p:spPr>
-          <a:xfrm>
-            <a:off x="1727200" y="2046514"/>
-            <a:ext cx="12525829" cy="6363177"/>
-          </a:xfrm>
-          <a:prstGeom prst="rect">
-            <a:avLst/>
-          </a:prstGeom>
-          <a:solidFill>
-            <a:srgbClr val="FF3300"/>
-          </a:solidFill>
-        </p:spPr>
-        <p:style>
-          <a:lnRef idx="1">
-            <a:schemeClr val="accent1"/>
-          </a:lnRef>
-          <a:fillRef idx="3">
-            <a:schemeClr val="accent1"/>
-          </a:fillRef>
-          <a:effectRef idx="2">
-            <a:schemeClr val="accent1"/>
-          </a:effectRef>
-          <a:fontRef idx="minor">
-            <a:schemeClr val="lt1"/>
-          </a:fontRef>
-        </p:style>
-        <p:txBody>
-          <a:bodyPr rtlCol="0" anchor="ctr"/>
-          <a:lstStyle/>
-          <a:p>
-            <a:pPr algn="ctr"/>
-            <a:endParaRPr lang="en-US"/>
-          </a:p>
-        </p:txBody>
-      </p:sp>
       <p:pic>
         <p:nvPicPr>
           <p:cNvPr id="5" name="Picture 4"/>
@@ -6227,6 +5841,190 @@
 </p:sld>
 </file>
 
+<file path=ppt/slides/slide13.xml><?xml version="1.0" encoding="utf-8"?>
+<p:sld xmlns:a="http://schemas.openxmlformats.org/drawingml/2006/main" xmlns:r="http://schemas.openxmlformats.org/officeDocument/2006/relationships" xmlns:p="http://schemas.openxmlformats.org/presentationml/2006/main">
+  <p:cSld>
+    <p:spTree>
+      <p:nvGrpSpPr>
+        <p:cNvPr id="1" name=""/>
+        <p:cNvGrpSpPr/>
+        <p:nvPr/>
+      </p:nvGrpSpPr>
+      <p:grpSpPr>
+        <a:xfrm>
+          <a:off x="0" y="0"/>
+          <a:ext cx="0" cy="0"/>
+          <a:chOff x="0" y="0"/>
+          <a:chExt cx="0" cy="0"/>
+        </a:xfrm>
+      </p:grpSpPr>
+      <p:pic>
+        <p:nvPicPr>
+          <p:cNvPr id="5" name="Picture 4"/>
+          <p:cNvPicPr>
+            <a:picLocks noChangeAspect="1"/>
+          </p:cNvPicPr>
+          <p:nvPr/>
+        </p:nvPicPr>
+        <p:blipFill>
+          <a:blip r:embed="rId3">
+            <a:extLst>
+              <a:ext uri="{28A0092B-C50C-407E-A947-70E740481C1C}">
+                <a14:useLocalDpi xmlns:a14="http://schemas.microsoft.com/office/drawing/2010/main" val="0"/>
+              </a:ext>
+            </a:extLst>
+          </a:blip>
+          <a:stretch>
+            <a:fillRect/>
+          </a:stretch>
+        </p:blipFill>
+        <p:spPr>
+          <a:xfrm>
+            <a:off x="3703093" y="241483"/>
+            <a:ext cx="7988969" cy="8168208"/>
+          </a:xfrm>
+          <a:prstGeom prst="rect">
+            <a:avLst/>
+          </a:prstGeom>
+        </p:spPr>
+      </p:pic>
+      <p:sp>
+        <p:nvSpPr>
+          <p:cNvPr id="2" name="Content Placeholder 1"/>
+          <p:cNvSpPr>
+            <a:spLocks noGrp="1"/>
+          </p:cNvSpPr>
+          <p:nvPr>
+            <p:ph idx="1"/>
+          </p:nvPr>
+        </p:nvSpPr>
+        <p:spPr/>
+        <p:txBody>
+          <a:bodyPr/>
+          <a:lstStyle/>
+          <a:p>
+            <a:r>
+              <a:rPr lang="en-US" dirty="0" smtClean="0"/>
+              <a:t>Shared Configuration (</a:t>
+            </a:r>
+            <a:r>
+              <a:rPr lang="en-US" dirty="0" err="1" smtClean="0"/>
+              <a:t>nconf</a:t>
+            </a:r>
+            <a:r>
+              <a:rPr lang="en-US" dirty="0" smtClean="0"/>
+              <a:t>)</a:t>
+            </a:r>
+          </a:p>
+          <a:p>
+            <a:endParaRPr lang="en-US" dirty="0"/>
+          </a:p>
+          <a:p>
+            <a:r>
+              <a:rPr lang="en-US" dirty="0" smtClean="0"/>
+              <a:t>Deployment from day 1</a:t>
+            </a:r>
+          </a:p>
+          <a:p>
+            <a:endParaRPr lang="en-US" dirty="0"/>
+          </a:p>
+          <a:p>
+            <a:r>
+              <a:rPr lang="en-US" dirty="0" smtClean="0"/>
+              <a:t>Investment in development/deployment tools</a:t>
+            </a:r>
+          </a:p>
+          <a:p>
+            <a:endParaRPr lang="en-US" dirty="0"/>
+          </a:p>
+          <a:p>
+            <a:r>
+              <a:rPr lang="en-US" dirty="0" smtClean="0"/>
+              <a:t>“Local” Deployment</a:t>
+            </a:r>
+          </a:p>
+        </p:txBody>
+      </p:sp>
+      <p:sp>
+        <p:nvSpPr>
+          <p:cNvPr id="3" name="Title 2"/>
+          <p:cNvSpPr>
+            <a:spLocks noGrp="1"/>
+          </p:cNvSpPr>
+          <p:nvPr>
+            <p:ph type="title"/>
+          </p:nvPr>
+        </p:nvSpPr>
+        <p:spPr/>
+        <p:txBody>
+          <a:bodyPr/>
+          <a:lstStyle/>
+          <a:p>
+            <a:r>
+              <a:rPr lang="en-US" dirty="0" smtClean="0"/>
+              <a:t>Lessons Learned</a:t>
+            </a:r>
+            <a:br>
+              <a:rPr lang="en-US" dirty="0" smtClean="0"/>
+            </a:br>
+            <a:r>
+              <a:rPr lang="en-US" dirty="0" smtClean="0"/>
+              <a:t>The Good Parts</a:t>
+            </a:r>
+            <a:endParaRPr lang="en-US" dirty="0"/>
+          </a:p>
+        </p:txBody>
+      </p:sp>
+      <p:pic>
+        <p:nvPicPr>
+          <p:cNvPr id="4" name="Content Placeholder 5"/>
+          <p:cNvPicPr>
+            <a:picLocks noChangeAspect="1"/>
+          </p:cNvPicPr>
+          <p:nvPr/>
+        </p:nvPicPr>
+        <p:blipFill>
+          <a:blip r:embed="rId4">
+            <a:extLst>
+              <a:ext uri="{28A0092B-C50C-407E-A947-70E740481C1C}">
+                <a14:useLocalDpi xmlns:a14="http://schemas.microsoft.com/office/drawing/2010/main" val="0"/>
+              </a:ext>
+            </a:extLst>
+          </a:blip>
+          <a:stretch>
+            <a:fillRect/>
+          </a:stretch>
+        </p:blipFill>
+        <p:spPr>
+          <a:xfrm>
+            <a:off x="13958208" y="370333"/>
+            <a:ext cx="1486501" cy="1519852"/>
+          </a:xfrm>
+          <a:prstGeom prst="rect">
+            <a:avLst/>
+          </a:prstGeom>
+        </p:spPr>
+      </p:pic>
+    </p:spTree>
+    <p:extLst>
+      <p:ext uri="{BB962C8B-B14F-4D97-AF65-F5344CB8AC3E}">
+        <p14:creationId xmlns:p14="http://schemas.microsoft.com/office/powerpoint/2010/main" val="912595009"/>
+      </p:ext>
+    </p:extLst>
+  </p:cSld>
+  <p:clrMapOvr>
+    <a:masterClrMapping/>
+  </p:clrMapOvr>
+  <p:timing>
+    <p:tnLst>
+      <p:par>
+        <p:cTn id="1" dur="indefinite" restart="never" nodeType="tmRoot"/>
+      </p:par>
+    </p:tnLst>
+  </p:timing>
+</p:sld>
+</file>
+
 <file path=ppt/slides/slide14.xml><?xml version="1.0" encoding="utf-8"?>
 <p:sld xmlns:a="http://schemas.openxmlformats.org/drawingml/2006/main" xmlns:r="http://schemas.openxmlformats.org/officeDocument/2006/relationships" xmlns:p="http://schemas.openxmlformats.org/presentationml/2006/main">
   <p:cSld>
@@ -6291,190 +6089,6 @@
           <a:p>
             <a:r>
               <a:rPr lang="en-US" dirty="0" smtClean="0"/>
-              <a:t>Shared Configuration (</a:t>
-            </a:r>
-            <a:r>
-              <a:rPr lang="en-US" dirty="0" err="1" smtClean="0"/>
-              <a:t>nconf</a:t>
-            </a:r>
-            <a:r>
-              <a:rPr lang="en-US" dirty="0" smtClean="0"/>
-              <a:t>)</a:t>
-            </a:r>
-          </a:p>
-          <a:p>
-            <a:endParaRPr lang="en-US" dirty="0"/>
-          </a:p>
-          <a:p>
-            <a:r>
-              <a:rPr lang="en-US" dirty="0" smtClean="0"/>
-              <a:t>Deployment from day 1</a:t>
-            </a:r>
-          </a:p>
-          <a:p>
-            <a:endParaRPr lang="en-US" dirty="0"/>
-          </a:p>
-          <a:p>
-            <a:r>
-              <a:rPr lang="en-US" dirty="0" smtClean="0"/>
-              <a:t>Investment in development/deployment tools</a:t>
-            </a:r>
-          </a:p>
-          <a:p>
-            <a:endParaRPr lang="en-US" dirty="0"/>
-          </a:p>
-          <a:p>
-            <a:r>
-              <a:rPr lang="en-US" dirty="0" smtClean="0"/>
-              <a:t>“Local” Deployment</a:t>
-            </a:r>
-          </a:p>
-        </p:txBody>
-      </p:sp>
-      <p:sp>
-        <p:nvSpPr>
-          <p:cNvPr id="3" name="Title 2"/>
-          <p:cNvSpPr>
-            <a:spLocks noGrp="1"/>
-          </p:cNvSpPr>
-          <p:nvPr>
-            <p:ph type="title"/>
-          </p:nvPr>
-        </p:nvSpPr>
-        <p:spPr/>
-        <p:txBody>
-          <a:bodyPr/>
-          <a:lstStyle/>
-          <a:p>
-            <a:r>
-              <a:rPr lang="en-US" dirty="0" smtClean="0"/>
-              <a:t>Lessons Learned</a:t>
-            </a:r>
-            <a:br>
-              <a:rPr lang="en-US" dirty="0" smtClean="0"/>
-            </a:br>
-            <a:r>
-              <a:rPr lang="en-US" dirty="0" smtClean="0"/>
-              <a:t>The Good Parts</a:t>
-            </a:r>
-            <a:endParaRPr lang="en-US" dirty="0"/>
-          </a:p>
-        </p:txBody>
-      </p:sp>
-      <p:pic>
-        <p:nvPicPr>
-          <p:cNvPr id="4" name="Content Placeholder 5"/>
-          <p:cNvPicPr>
-            <a:picLocks noChangeAspect="1"/>
-          </p:cNvPicPr>
-          <p:nvPr/>
-        </p:nvPicPr>
-        <p:blipFill>
-          <a:blip r:embed="rId4">
-            <a:extLst>
-              <a:ext uri="{28A0092B-C50C-407E-A947-70E740481C1C}">
-                <a14:useLocalDpi xmlns:a14="http://schemas.microsoft.com/office/drawing/2010/main" val="0"/>
-              </a:ext>
-            </a:extLst>
-          </a:blip>
-          <a:stretch>
-            <a:fillRect/>
-          </a:stretch>
-        </p:blipFill>
-        <p:spPr>
-          <a:xfrm>
-            <a:off x="13958208" y="370333"/>
-            <a:ext cx="1486501" cy="1519852"/>
-          </a:xfrm>
-          <a:prstGeom prst="rect">
-            <a:avLst/>
-          </a:prstGeom>
-        </p:spPr>
-      </p:pic>
-    </p:spTree>
-    <p:extLst>
-      <p:ext uri="{BB962C8B-B14F-4D97-AF65-F5344CB8AC3E}">
-        <p14:creationId xmlns:p14="http://schemas.microsoft.com/office/powerpoint/2010/main" val="912595009"/>
-      </p:ext>
-    </p:extLst>
-  </p:cSld>
-  <p:clrMapOvr>
-    <a:masterClrMapping/>
-  </p:clrMapOvr>
-  <p:timing>
-    <p:tnLst>
-      <p:par>
-        <p:cTn id="1" dur="indefinite" restart="never" nodeType="tmRoot"/>
-      </p:par>
-    </p:tnLst>
-  </p:timing>
-</p:sld>
-</file>
-
-<file path=ppt/slides/slide15.xml><?xml version="1.0" encoding="utf-8"?>
-<p:sld xmlns:a="http://schemas.openxmlformats.org/drawingml/2006/main" xmlns:r="http://schemas.openxmlformats.org/officeDocument/2006/relationships" xmlns:p="http://schemas.openxmlformats.org/presentationml/2006/main">
-  <p:cSld>
-    <p:spTree>
-      <p:nvGrpSpPr>
-        <p:cNvPr id="1" name=""/>
-        <p:cNvGrpSpPr/>
-        <p:nvPr/>
-      </p:nvGrpSpPr>
-      <p:grpSpPr>
-        <a:xfrm>
-          <a:off x="0" y="0"/>
-          <a:ext cx="0" cy="0"/>
-          <a:chOff x="0" y="0"/>
-          <a:chExt cx="0" cy="0"/>
-        </a:xfrm>
-      </p:grpSpPr>
-      <p:pic>
-        <p:nvPicPr>
-          <p:cNvPr id="5" name="Picture 4"/>
-          <p:cNvPicPr>
-            <a:picLocks noChangeAspect="1"/>
-          </p:cNvPicPr>
-          <p:nvPr/>
-        </p:nvPicPr>
-        <p:blipFill>
-          <a:blip r:embed="rId3">
-            <a:extLst>
-              <a:ext uri="{28A0092B-C50C-407E-A947-70E740481C1C}">
-                <a14:useLocalDpi xmlns:a14="http://schemas.microsoft.com/office/drawing/2010/main" val="0"/>
-              </a:ext>
-            </a:extLst>
-          </a:blip>
-          <a:stretch>
-            <a:fillRect/>
-          </a:stretch>
-        </p:blipFill>
-        <p:spPr>
-          <a:xfrm>
-            <a:off x="3703093" y="241483"/>
-            <a:ext cx="7988969" cy="8168208"/>
-          </a:xfrm>
-          <a:prstGeom prst="rect">
-            <a:avLst/>
-          </a:prstGeom>
-        </p:spPr>
-      </p:pic>
-      <p:sp>
-        <p:nvSpPr>
-          <p:cNvPr id="2" name="Content Placeholder 1"/>
-          <p:cNvSpPr>
-            <a:spLocks noGrp="1"/>
-          </p:cNvSpPr>
-          <p:nvPr>
-            <p:ph idx="1"/>
-          </p:nvPr>
-        </p:nvSpPr>
-        <p:spPr/>
-        <p:txBody>
-          <a:bodyPr/>
-          <a:lstStyle/>
-          <a:p>
-            <a:r>
-              <a:rPr lang="en-US" dirty="0" smtClean="0"/>
               <a:t>Chef Server</a:t>
             </a:r>
           </a:p>
@@ -6583,7 +6197,7 @@
 </p:sld>
 </file>
 
-<file path=ppt/slides/slide16.xml><?xml version="1.0" encoding="utf-8"?>
+<file path=ppt/slides/slide15.xml><?xml version="1.0" encoding="utf-8"?>
 <p:sld xmlns:a="http://schemas.openxmlformats.org/drawingml/2006/main" xmlns:r="http://schemas.openxmlformats.org/officeDocument/2006/relationships" xmlns:p="http://schemas.openxmlformats.org/presentationml/2006/main">
   <p:cSld>
     <p:spTree>
@@ -7069,14 +6683,7 @@
           <a:p>
             <a:r>
               <a:rPr lang="en-US" dirty="0" smtClean="0"/>
-              <a:t>Architecture</a:t>
-            </a:r>
-            <a:br>
-              <a:rPr lang="en-US" dirty="0" smtClean="0"/>
-            </a:br>
-            <a:r>
-              <a:rPr lang="en-US" dirty="0" smtClean="0"/>
-              <a:t>Oversight</a:t>
+              <a:t>Architecture Oversight</a:t>
             </a:r>
             <a:endParaRPr lang="en-US" dirty="0"/>
           </a:p>
@@ -7595,36 +7202,6 @@
           <a:chExt cx="0" cy="0"/>
         </a:xfrm>
       </p:grpSpPr>
-      <p:pic>
-        <p:nvPicPr>
-          <p:cNvPr id="5" name="Picture 4"/>
-          <p:cNvPicPr>
-            <a:picLocks noChangeAspect="1"/>
-          </p:cNvPicPr>
-          <p:nvPr/>
-        </p:nvPicPr>
-        <p:blipFill>
-          <a:blip r:embed="rId3">
-            <a:extLst>
-              <a:ext uri="{28A0092B-C50C-407E-A947-70E740481C1C}">
-                <a14:useLocalDpi xmlns:a14="http://schemas.microsoft.com/office/drawing/2010/main" val="0"/>
-              </a:ext>
-            </a:extLst>
-          </a:blip>
-          <a:stretch>
-            <a:fillRect/>
-          </a:stretch>
-        </p:blipFill>
-        <p:spPr>
-          <a:xfrm>
-            <a:off x="3703093" y="241483"/>
-            <a:ext cx="7988969" cy="8168208"/>
-          </a:xfrm>
-          <a:prstGeom prst="rect">
-            <a:avLst/>
-          </a:prstGeom>
-        </p:spPr>
-      </p:pic>
       <p:sp>
         <p:nvSpPr>
           <p:cNvPr id="3" name="Title 2"/>
@@ -7657,7 +7234,7 @@
           <p:nvPr/>
         </p:nvPicPr>
         <p:blipFill>
-          <a:blip r:embed="rId4">
+          <a:blip r:embed="rId3">
             <a:extLst>
               <a:ext uri="{28A0092B-C50C-407E-A947-70E740481C1C}">
                 <a14:useLocalDpi xmlns:a14="http://schemas.microsoft.com/office/drawing/2010/main" val="0"/>
@@ -7687,7 +7264,7 @@
           <p:nvPr/>
         </p:nvPicPr>
         <p:blipFill>
-          <a:blip r:embed="rId5">
+          <a:blip r:embed="rId4">
             <a:extLst>
               <a:ext uri="{28A0092B-C50C-407E-A947-70E740481C1C}">
                 <a14:useLocalDpi xmlns:a14="http://schemas.microsoft.com/office/drawing/2010/main" val="0"/>
@@ -7756,36 +7333,6 @@
           <a:chExt cx="0" cy="0"/>
         </a:xfrm>
       </p:grpSpPr>
-      <p:pic>
-        <p:nvPicPr>
-          <p:cNvPr id="10" name="Picture 9"/>
-          <p:cNvPicPr>
-            <a:picLocks noChangeAspect="1"/>
-          </p:cNvPicPr>
-          <p:nvPr/>
-        </p:nvPicPr>
-        <p:blipFill>
-          <a:blip r:embed="rId2">
-            <a:extLst>
-              <a:ext uri="{28A0092B-C50C-407E-A947-70E740481C1C}">
-                <a14:useLocalDpi xmlns:a14="http://schemas.microsoft.com/office/drawing/2010/main" val="0"/>
-              </a:ext>
-            </a:extLst>
-          </a:blip>
-          <a:stretch>
-            <a:fillRect/>
-          </a:stretch>
-        </p:blipFill>
-        <p:spPr>
-          <a:xfrm>
-            <a:off x="3703093" y="241483"/>
-            <a:ext cx="7988969" cy="8168208"/>
-          </a:xfrm>
-          <a:prstGeom prst="rect">
-            <a:avLst/>
-          </a:prstGeom>
-        </p:spPr>
-      </p:pic>
       <p:sp>
         <p:nvSpPr>
           <p:cNvPr id="3" name="Title 2"/>
@@ -7818,7 +7365,7 @@
           <p:nvPr/>
         </p:nvPicPr>
         <p:blipFill>
-          <a:blip r:embed="rId3">
+          <a:blip r:embed="rId2">
             <a:extLst>
               <a:ext uri="{28A0092B-C50C-407E-A947-70E740481C1C}">
                 <a14:useLocalDpi xmlns:a14="http://schemas.microsoft.com/office/drawing/2010/main" val="0"/>
@@ -7862,7 +7409,7 @@
           <p:nvPr/>
         </p:nvPicPr>
         <p:blipFill>
-          <a:blip r:embed="rId4">
+          <a:blip r:embed="rId3">
             <a:extLst>
               <a:ext uri="{28A0092B-C50C-407E-A947-70E740481C1C}">
                 <a14:useLocalDpi xmlns:a14="http://schemas.microsoft.com/office/drawing/2010/main" val="0"/>
@@ -9352,21 +8899,6 @@
 </file>
 
 <file path=customXml/item1.xml><?xml version="1.0" encoding="utf-8"?>
-<p:properties xmlns:p="http://schemas.microsoft.com/office/2006/metadata/properties" xmlns:xsi="http://www.w3.org/2001/XMLSchema-instance" xmlns:pc="http://schemas.microsoft.com/office/infopath/2007/PartnerControls">
-  <documentManagement/>
-</p:properties>
-</file>
-
-<file path=customXml/item2.xml><?xml version="1.0" encoding="utf-8"?>
-<?mso-contentType ?>
-<FormTemplates xmlns="http://schemas.microsoft.com/sharepoint/v3/contenttype/forms">
-  <Display>DocumentLibraryForm</Display>
-  <Edit>DocumentLibraryForm</Edit>
-  <New>DocumentLibraryForm</New>
-</FormTemplates>
-</file>
-
-<file path=customXml/item3.xml><?xml version="1.0" encoding="utf-8"?>
 <ct:contentTypeSchema xmlns:ct="http://schemas.microsoft.com/office/2006/metadata/contentType" xmlns:ma="http://schemas.microsoft.com/office/2006/metadata/properties/metaAttributes" ct:_="" ma:_="" ma:contentTypeName="Document" ma:contentTypeID="0x01010084BDEA35F16FD64EAFB50D24D0B278CC" ma:contentTypeVersion="0" ma:contentTypeDescription="Create a new document." ma:contentTypeScope="" ma:versionID="0b7f5383295ef2e64e89ac2495ff3d4e">
   <xsd:schema xmlns:xsd="http://www.w3.org/2001/XMLSchema" xmlns:xs="http://www.w3.org/2001/XMLSchema" xmlns:p="http://schemas.microsoft.com/office/2006/metadata/properties" targetNamespace="http://schemas.microsoft.com/office/2006/metadata/properties" ma:root="true" ma:fieldsID="c64490b4aec6201516c3a874156f37b2">
     <xsd:element name="properties">
@@ -9480,17 +9012,33 @@
 </ct:contentTypeSchema>
 </file>
 
+<file path=customXml/item2.xml><?xml version="1.0" encoding="utf-8"?>
+<?mso-contentType ?>
+<FormTemplates xmlns="http://schemas.microsoft.com/sharepoint/v3/contenttype/forms">
+  <Display>DocumentLibraryForm</Display>
+  <Edit>DocumentLibraryForm</Edit>
+  <New>DocumentLibraryForm</New>
+</FormTemplates>
+</file>
+
+<file path=customXml/item3.xml><?xml version="1.0" encoding="utf-8"?>
+<p:properties xmlns:p="http://schemas.microsoft.com/office/2006/metadata/properties" xmlns:xsi="http://www.w3.org/2001/XMLSchema-instance" xmlns:pc="http://schemas.microsoft.com/office/infopath/2007/PartnerControls">
+  <documentManagement/>
+</p:properties>
+</file>
+
 <file path=customXml/itemProps1.xml><?xml version="1.0" encoding="utf-8"?>
-<ds:datastoreItem xmlns:ds="http://schemas.openxmlformats.org/officeDocument/2006/customXml" ds:itemID="{DB3AD410-478E-4068-B103-32D60D437510}">
+<ds:datastoreItem xmlns:ds="http://schemas.openxmlformats.org/officeDocument/2006/customXml" ds:itemID="{D7CF5377-8F54-4882-874E-AEB1934708BB}">
   <ds:schemaRefs>
+    <ds:schemaRef ds:uri="http://schemas.microsoft.com/office/2006/metadata/contentType"/>
+    <ds:schemaRef ds:uri="http://schemas.microsoft.com/office/2006/metadata/properties/metaAttributes"/>
+    <ds:schemaRef ds:uri="http://www.w3.org/2001/XMLSchema"/>
+    <ds:schemaRef ds:uri="http://schemas.microsoft.com/office/2006/metadata/properties"/>
     <ds:schemaRef ds:uri="http://schemas.openxmlformats.org/package/2006/metadata/core-properties"/>
-    <ds:schemaRef ds:uri="http://purl.org/dc/dcmitype/"/>
+    <ds:schemaRef ds:uri="http://purl.org/dc/elements/1.1/"/>
     <ds:schemaRef ds:uri="http://purl.org/dc/terms/"/>
-    <ds:schemaRef ds:uri="http://schemas.microsoft.com/office/2006/documentManagement/types"/>
-    <ds:schemaRef ds:uri="http://purl.org/dc/elements/1.1/"/>
+    <ds:schemaRef ds:uri="http://schemas.microsoft.com/internal/obd"/>
     <ds:schemaRef ds:uri="http://schemas.microsoft.com/office/infopath/2007/PartnerControls"/>
-    <ds:schemaRef ds:uri="http://schemas.microsoft.com/office/2006/metadata/properties"/>
-    <ds:schemaRef ds:uri="http://www.w3.org/XML/1998/namespace"/>
   </ds:schemaRefs>
 </ds:datastoreItem>
 </file>
@@ -9504,17 +9052,16 @@
 </file>
 
 <file path=customXml/itemProps3.xml><?xml version="1.0" encoding="utf-8"?>
-<ds:datastoreItem xmlns:ds="http://schemas.openxmlformats.org/officeDocument/2006/customXml" ds:itemID="{D7CF5377-8F54-4882-874E-AEB1934708BB}">
+<ds:datastoreItem xmlns:ds="http://schemas.openxmlformats.org/officeDocument/2006/customXml" ds:itemID="{DB3AD410-478E-4068-B103-32D60D437510}">
   <ds:schemaRefs>
-    <ds:schemaRef ds:uri="http://schemas.microsoft.com/office/2006/metadata/contentType"/>
-    <ds:schemaRef ds:uri="http://schemas.microsoft.com/office/2006/metadata/properties/metaAttributes"/>
-    <ds:schemaRef ds:uri="http://www.w3.org/2001/XMLSchema"/>
+    <ds:schemaRef ds:uri="http://schemas.openxmlformats.org/package/2006/metadata/core-properties"/>
+    <ds:schemaRef ds:uri="http://purl.org/dc/dcmitype/"/>
+    <ds:schemaRef ds:uri="http://purl.org/dc/terms/"/>
+    <ds:schemaRef ds:uri="http://schemas.microsoft.com/office/2006/documentManagement/types"/>
+    <ds:schemaRef ds:uri="http://purl.org/dc/elements/1.1/"/>
+    <ds:schemaRef ds:uri="http://schemas.microsoft.com/office/infopath/2007/PartnerControls"/>
     <ds:schemaRef ds:uri="http://schemas.microsoft.com/office/2006/metadata/properties"/>
-    <ds:schemaRef ds:uri="http://schemas.openxmlformats.org/package/2006/metadata/core-properties"/>
-    <ds:schemaRef ds:uri="http://purl.org/dc/elements/1.1/"/>
-    <ds:schemaRef ds:uri="http://purl.org/dc/terms/"/>
-    <ds:schemaRef ds:uri="http://schemas.microsoft.com/internal/obd"/>
-    <ds:schemaRef ds:uri="http://schemas.microsoft.com/office/infopath/2007/PartnerControls"/>
+    <ds:schemaRef ds:uri="http://www.w3.org/XML/1998/namespace"/>
   </ds:schemaRefs>
 </ds:datastoreItem>
 </file>